--- a/translations/en-us/beginner/Touch.pptx
+++ b/translations/en-us/beginner/Touch.pptx
@@ -5,10 +5,10 @@
     <p:sldMasterId id="2147483714" r:id="rId1"/>
   </p:sldMasterIdLst>
   <p:notesMasterIdLst>
-    <p:notesMasterId r:id="rId16"/>
+    <p:notesMasterId r:id="rId15"/>
   </p:notesMasterIdLst>
   <p:handoutMasterIdLst>
-    <p:handoutMasterId r:id="rId17"/>
+    <p:handoutMasterId r:id="rId16"/>
   </p:handoutMasterIdLst>
   <p:sldIdLst>
     <p:sldId id="410" r:id="rId2"/>
@@ -17,14 +17,13 @@
     <p:sldId id="414" r:id="rId5"/>
     <p:sldId id="419" r:id="rId6"/>
     <p:sldId id="327" r:id="rId7"/>
-    <p:sldId id="418" r:id="rId8"/>
-    <p:sldId id="420" r:id="rId9"/>
-    <p:sldId id="267" r:id="rId10"/>
-    <p:sldId id="412" r:id="rId11"/>
-    <p:sldId id="421" r:id="rId12"/>
-    <p:sldId id="413" r:id="rId13"/>
-    <p:sldId id="422" r:id="rId14"/>
-    <p:sldId id="409" r:id="rId15"/>
+    <p:sldId id="424" r:id="rId8"/>
+    <p:sldId id="267" r:id="rId9"/>
+    <p:sldId id="412" r:id="rId10"/>
+    <p:sldId id="421" r:id="rId11"/>
+    <p:sldId id="413" r:id="rId12"/>
+    <p:sldId id="422" r:id="rId13"/>
+    <p:sldId id="409" r:id="rId14"/>
   </p:sldIdLst>
   <p:sldSz cx="9144000" cy="6858000" type="screen4x3"/>
   <p:notesSz cx="6858000" cy="9144000"/>
@@ -224,7 +223,7 @@
           <a:p>
             <a:fld id="{F8D9B3D7-15CB-9343-AA49-EFB5A8F33F18}" type="datetimeFigureOut">
               <a:rPr lang="en-US" smtClean="0"/>
-              <a:t>2/28/2015</a:t>
+              <a:t>11/1/15</a:t>
             </a:fld>
             <a:endParaRPr lang="en-US"/>
           </a:p>
@@ -390,7 +389,7 @@
           <a:p>
             <a:fld id="{FD3EFF1E-85A1-6640-AFB9-C38833E80A84}" type="datetimeFigureOut">
               <a:rPr lang="en-US" smtClean="0"/>
-              <a:t>2/28/2015</a:t>
+              <a:t>11/1/15</a:t>
             </a:fld>
             <a:endParaRPr lang="en-US"/>
           </a:p>
@@ -827,6 +826,90 @@
 </p:notes>
 </file>
 
+<file path=ppt/notesSlides/notesSlide3.xml><?xml version="1.0" encoding="utf-8"?>
+<p:notes xmlns:a="http://schemas.openxmlformats.org/drawingml/2006/main" xmlns:r="http://schemas.openxmlformats.org/officeDocument/2006/relationships" xmlns:p="http://schemas.openxmlformats.org/presentationml/2006/main">
+  <p:cSld>
+    <p:spTree>
+      <p:nvGrpSpPr>
+        <p:cNvPr id="1" name=""/>
+        <p:cNvGrpSpPr/>
+        <p:nvPr/>
+      </p:nvGrpSpPr>
+      <p:grpSpPr>
+        <a:xfrm>
+          <a:off x="0" y="0"/>
+          <a:ext cx="0" cy="0"/>
+          <a:chOff x="0" y="0"/>
+          <a:chExt cx="0" cy="0"/>
+        </a:xfrm>
+      </p:grpSpPr>
+      <p:sp>
+        <p:nvSpPr>
+          <p:cNvPr id="2" name="Slide Image Placeholder 1"/>
+          <p:cNvSpPr>
+            <a:spLocks noGrp="1" noRot="1" noChangeAspect="1"/>
+          </p:cNvSpPr>
+          <p:nvPr>
+            <p:ph type="sldImg"/>
+          </p:nvPr>
+        </p:nvSpPr>
+        <p:spPr/>
+      </p:sp>
+      <p:sp>
+        <p:nvSpPr>
+          <p:cNvPr id="3" name="Notes Placeholder 2"/>
+          <p:cNvSpPr>
+            <a:spLocks noGrp="1"/>
+          </p:cNvSpPr>
+          <p:nvPr>
+            <p:ph type="body" idx="1"/>
+          </p:nvPr>
+        </p:nvSpPr>
+        <p:spPr/>
+        <p:txBody>
+          <a:bodyPr/>
+          <a:lstStyle/>
+          <a:p>
+            <a:endParaRPr lang="en-US"/>
+          </a:p>
+        </p:txBody>
+      </p:sp>
+      <p:sp>
+        <p:nvSpPr>
+          <p:cNvPr id="4" name="Slide Number Placeholder 3"/>
+          <p:cNvSpPr>
+            <a:spLocks noGrp="1"/>
+          </p:cNvSpPr>
+          <p:nvPr>
+            <p:ph type="sldNum" sz="quarter" idx="10"/>
+          </p:nvPr>
+        </p:nvSpPr>
+        <p:spPr/>
+        <p:txBody>
+          <a:bodyPr/>
+          <a:lstStyle/>
+          <a:p>
+            <a:fld id="{13967457-1E83-1040-AFF7-8D09C473DBD5}" type="slidenum">
+              <a:rPr lang="en-US" smtClean="0"/>
+              <a:t>10</a:t>
+            </a:fld>
+            <a:endParaRPr lang="en-US"/>
+          </a:p>
+        </p:txBody>
+      </p:sp>
+    </p:spTree>
+    <p:extLst>
+      <p:ext uri="{BB962C8B-B14F-4D97-AF65-F5344CB8AC3E}">
+        <p14:creationId xmlns:p14="http://schemas.microsoft.com/office/powerpoint/2010/main" val="1137836655"/>
+      </p:ext>
+    </p:extLst>
+  </p:cSld>
+  <p:clrMapOvr>
+    <a:masterClrMapping/>
+  </p:clrMapOvr>
+</p:notes>
+</file>
+
 <file path=ppt/slideLayouts/slideLayout1.xml><?xml version="1.0" encoding="utf-8"?>
 <p:sldLayout xmlns:a="http://schemas.openxmlformats.org/drawingml/2006/main" xmlns:r="http://schemas.openxmlformats.org/officeDocument/2006/relationships" xmlns:p="http://schemas.openxmlformats.org/presentationml/2006/main" showMasterSp="0" type="title" preserve="1">
   <p:cSld name="Title Slide">
@@ -1018,9 +1101,9 @@
           <a:bodyPr/>
           <a:lstStyle/>
           <a:p>
-            <a:fld id="{EE63EBD1-BF19-4577-AA50-8FDC66D4ABDA}" type="datetime1">
-              <a:rPr lang="en-US" smtClean="0"/>
-              <a:t>2/28/2015</a:t>
+            <a:fld id="{684F1F4F-7B22-E44C-8CD7-97B626D1700D}" type="datetime1">
+              <a:rPr lang="en-US" smtClean="0"/>
+              <a:t>11/1/15</a:t>
             </a:fld>
             <a:endParaRPr lang="en-US"/>
           </a:p>
@@ -1043,7 +1126,7 @@
           <a:p>
             <a:r>
               <a:rPr lang="en-US" smtClean="0"/>
-              <a:t>© EV3Lessons.com, 2015, (Last edit: 2/26/15)</a:t>
+              <a:t>© EV3Lessons.com, 2015, (Last edit: 11/01/15)</a:t>
             </a:r>
             <a:endParaRPr lang="en-US"/>
           </a:p>
@@ -1316,9 +1399,9 @@
           <a:bodyPr/>
           <a:lstStyle/>
           <a:p>
-            <a:fld id="{6345C841-BA90-48FC-9CA6-BD42511D5843}" type="datetime1">
-              <a:rPr lang="en-US" smtClean="0"/>
-              <a:t>2/28/2015</a:t>
+            <a:fld id="{3690C949-6CD6-E849-99AE-792EC6F94E3F}" type="datetime1">
+              <a:rPr lang="en-US" smtClean="0"/>
+              <a:t>11/1/15</a:t>
             </a:fld>
             <a:endParaRPr lang="en-US"/>
           </a:p>
@@ -1341,7 +1424,7 @@
           <a:p>
             <a:r>
               <a:rPr lang="en-US" smtClean="0"/>
-              <a:t>© EV3Lessons.com, 2015, (Last edit: 2/26/15)</a:t>
+              <a:t>© EV3Lessons.com, 2015, (Last edit: 11/01/15)</a:t>
             </a:r>
             <a:endParaRPr lang="en-US"/>
           </a:p>
@@ -1495,9 +1578,9 @@
           <a:bodyPr/>
           <a:lstStyle/>
           <a:p>
-            <a:fld id="{966C623B-D2F7-4F4D-BEAB-DF4DB430E817}" type="datetime1">
-              <a:rPr lang="en-US" smtClean="0"/>
-              <a:t>2/28/2015</a:t>
+            <a:fld id="{6B80381D-4AB5-B040-9FC9-32E7C7690B63}" type="datetime1">
+              <a:rPr lang="en-US" smtClean="0"/>
+              <a:t>11/1/15</a:t>
             </a:fld>
             <a:endParaRPr lang="en-US"/>
           </a:p>
@@ -1520,7 +1603,7 @@
           <a:p>
             <a:r>
               <a:rPr lang="en-US" smtClean="0"/>
-              <a:t>© EV3Lessons.com, 2015, (Last edit: 2/26/15)</a:t>
+              <a:t>© EV3Lessons.com, 2015, (Last edit: 11/01/15)</a:t>
             </a:r>
             <a:endParaRPr lang="en-US"/>
           </a:p>
@@ -1674,9 +1757,9 @@
           <a:bodyPr/>
           <a:lstStyle/>
           <a:p>
-            <a:fld id="{1022EB12-689B-4FEB-88B6-4643836D4D2F}" type="datetime1">
-              <a:rPr lang="en-US" smtClean="0"/>
-              <a:t>2/28/2015</a:t>
+            <a:fld id="{053BFB22-43C5-AD42-A158-9D81081DC704}" type="datetime1">
+              <a:rPr lang="en-US" smtClean="0"/>
+              <a:t>11/1/15</a:t>
             </a:fld>
             <a:endParaRPr lang="en-US"/>
           </a:p>
@@ -1699,7 +1782,7 @@
           <a:p>
             <a:r>
               <a:rPr lang="en-US" smtClean="0"/>
-              <a:t>© EV3Lessons.com, 2015, (Last edit: 2/26/15)</a:t>
+              <a:t>© EV3Lessons.com, 2015, (Last edit: 11/01/15)</a:t>
             </a:r>
             <a:endParaRPr lang="en-US"/>
           </a:p>
@@ -1939,9 +2022,9 @@
           <a:bodyPr/>
           <a:lstStyle/>
           <a:p>
-            <a:fld id="{BE0891F5-5077-4EE3-A8A1-63E4004FF903}" type="datetime1">
-              <a:rPr lang="en-US" smtClean="0"/>
-              <a:t>2/28/2015</a:t>
+            <a:fld id="{F9531A7B-F17E-BA48-BEE3-218A313D12A3}" type="datetime1">
+              <a:rPr lang="en-US" smtClean="0"/>
+              <a:t>11/1/15</a:t>
             </a:fld>
             <a:endParaRPr lang="en-US"/>
           </a:p>
@@ -1987,7 +2070,7 @@
           <a:p>
             <a:r>
               <a:rPr lang="en-US" smtClean="0"/>
-              <a:t>© EV3Lessons.com, 2015, (Last edit: 2/26/15)</a:t>
+              <a:t>© EV3Lessons.com, 2015, (Last edit: 11/01/15)</a:t>
             </a:r>
             <a:endParaRPr lang="en-US"/>
           </a:p>
@@ -2238,9 +2321,9 @@
           <a:bodyPr/>
           <a:lstStyle/>
           <a:p>
-            <a:fld id="{2AC1AF06-981D-4728-913D-13A597146948}" type="datetime1">
-              <a:rPr lang="en-US" smtClean="0"/>
-              <a:t>2/28/2015</a:t>
+            <a:fld id="{0DFEF492-EB6F-3045-8E2E-23E02EA38137}" type="datetime1">
+              <a:rPr lang="en-US" smtClean="0"/>
+              <a:t>11/1/15</a:t>
             </a:fld>
             <a:endParaRPr lang="en-US"/>
           </a:p>
@@ -2263,7 +2346,7 @@
           <a:p>
             <a:r>
               <a:rPr lang="en-US" smtClean="0"/>
-              <a:t>© EV3Lessons.com, 2015, (Last edit: 2/26/15)</a:t>
+              <a:t>© EV3Lessons.com, 2015, (Last edit: 11/01/15)</a:t>
             </a:r>
             <a:endParaRPr lang="en-US"/>
           </a:p>
@@ -2688,9 +2771,9 @@
           <a:bodyPr/>
           <a:lstStyle/>
           <a:p>
-            <a:fld id="{8AA4FD58-8F7E-40DC-B013-43EC8861B127}" type="datetime1">
-              <a:rPr lang="en-US" smtClean="0"/>
-              <a:t>2/28/2015</a:t>
+            <a:fld id="{E77766D9-8471-4547-AEDA-E4B9150624F4}" type="datetime1">
+              <a:rPr lang="en-US" smtClean="0"/>
+              <a:t>11/1/15</a:t>
             </a:fld>
             <a:endParaRPr lang="en-US"/>
           </a:p>
@@ -2713,7 +2796,7 @@
           <a:p>
             <a:r>
               <a:rPr lang="en-US" smtClean="0"/>
-              <a:t>© EV3Lessons.com, 2015, (Last edit: 2/26/15)</a:t>
+              <a:t>© EV3Lessons.com, 2015, (Last edit: 11/01/15)</a:t>
             </a:r>
             <a:endParaRPr lang="en-US"/>
           </a:p>
@@ -2805,9 +2888,9 @@
           <a:bodyPr/>
           <a:lstStyle/>
           <a:p>
-            <a:fld id="{2083442F-774E-447D-ACDB-682104012A7F}" type="datetime1">
-              <a:rPr lang="en-US" smtClean="0"/>
-              <a:t>2/28/2015</a:t>
+            <a:fld id="{4846874A-CD45-764C-816E-3E208066D60E}" type="datetime1">
+              <a:rPr lang="en-US" smtClean="0"/>
+              <a:t>11/1/15</a:t>
             </a:fld>
             <a:endParaRPr lang="en-US"/>
           </a:p>
@@ -2830,7 +2913,7 @@
           <a:p>
             <a:r>
               <a:rPr lang="en-US" smtClean="0"/>
-              <a:t>© EV3Lessons.com, 2015, (Last edit: 2/26/15)</a:t>
+              <a:t>© EV3Lessons.com, 2015, (Last edit: 11/01/15)</a:t>
             </a:r>
             <a:endParaRPr lang="en-US"/>
           </a:p>
@@ -2899,9 +2982,9 @@
           <a:bodyPr/>
           <a:lstStyle/>
           <a:p>
-            <a:fld id="{5809C5C0-F335-44B4-B962-A13900E5B6F5}" type="datetime1">
-              <a:rPr lang="en-US" smtClean="0"/>
-              <a:t>2/28/2015</a:t>
+            <a:fld id="{217EC058-3B08-FF41-ADD9-86F61707E923}" type="datetime1">
+              <a:rPr lang="en-US" smtClean="0"/>
+              <a:t>11/1/15</a:t>
             </a:fld>
             <a:endParaRPr lang="en-US"/>
           </a:p>
@@ -2924,7 +3007,7 @@
           <a:p>
             <a:r>
               <a:rPr lang="en-US" smtClean="0"/>
-              <a:t>© EV3Lessons.com, 2015, (Last edit: 2/26/15)</a:t>
+              <a:t>© EV3Lessons.com, 2015, (Last edit: 11/01/15)</a:t>
             </a:r>
             <a:endParaRPr lang="en-US"/>
           </a:p>
@@ -3145,9 +3228,9 @@
           <a:bodyPr/>
           <a:lstStyle/>
           <a:p>
-            <a:fld id="{69F957CB-9920-4382-A664-6246417E8504}" type="datetime1">
-              <a:rPr lang="en-US" smtClean="0"/>
-              <a:t>2/28/2015</a:t>
+            <a:fld id="{A812FCC7-9986-E94C-97A2-D55428F204C8}" type="datetime1">
+              <a:rPr lang="en-US" smtClean="0"/>
+              <a:t>11/1/15</a:t>
             </a:fld>
             <a:endParaRPr lang="en-US"/>
           </a:p>
@@ -3170,7 +3253,7 @@
           <a:p>
             <a:r>
               <a:rPr lang="en-US" smtClean="0"/>
-              <a:t>© EV3Lessons.com, 2015, (Last edit: 2/26/15)</a:t>
+              <a:t>© EV3Lessons.com, 2015, (Last edit: 11/01/15)</a:t>
             </a:r>
             <a:endParaRPr lang="en-US"/>
           </a:p>
@@ -3443,9 +3526,9 @@
           <a:bodyPr/>
           <a:lstStyle/>
           <a:p>
-            <a:fld id="{4237644F-E428-4042-A149-8B12818FE8BB}" type="datetime1">
-              <a:rPr lang="en-US" smtClean="0"/>
-              <a:t>2/28/2015</a:t>
+            <a:fld id="{BDD86D50-32F9-734C-ADCD-FD64F05E2AA1}" type="datetime1">
+              <a:rPr lang="en-US" smtClean="0"/>
+              <a:t>11/1/15</a:t>
             </a:fld>
             <a:endParaRPr lang="en-US"/>
           </a:p>
@@ -3468,7 +3551,7 @@
           <a:p>
             <a:r>
               <a:rPr lang="en-US" smtClean="0"/>
-              <a:t>© EV3Lessons.com, 2015, (Last edit: 2/26/15)</a:t>
+              <a:t>© EV3Lessons.com, 2015, (Last edit: 11/01/15)</a:t>
             </a:r>
             <a:endParaRPr lang="en-US"/>
           </a:p>
@@ -3741,9 +3824,9 @@
             </a:lvl1pPr>
           </a:lstStyle>
           <a:p>
-            <a:fld id="{5D172011-4CD2-4141-A550-6EC2A6B0A363}" type="datetime1">
-              <a:rPr lang="en-US" smtClean="0"/>
-              <a:t>2/28/2015</a:t>
+            <a:fld id="{BBB9EF71-9ACD-524A-B753-2850C8B44F29}" type="datetime1">
+              <a:rPr lang="en-US" smtClean="0"/>
+              <a:t>11/1/15</a:t>
             </a:fld>
             <a:endParaRPr lang="en-US"/>
           </a:p>
@@ -3782,7 +3865,7 @@
           <a:p>
             <a:r>
               <a:rPr lang="en-US" smtClean="0"/>
-              <a:t>© EV3Lessons.com, 2015, (Last edit: 2/26/15)</a:t>
+              <a:t>© EV3Lessons.com, 2015, (Last edit: 11/01/15)</a:t>
             </a:r>
             <a:endParaRPr lang="en-US"/>
           </a:p>
@@ -4429,7 +4512,7 @@
           <a:noFill/>
           <a:extLst>
             <a:ext uri="{909E8E84-426E-40dd-AFC4-6F175D3DCCD1}">
-              <a14:hiddenFill xmlns:a14="http://schemas.microsoft.com/office/drawing/2010/main" xmlns="">
+              <a14:hiddenFill xmlns="" xmlns:a14="http://schemas.microsoft.com/office/drawing/2010/main">
                 <a:solidFill>
                   <a:srgbClr val="FFFFFF"/>
                 </a:solidFill>
@@ -4492,152 +4575,6 @@
           <a:p>
             <a:r>
               <a:rPr lang="en-US" dirty="0" smtClean="0"/>
-              <a:t>Challenge 1 Solution</a:t>
-            </a:r>
-            <a:endParaRPr lang="en-US" dirty="0"/>
-          </a:p>
-        </p:txBody>
-      </p:sp>
-      <p:sp>
-        <p:nvSpPr>
-          <p:cNvPr id="3" name="Content Placeholder 2"/>
-          <p:cNvSpPr>
-            <a:spLocks noGrp="1"/>
-          </p:cNvSpPr>
-          <p:nvPr>
-            <p:ph idx="1"/>
-          </p:nvPr>
-        </p:nvSpPr>
-        <p:spPr/>
-        <p:txBody>
-          <a:bodyPr/>
-          <a:lstStyle/>
-          <a:p>
-            <a:r>
-              <a:rPr lang="en-US" dirty="0" smtClean="0"/>
-              <a:t>Add screenshot</a:t>
-            </a:r>
-            <a:endParaRPr lang="en-US" dirty="0"/>
-          </a:p>
-        </p:txBody>
-      </p:sp>
-      <p:sp>
-        <p:nvSpPr>
-          <p:cNvPr id="4" name="Slide Number Placeholder 3"/>
-          <p:cNvSpPr>
-            <a:spLocks noGrp="1"/>
-          </p:cNvSpPr>
-          <p:nvPr>
-            <p:ph type="sldNum" sz="quarter" idx="12"/>
-          </p:nvPr>
-        </p:nvSpPr>
-        <p:spPr/>
-        <p:txBody>
-          <a:bodyPr/>
-          <a:lstStyle/>
-          <a:p>
-            <a:fld id="{4DBC7FC8-25FB-FC45-8177-2B991DA6778C}" type="slidenum">
-              <a:rPr lang="en-US" smtClean="0"/>
-              <a:t>10</a:t>
-            </a:fld>
-            <a:endParaRPr lang="en-US"/>
-          </a:p>
-        </p:txBody>
-      </p:sp>
-      <p:sp>
-        <p:nvSpPr>
-          <p:cNvPr id="6" name="Footer Placeholder 5"/>
-          <p:cNvSpPr>
-            <a:spLocks noGrp="1"/>
-          </p:cNvSpPr>
-          <p:nvPr>
-            <p:ph type="ftr" sz="quarter" idx="11"/>
-          </p:nvPr>
-        </p:nvSpPr>
-        <p:spPr/>
-        <p:txBody>
-          <a:bodyPr/>
-          <a:lstStyle/>
-          <a:p>
-            <a:r>
-              <a:rPr lang="en-US" smtClean="0"/>
-              <a:t>© EV3Lessons.com, 2015, (Last edit: 2/26/15)</a:t>
-            </a:r>
-            <a:endParaRPr lang="en-US"/>
-          </a:p>
-        </p:txBody>
-      </p:sp>
-      <p:pic>
-        <p:nvPicPr>
-          <p:cNvPr id="7" name="Picture 6"/>
-          <p:cNvPicPr>
-            <a:picLocks noChangeAspect="1"/>
-          </p:cNvPicPr>
-          <p:nvPr/>
-        </p:nvPicPr>
-        <p:blipFill>
-          <a:blip r:embed="rId2"/>
-          <a:stretch>
-            <a:fillRect/>
-          </a:stretch>
-        </p:blipFill>
-        <p:spPr>
-          <a:xfrm>
-            <a:off x="333088" y="1121023"/>
-            <a:ext cx="7620946" cy="4828085"/>
-          </a:xfrm>
-          <a:prstGeom prst="rect">
-            <a:avLst/>
-          </a:prstGeom>
-        </p:spPr>
-      </p:pic>
-    </p:spTree>
-    <p:extLst>
-      <p:ext uri="{BB962C8B-B14F-4D97-AF65-F5344CB8AC3E}">
-        <p14:creationId xmlns:p14="http://schemas.microsoft.com/office/powerpoint/2010/main" val="774892794"/>
-      </p:ext>
-    </p:extLst>
-  </p:cSld>
-  <p:clrMapOvr>
-    <a:masterClrMapping/>
-  </p:clrMapOvr>
-</p:sld>
-</file>
-
-<file path=ppt/slides/slide11.xml><?xml version="1.0" encoding="utf-8"?>
-<p:sld xmlns:a="http://schemas.openxmlformats.org/drawingml/2006/main" xmlns:r="http://schemas.openxmlformats.org/officeDocument/2006/relationships" xmlns:p="http://schemas.openxmlformats.org/presentationml/2006/main">
-  <p:cSld>
-    <p:spTree>
-      <p:nvGrpSpPr>
-        <p:cNvPr id="1" name=""/>
-        <p:cNvGrpSpPr/>
-        <p:nvPr/>
-      </p:nvGrpSpPr>
-      <p:grpSpPr>
-        <a:xfrm>
-          <a:off x="0" y="0"/>
-          <a:ext cx="0" cy="0"/>
-          <a:chOff x="0" y="0"/>
-          <a:chExt cx="0" cy="0"/>
-        </a:xfrm>
-      </p:grpSpPr>
-      <p:sp>
-        <p:nvSpPr>
-          <p:cNvPr id="2" name="Title 1"/>
-          <p:cNvSpPr>
-            <a:spLocks noGrp="1"/>
-          </p:cNvSpPr>
-          <p:nvPr>
-            <p:ph type="title"/>
-          </p:nvPr>
-        </p:nvSpPr>
-        <p:spPr/>
-        <p:txBody>
-          <a:bodyPr/>
-          <a:lstStyle/>
-          <a:p>
-            <a:r>
-              <a:rPr lang="en-US" dirty="0" smtClean="0"/>
               <a:t>CHALLENGE 2</a:t>
             </a:r>
             <a:endParaRPr lang="en-US" dirty="0"/>
@@ -4682,7 +4619,7 @@
           <p:nvPr/>
         </p:nvPicPr>
         <p:blipFill>
-          <a:blip r:embed="rId2"/>
+          <a:blip r:embed="rId3"/>
           <a:stretch>
             <a:fillRect/>
           </a:stretch>
@@ -4706,7 +4643,7 @@
           <p:nvPr/>
         </p:nvPicPr>
         <p:blipFill>
-          <a:blip r:embed="rId3">
+          <a:blip r:embed="rId4">
             <a:extLst>
               <a:ext uri="{28A0092B-C50C-407E-A947-70E740481C1C}">
                 <a14:useLocalDpi xmlns:a14="http://schemas.microsoft.com/office/drawing/2010/main" val="0"/>
@@ -4736,7 +4673,7 @@
           <p:nvPr/>
         </p:nvPicPr>
         <p:blipFill>
-          <a:blip r:embed="rId4">
+          <a:blip r:embed="rId5">
             <a:extLst>
               <a:ext uri="{28A0092B-C50C-407E-A947-70E740481C1C}">
                 <a14:useLocalDpi xmlns:a14="http://schemas.microsoft.com/office/drawing/2010/main" val="0"/>
@@ -4901,7 +4838,7 @@
           <a:p>
             <a:fld id="{4DBC7FC8-25FB-FC45-8177-2B991DA6778C}" type="slidenum">
               <a:rPr lang="en-US" smtClean="0"/>
-              <a:t>11</a:t>
+              <a:t>10</a:t>
             </a:fld>
             <a:endParaRPr lang="en-US"/>
           </a:p>
@@ -4924,7 +4861,7 @@
           <a:p>
             <a:r>
               <a:rPr lang="en-US" smtClean="0"/>
-              <a:t>© EV3Lessons.com, 2015, (Last edit: 2/26/15)</a:t>
+              <a:t>© EV3Lessons.com, 2015, (Last edit: 11/01/15)</a:t>
             </a:r>
             <a:endParaRPr lang="en-US"/>
           </a:p>
@@ -5367,7 +5304,7 @@
 </p:sld>
 </file>
 
-<file path=ppt/slides/slide12.xml><?xml version="1.0" encoding="utf-8"?>
+<file path=ppt/slides/slide11.xml><?xml version="1.0" encoding="utf-8"?>
 <p:sld xmlns:a="http://schemas.openxmlformats.org/drawingml/2006/main" xmlns:r="http://schemas.openxmlformats.org/officeDocument/2006/relationships" xmlns:p="http://schemas.openxmlformats.org/presentationml/2006/main">
   <p:cSld>
     <p:spTree>
@@ -5409,12 +5346,12 @@
       </p:sp>
       <p:sp>
         <p:nvSpPr>
-          <p:cNvPr id="3" name="Content Placeholder 2"/>
-          <p:cNvSpPr>
-            <a:spLocks noGrp="1"/>
-          </p:cNvSpPr>
-          <p:nvPr>
-            <p:ph idx="1"/>
+          <p:cNvPr id="4" name="Slide Number Placeholder 3"/>
+          <p:cNvSpPr>
+            <a:spLocks noGrp="1"/>
+          </p:cNvSpPr>
+          <p:nvPr>
+            <p:ph type="sldNum" sz="quarter" idx="12"/>
           </p:nvPr>
         </p:nvSpPr>
         <p:spPr/>
@@ -5422,32 +5359,9 @@
           <a:bodyPr/>
           <a:lstStyle/>
           <a:p>
-            <a:r>
-              <a:rPr lang="en-US" dirty="0" smtClean="0"/>
-              <a:t>Add Screenshot</a:t>
-            </a:r>
-            <a:endParaRPr lang="en-US" dirty="0"/>
-          </a:p>
-        </p:txBody>
-      </p:sp>
-      <p:sp>
-        <p:nvSpPr>
-          <p:cNvPr id="4" name="Slide Number Placeholder 3"/>
-          <p:cNvSpPr>
-            <a:spLocks noGrp="1"/>
-          </p:cNvSpPr>
-          <p:nvPr>
-            <p:ph type="sldNum" sz="quarter" idx="12"/>
-          </p:nvPr>
-        </p:nvSpPr>
-        <p:spPr/>
-        <p:txBody>
-          <a:bodyPr/>
-          <a:lstStyle/>
-          <a:p>
             <a:fld id="{4DBC7FC8-25FB-FC45-8177-2B991DA6778C}" type="slidenum">
               <a:rPr lang="en-US" smtClean="0"/>
-              <a:t>12</a:t>
+              <a:t>11</a:t>
             </a:fld>
             <a:endParaRPr lang="en-US"/>
           </a:p>
@@ -5470,7 +5384,7 @@
           <a:p>
             <a:r>
               <a:rPr lang="en-US" smtClean="0"/>
-              <a:t>© EV3Lessons.com, 2015, (Last edit: 2/26/15)</a:t>
+              <a:t>© EV3Lessons.com, 2015, (Last edit: 11/01/15)</a:t>
             </a:r>
             <a:endParaRPr lang="en-US"/>
           </a:p>
@@ -5478,22 +5392,28 @@
       </p:sp>
       <p:pic>
         <p:nvPicPr>
-          <p:cNvPr id="7" name="Picture 6"/>
+          <p:cNvPr id="17" name="Picture 16"/>
           <p:cNvPicPr>
             <a:picLocks noChangeAspect="1"/>
           </p:cNvPicPr>
           <p:nvPr/>
         </p:nvPicPr>
         <p:blipFill>
-          <a:blip r:embed="rId2"/>
+          <a:blip r:embed="rId2">
+            <a:extLst>
+              <a:ext uri="{28A0092B-C50C-407E-A947-70E740481C1C}">
+                <a14:useLocalDpi xmlns:a14="http://schemas.microsoft.com/office/drawing/2010/main" val="0"/>
+              </a:ext>
+            </a:extLst>
+          </a:blip>
           <a:stretch>
             <a:fillRect/>
           </a:stretch>
         </p:blipFill>
         <p:spPr>
           <a:xfrm>
-            <a:off x="264118" y="1074373"/>
-            <a:ext cx="7341219" cy="4885751"/>
+            <a:off x="322728" y="1524318"/>
+            <a:ext cx="8415235" cy="3445164"/>
           </a:xfrm>
           <a:prstGeom prst="rect">
             <a:avLst/>
@@ -5520,7 +5440,7 @@
 </p:sld>
 </file>
 
-<file path=ppt/slides/slide13.xml><?xml version="1.0" encoding="utf-8"?>
+<file path=ppt/slides/slide12.xml><?xml version="1.0" encoding="utf-8"?>
 <p:sld xmlns:a="http://schemas.openxmlformats.org/drawingml/2006/main" xmlns:r="http://schemas.openxmlformats.org/officeDocument/2006/relationships" xmlns:p="http://schemas.openxmlformats.org/presentationml/2006/main">
   <p:cSld>
     <p:spTree>
@@ -5744,7 +5664,7 @@
           <a:p>
             <a:r>
               <a:rPr lang="en-US" smtClean="0"/>
-              <a:t>© EV3Lessons.com, 2015, (Last edit: 2/26/15)</a:t>
+              <a:t>© EV3Lessons.com, 2015, (Last edit: 11/01/15)</a:t>
             </a:r>
             <a:endParaRPr lang="en-US"/>
           </a:p>
@@ -5767,7 +5687,7 @@
           <a:p>
             <a:fld id="{4DBC7FC8-25FB-FC45-8177-2B991DA6778C}" type="slidenum">
               <a:rPr lang="en-US" smtClean="0"/>
-              <a:t>13</a:t>
+              <a:t>12</a:t>
             </a:fld>
             <a:endParaRPr lang="en-US"/>
           </a:p>
@@ -6012,7 +5932,7 @@
 </p:sld>
 </file>
 
-<file path=ppt/slides/slide14.xml><?xml version="1.0" encoding="utf-8"?>
+<file path=ppt/slides/slide13.xml><?xml version="1.0" encoding="utf-8"?>
 <p:sld xmlns:a="http://schemas.openxmlformats.org/drawingml/2006/main" xmlns:r="http://schemas.openxmlformats.org/officeDocument/2006/relationships" xmlns:p="http://schemas.openxmlformats.org/presentationml/2006/main">
   <p:cSld>
     <p:spTree>
@@ -6149,7 +6069,7 @@
           <a:effectLst/>
           <a:extLst>
             <a:ext uri="{91240B29-F687-4f45-9708-019B960494DF}">
-              <a14:hiddenLine xmlns:a14="http://schemas.microsoft.com/office/drawing/2010/main" xmlns="" w="9525">
+              <a14:hiddenLine xmlns="" xmlns:a14="http://schemas.microsoft.com/office/drawing/2010/main" w="9525">
                 <a:solidFill>
                   <a:schemeClr val="tx1"/>
                 </a:solidFill>
@@ -6159,7 +6079,7 @@
               </a14:hiddenLine>
             </a:ext>
             <a:ext uri="{AF507438-7753-43e0-B8FC-AC1667EBCBE1}">
-              <a14:hiddenEffects xmlns:a14="http://schemas.microsoft.com/office/drawing/2010/main" xmlns="">
+              <a14:hiddenEffects xmlns="" xmlns:a14="http://schemas.microsoft.com/office/drawing/2010/main">
                 <a:effectLst>
                   <a:outerShdw dist="35921" dir="2700000" algn="ctr" rotWithShape="0">
                     <a:schemeClr val="bg2"/>
@@ -6512,7 +6432,7 @@
           <a:noFill/>
           <a:extLst>
             <a:ext uri="{909E8E84-426E-40dd-AFC4-6F175D3DCCD1}">
-              <a14:hiddenFill xmlns:a14="http://schemas.microsoft.com/office/drawing/2010/main" xmlns="">
+              <a14:hiddenFill xmlns="" xmlns:a14="http://schemas.microsoft.com/office/drawing/2010/main">
                 <a:solidFill>
                   <a:srgbClr val="FFFFFF"/>
                 </a:solidFill>
@@ -6538,7 +6458,7 @@
           <a:p>
             <a:fld id="{4DBC7FC8-25FB-FC45-8177-2B991DA6778C}" type="slidenum">
               <a:rPr lang="en-US" smtClean="0"/>
-              <a:t>14</a:t>
+              <a:t>13</a:t>
             </a:fld>
             <a:endParaRPr lang="en-US"/>
           </a:p>
@@ -6561,7 +6481,7 @@
           <a:p>
             <a:r>
               <a:rPr lang="en-US" smtClean="0"/>
-              <a:t>© EV3Lessons.com, 2015, (Last edit: 2/26/15)</a:t>
+              <a:t>© EV3Lessons.com, 2015, (Last edit: 11/01/15)</a:t>
             </a:r>
             <a:endParaRPr lang="en-US"/>
           </a:p>
@@ -6708,7 +6628,7 @@
           <a:p>
             <a:r>
               <a:rPr lang="en-US" smtClean="0"/>
-              <a:t>© EV3Lessons.com, 2015, (Last edit: 2/26/2015)</a:t>
+              <a:t>© EV3Lessons.com, 2015, (Last edit: 11/01/15)</a:t>
             </a:r>
             <a:endParaRPr lang="en-US"/>
           </a:p>
@@ -6832,44 +6752,28 @@
           <a:p>
             <a:pPr marL="800100" lvl="1" indent="-342900"/>
             <a:r>
-              <a:rPr lang="en-US" dirty="0" smtClean="0">
-                <a:solidFill>
-                  <a:srgbClr val="00B050"/>
-                </a:solidFill>
-              </a:rPr>
+              <a:rPr lang="en-US" dirty="0" smtClean="0"/>
               <a:t>Color – measures color and darkness</a:t>
             </a:r>
           </a:p>
           <a:p>
             <a:pPr marL="800100" lvl="1" indent="-342900"/>
             <a:r>
-              <a:rPr lang="en-US" dirty="0" smtClean="0">
-                <a:solidFill>
-                  <a:srgbClr val="00B050"/>
-                </a:solidFill>
-              </a:rPr>
+              <a:rPr lang="en-US" dirty="0" smtClean="0"/>
               <a:t>Gyro – measures rotation of robot </a:t>
             </a:r>
           </a:p>
           <a:p>
             <a:pPr marL="800100" lvl="1" indent="-342900"/>
             <a:r>
-              <a:rPr lang="en-US" dirty="0" smtClean="0">
-                <a:solidFill>
-                  <a:srgbClr val="00B050"/>
-                </a:solidFill>
-              </a:rPr>
+              <a:rPr lang="en-US" dirty="0" smtClean="0"/>
               <a:t>Ultrasonic – measures distance to nearby surfaces</a:t>
             </a:r>
           </a:p>
           <a:p>
             <a:pPr marL="800100" lvl="1" indent="-342900"/>
             <a:r>
-              <a:rPr lang="en-US" dirty="0" smtClean="0">
-                <a:solidFill>
-                  <a:srgbClr val="00B050"/>
-                </a:solidFill>
-              </a:rPr>
+              <a:rPr lang="en-US" dirty="0" smtClean="0"/>
               <a:t>Touch – measures contact with surface</a:t>
             </a:r>
           </a:p>
@@ -6942,7 +6846,7 @@
           <a:noFill/>
           <a:extLst>
             <a:ext uri="{909E8E84-426E-40dd-AFC4-6F175D3DCCD1}">
-              <a14:hiddenFill xmlns:a14="http://schemas.microsoft.com/office/drawing/2010/main" xmlns="">
+              <a14:hiddenFill xmlns="" xmlns:a14="http://schemas.microsoft.com/office/drawing/2010/main">
                 <a:solidFill>
                   <a:srgbClr val="FFFFFF"/>
                 </a:solidFill>
@@ -7014,44 +6918,9 @@
           <a:p>
             <a:r>
               <a:rPr lang="en-US" smtClean="0"/>
-              <a:t>© EV3Lessons.com, 2015, (Last edit: 2/26/15)</a:t>
+              <a:t>© EV3Lessons.com, 2015, (Last edit: 11/01/15)</a:t>
             </a:r>
             <a:endParaRPr lang="en-US"/>
-          </a:p>
-        </p:txBody>
-      </p:sp>
-      <p:sp>
-        <p:nvSpPr>
-          <p:cNvPr id="7" name="TextBox 6"/>
-          <p:cNvSpPr txBox="1"/>
-          <p:nvPr/>
-        </p:nvSpPr>
-        <p:spPr>
-          <a:xfrm>
-            <a:off x="6616095" y="1630255"/>
-            <a:ext cx="2046283" cy="923330"/>
-          </a:xfrm>
-          <a:prstGeom prst="rect">
-            <a:avLst/>
-          </a:prstGeom>
-          <a:noFill/>
-          <a:ln>
-            <a:solidFill>
-              <a:schemeClr val="tx1"/>
-            </a:solidFill>
-          </a:ln>
-        </p:spPr>
-        <p:txBody>
-          <a:bodyPr wrap="square" rtlCol="0">
-            <a:spAutoFit/>
-          </a:bodyPr>
-          <a:lstStyle/>
-          <a:p>
-            <a:r>
-              <a:rPr lang="en-US" i="1" dirty="0" smtClean="0"/>
-              <a:t>Our lessons will cover the 4 sensors in green.</a:t>
-            </a:r>
-            <a:endParaRPr lang="en-US" i="1" dirty="0"/>
           </a:p>
         </p:txBody>
       </p:sp>
@@ -7262,7 +7131,7 @@
           <a:p>
             <a:r>
               <a:rPr lang="en-US" smtClean="0"/>
-              <a:t>© EV3Lessons.com, 2015, (Last edit: 2/26/15)</a:t>
+              <a:t>© EV3Lessons.com, 2015, (Last edit: 11/01/15)</a:t>
             </a:r>
             <a:endParaRPr lang="en-US"/>
           </a:p>
@@ -8243,7 +8112,7 @@
           <a:p>
             <a:r>
               <a:rPr lang="en-US" smtClean="0"/>
-              <a:t>© EV3Lessons.com, 2015, (Last edit: 2/26/15)</a:t>
+              <a:t>© EV3Lessons.com, 2015, (Last edit: 11/01/15)</a:t>
             </a:r>
             <a:endParaRPr lang="en-US"/>
           </a:p>
@@ -8780,7 +8649,7 @@
           <a:p>
             <a:r>
               <a:rPr lang="en-US" smtClean="0"/>
-              <a:t>© EV3Lessons.com, 2015, (Last edit: 2/26/15)</a:t>
+              <a:t>© EV3Lessons.com, 2015, (Last edit: 11/01/15)</a:t>
             </a:r>
             <a:endParaRPr lang="en-US"/>
           </a:p>
@@ -8955,9 +8824,362 @@
           <a:chExt cx="0" cy="0"/>
         </a:xfrm>
       </p:grpSpPr>
+      <p:sp>
+        <p:nvSpPr>
+          <p:cNvPr id="2" name="Title 1"/>
+          <p:cNvSpPr>
+            <a:spLocks noGrp="1"/>
+          </p:cNvSpPr>
+          <p:nvPr>
+            <p:ph type="title"/>
+          </p:nvPr>
+        </p:nvSpPr>
+        <p:spPr/>
+        <p:txBody>
+          <a:bodyPr/>
+          <a:lstStyle/>
+          <a:p>
+            <a:r>
+              <a:rPr lang="en-US" dirty="0" smtClean="0"/>
+              <a:t>Move on and OFF</a:t>
+            </a:r>
+            <a:endParaRPr lang="en-US" dirty="0"/>
+          </a:p>
+        </p:txBody>
+      </p:sp>
+      <p:sp>
+        <p:nvSpPr>
+          <p:cNvPr id="4" name="Footer Placeholder 3"/>
+          <p:cNvSpPr>
+            <a:spLocks noGrp="1"/>
+          </p:cNvSpPr>
+          <p:nvPr>
+            <p:ph type="ftr" sz="quarter" idx="11"/>
+          </p:nvPr>
+        </p:nvSpPr>
+        <p:spPr/>
+        <p:txBody>
+          <a:bodyPr/>
+          <a:lstStyle/>
+          <a:p>
+            <a:r>
+              <a:rPr lang="en-US" smtClean="0"/>
+              <a:t>© EV3Lessons.com, 2015, (Last edit: 11/01/15)</a:t>
+            </a:r>
+            <a:endParaRPr lang="en-US"/>
+          </a:p>
+        </p:txBody>
+      </p:sp>
+      <p:sp>
+        <p:nvSpPr>
+          <p:cNvPr id="5" name="Slide Number Placeholder 4"/>
+          <p:cNvSpPr>
+            <a:spLocks noGrp="1"/>
+          </p:cNvSpPr>
+          <p:nvPr>
+            <p:ph type="sldNum" sz="quarter" idx="12"/>
+          </p:nvPr>
+        </p:nvSpPr>
+        <p:spPr/>
+        <p:txBody>
+          <a:bodyPr/>
+          <a:lstStyle/>
+          <a:p>
+            <a:fld id="{4DBC7FC8-25FB-FC45-8177-2B991DA6778C}" type="slidenum">
+              <a:rPr lang="en-US" smtClean="0"/>
+              <a:t>7</a:t>
+            </a:fld>
+            <a:endParaRPr lang="en-US"/>
+          </a:p>
+        </p:txBody>
+      </p:sp>
+      <p:sp>
+        <p:nvSpPr>
+          <p:cNvPr id="6" name="TextBox 5"/>
+          <p:cNvSpPr txBox="1"/>
+          <p:nvPr/>
+        </p:nvSpPr>
+        <p:spPr>
+          <a:xfrm>
+            <a:off x="5175701" y="3830831"/>
+            <a:ext cx="3128895" cy="923330"/>
+          </a:xfrm>
+          <a:prstGeom prst="rect">
+            <a:avLst/>
+          </a:prstGeom>
+          <a:solidFill>
+            <a:srgbClr val="FFFF00"/>
+          </a:solidFill>
+        </p:spPr>
+        <p:txBody>
+          <a:bodyPr wrap="square" rtlCol="0">
+            <a:spAutoFit/>
+          </a:bodyPr>
+          <a:lstStyle/>
+          <a:p>
+            <a:r>
+              <a:rPr lang="en-US" dirty="0" smtClean="0">
+                <a:solidFill>
+                  <a:srgbClr val="FF0000"/>
+                </a:solidFill>
+              </a:rPr>
+              <a:t>Rookie Tip: </a:t>
+            </a:r>
+            <a:r>
+              <a:rPr lang="en-US" dirty="0" smtClean="0"/>
+              <a:t>Motor On needs to be followed by another block (e.g. Wait Block)</a:t>
+            </a:r>
+            <a:endParaRPr lang="en-US" dirty="0"/>
+          </a:p>
+        </p:txBody>
+      </p:sp>
+      <p:sp>
+        <p:nvSpPr>
+          <p:cNvPr id="7" name="Content Placeholder 2"/>
+          <p:cNvSpPr txBox="1">
+            <a:spLocks/>
+          </p:cNvSpPr>
+          <p:nvPr/>
+        </p:nvSpPr>
+        <p:spPr>
+          <a:xfrm>
+            <a:off x="457200" y="1301374"/>
+            <a:ext cx="5683541" cy="4855586"/>
+          </a:xfrm>
+          <a:prstGeom prst="rect">
+            <a:avLst/>
+          </a:prstGeom>
+        </p:spPr>
+        <p:txBody>
+          <a:bodyPr vert="horz" lIns="91440" tIns="45720" rIns="91440" bIns="45720" rtlCol="0">
+            <a:normAutofit/>
+          </a:bodyPr>
+          <a:lstStyle>
+            <a:lvl1pPr marL="0" indent="0" algn="l" defTabSz="914400" rtl="0" eaLnBrk="1" latinLnBrk="0" hangingPunct="1">
+              <a:spcBef>
+                <a:spcPct val="20000"/>
+              </a:spcBef>
+              <a:spcAft>
+                <a:spcPts val="600"/>
+              </a:spcAft>
+              <a:buFont typeface="Arial" pitchFamily="34" charset="0"/>
+              <a:buNone/>
+              <a:defRPr sz="2000" b="1" kern="1200">
+                <a:solidFill>
+                  <a:schemeClr val="tx1"/>
+                </a:solidFill>
+                <a:latin typeface="+mn-lt"/>
+                <a:ea typeface="+mn-ea"/>
+                <a:cs typeface="+mn-cs"/>
+              </a:defRPr>
+            </a:lvl1pPr>
+            <a:lvl2pPr marL="457200" indent="-182880" algn="l" defTabSz="914400" rtl="0" eaLnBrk="1" latinLnBrk="0" hangingPunct="1">
+              <a:spcBef>
+                <a:spcPct val="20000"/>
+              </a:spcBef>
+              <a:buClr>
+                <a:schemeClr val="tx2"/>
+              </a:buClr>
+              <a:buFont typeface="Arial" pitchFamily="34" charset="0"/>
+              <a:buChar char="•"/>
+              <a:defRPr sz="2000" kern="1200">
+                <a:solidFill>
+                  <a:schemeClr val="tx1"/>
+                </a:solidFill>
+                <a:latin typeface="+mn-lt"/>
+                <a:ea typeface="+mn-ea"/>
+                <a:cs typeface="+mn-cs"/>
+              </a:defRPr>
+            </a:lvl2pPr>
+            <a:lvl3pPr marL="1143000" indent="-228600" algn="l" defTabSz="914400" rtl="0" eaLnBrk="1" latinLnBrk="0" hangingPunct="1">
+              <a:spcBef>
+                <a:spcPct val="20000"/>
+              </a:spcBef>
+              <a:buClr>
+                <a:schemeClr val="tx2"/>
+              </a:buClr>
+              <a:buFont typeface="Arial" pitchFamily="34" charset="0"/>
+              <a:buChar char="•"/>
+              <a:defRPr sz="1800" kern="1200">
+                <a:solidFill>
+                  <a:schemeClr val="tx1"/>
+                </a:solidFill>
+                <a:latin typeface="+mn-lt"/>
+                <a:ea typeface="+mn-ea"/>
+                <a:cs typeface="+mn-cs"/>
+              </a:defRPr>
+            </a:lvl3pPr>
+            <a:lvl4pPr marL="1600200" indent="-228600" algn="l" defTabSz="914400" rtl="0" eaLnBrk="1" latinLnBrk="0" hangingPunct="1">
+              <a:spcBef>
+                <a:spcPct val="20000"/>
+              </a:spcBef>
+              <a:buClr>
+                <a:schemeClr val="tx2"/>
+              </a:buClr>
+              <a:buFont typeface="Arial" pitchFamily="34" charset="0"/>
+              <a:buChar char="•"/>
+              <a:defRPr sz="1800" kern="1200">
+                <a:solidFill>
+                  <a:schemeClr val="tx1"/>
+                </a:solidFill>
+                <a:latin typeface="+mn-lt"/>
+                <a:ea typeface="+mn-ea"/>
+                <a:cs typeface="+mn-cs"/>
+              </a:defRPr>
+            </a:lvl4pPr>
+            <a:lvl5pPr marL="2057400" indent="-228600" algn="l" defTabSz="914400" rtl="0" eaLnBrk="1" latinLnBrk="0" hangingPunct="1">
+              <a:spcBef>
+                <a:spcPct val="20000"/>
+              </a:spcBef>
+              <a:buClr>
+                <a:schemeClr val="tx2"/>
+              </a:buClr>
+              <a:buFont typeface="Arial" pitchFamily="34" charset="0"/>
+              <a:buChar char="•"/>
+              <a:defRPr sz="1800" kern="1200" baseline="0">
+                <a:solidFill>
+                  <a:schemeClr val="tx1"/>
+                </a:solidFill>
+                <a:latin typeface="+mn-lt"/>
+                <a:ea typeface="+mn-ea"/>
+                <a:cs typeface="+mn-cs"/>
+              </a:defRPr>
+            </a:lvl5pPr>
+            <a:lvl6pPr marL="2514600" indent="-228600" algn="l" defTabSz="914400" rtl="0" eaLnBrk="1" latinLnBrk="0" hangingPunct="1">
+              <a:spcBef>
+                <a:spcPct val="20000"/>
+              </a:spcBef>
+              <a:buClr>
+                <a:schemeClr val="tx2"/>
+              </a:buClr>
+              <a:buFont typeface="Arial" pitchFamily="34" charset="0"/>
+              <a:buChar char="•"/>
+              <a:defRPr sz="1600" kern="1200">
+                <a:solidFill>
+                  <a:schemeClr val="tx1"/>
+                </a:solidFill>
+                <a:latin typeface="+mn-lt"/>
+                <a:ea typeface="+mn-ea"/>
+                <a:cs typeface="+mn-cs"/>
+              </a:defRPr>
+            </a:lvl6pPr>
+            <a:lvl7pPr marL="2971800" indent="-228600" algn="l" defTabSz="914400" rtl="0" eaLnBrk="1" latinLnBrk="0" hangingPunct="1">
+              <a:spcBef>
+                <a:spcPct val="20000"/>
+              </a:spcBef>
+              <a:buClr>
+                <a:schemeClr val="tx2"/>
+              </a:buClr>
+              <a:buFont typeface="Arial" pitchFamily="34" charset="0"/>
+              <a:buChar char="•"/>
+              <a:defRPr sz="1600" kern="1200">
+                <a:solidFill>
+                  <a:schemeClr val="tx1"/>
+                </a:solidFill>
+                <a:latin typeface="+mn-lt"/>
+                <a:ea typeface="+mn-ea"/>
+                <a:cs typeface="+mn-cs"/>
+              </a:defRPr>
+            </a:lvl7pPr>
+            <a:lvl8pPr marL="3429000" indent="-228600" algn="l" defTabSz="914400" rtl="0" eaLnBrk="1" latinLnBrk="0" hangingPunct="1">
+              <a:spcBef>
+                <a:spcPct val="20000"/>
+              </a:spcBef>
+              <a:buClr>
+                <a:schemeClr val="tx2"/>
+              </a:buClr>
+              <a:buFont typeface="Arial" pitchFamily="34" charset="0"/>
+              <a:buChar char="•"/>
+              <a:defRPr sz="1600" kern="1200">
+                <a:solidFill>
+                  <a:schemeClr val="tx1"/>
+                </a:solidFill>
+                <a:latin typeface="+mn-lt"/>
+                <a:ea typeface="+mn-ea"/>
+                <a:cs typeface="+mn-cs"/>
+              </a:defRPr>
+            </a:lvl8pPr>
+            <a:lvl9pPr marL="3886200" indent="-228600" algn="l" defTabSz="914400" rtl="0" eaLnBrk="1" latinLnBrk="0" hangingPunct="1">
+              <a:spcBef>
+                <a:spcPct val="20000"/>
+              </a:spcBef>
+              <a:buClr>
+                <a:schemeClr val="tx2"/>
+              </a:buClr>
+              <a:buFont typeface="Arial" pitchFamily="34" charset="0"/>
+              <a:buChar char="•"/>
+              <a:defRPr sz="1600" kern="1200">
+                <a:solidFill>
+                  <a:schemeClr val="tx1"/>
+                </a:solidFill>
+                <a:latin typeface="+mn-lt"/>
+                <a:ea typeface="+mn-ea"/>
+                <a:cs typeface="+mn-cs"/>
+              </a:defRPr>
+            </a:lvl9pPr>
+          </a:lstStyle>
+          <a:p>
+            <a:r>
+              <a:rPr lang="en-US" dirty="0" smtClean="0"/>
+              <a:t>What would happen if you placed a Move Steering Block and left the motor “On”?</a:t>
+            </a:r>
+          </a:p>
+          <a:p>
+            <a:r>
+              <a:rPr lang="en-US" dirty="0" smtClean="0"/>
+              <a:t>Would the robot…</a:t>
+            </a:r>
+          </a:p>
+          <a:p>
+            <a:r>
+              <a:rPr lang="en-US" dirty="0" smtClean="0"/>
+              <a:t>	1) Move?</a:t>
+            </a:r>
+          </a:p>
+          <a:p>
+            <a:r>
+              <a:rPr lang="en-US" dirty="0" smtClean="0"/>
+              <a:t>	2) Move for a little while?</a:t>
+            </a:r>
+          </a:p>
+          <a:p>
+            <a:r>
+              <a:rPr lang="en-US" dirty="0" smtClean="0"/>
+              <a:t>	3) Not move at all?</a:t>
+            </a:r>
+          </a:p>
+          <a:p>
+            <a:r>
+              <a:rPr lang="en-US" dirty="0"/>
+              <a:t>	</a:t>
+            </a:r>
+            <a:endParaRPr lang="en-US" dirty="0" smtClean="0"/>
+          </a:p>
+          <a:p>
+            <a:r>
+              <a:rPr lang="en-US" dirty="0"/>
+              <a:t>	</a:t>
+            </a:r>
+            <a:r>
+              <a:rPr lang="en-US" dirty="0" smtClean="0"/>
+              <a:t>ANS. Not move at all.</a:t>
+            </a:r>
+            <a:endParaRPr lang="en-US" dirty="0" smtClean="0"/>
+          </a:p>
+          <a:p>
+            <a:endParaRPr lang="en-US" dirty="0" smtClean="0"/>
+          </a:p>
+          <a:p>
+            <a:r>
+              <a:rPr lang="en-US" dirty="0" smtClean="0"/>
+              <a:t>What does Motor Off do?</a:t>
+            </a:r>
+          </a:p>
+        </p:txBody>
+      </p:sp>
       <p:pic>
         <p:nvPicPr>
-          <p:cNvPr id="13" name="Picture 12"/>
+          <p:cNvPr id="8" name="Picture 7"/>
           <p:cNvPicPr>
             <a:picLocks noChangeAspect="1"/>
           </p:cNvPicPr>
@@ -8977,7 +9199,7 @@
         </p:blipFill>
         <p:spPr>
           <a:xfrm>
-            <a:off x="6567858" y="2114580"/>
+            <a:off x="5962952" y="1531006"/>
             <a:ext cx="2191430" cy="1517144"/>
           </a:xfrm>
           <a:prstGeom prst="rect">
@@ -8987,120 +9209,13 @@
       </p:pic>
       <p:sp>
         <p:nvSpPr>
-          <p:cNvPr id="2" name="Title 1"/>
-          <p:cNvSpPr>
-            <a:spLocks noGrp="1"/>
-          </p:cNvSpPr>
-          <p:nvPr>
-            <p:ph type="title"/>
-          </p:nvPr>
+          <p:cNvPr id="9" name="Oval 8"/>
+          <p:cNvSpPr/>
+          <p:nvPr/>
         </p:nvSpPr>
         <p:spPr>
           <a:xfrm>
-            <a:off x="457200" y="152718"/>
-            <a:ext cx="8245475" cy="1371600"/>
-          </a:xfrm>
-        </p:spPr>
-        <p:txBody>
-          <a:bodyPr/>
-          <a:lstStyle/>
-          <a:p>
-            <a:r>
-              <a:rPr lang="en-US" dirty="0" smtClean="0"/>
-              <a:t>A tip for Move Steering Blocks With Sensors </a:t>
-            </a:r>
-            <a:endParaRPr lang="en-US" dirty="0"/>
-          </a:p>
-        </p:txBody>
-      </p:sp>
-      <p:sp>
-        <p:nvSpPr>
-          <p:cNvPr id="3" name="Content Placeholder 2"/>
-          <p:cNvSpPr>
-            <a:spLocks noGrp="1"/>
-          </p:cNvSpPr>
-          <p:nvPr>
-            <p:ph idx="1"/>
-          </p:nvPr>
-        </p:nvSpPr>
-        <p:spPr>
-          <a:xfrm>
-            <a:off x="457200" y="1549207"/>
-            <a:ext cx="5505752" cy="4525963"/>
-          </a:xfrm>
-        </p:spPr>
-        <p:txBody>
-          <a:bodyPr>
-            <a:normAutofit/>
-          </a:bodyPr>
-          <a:lstStyle/>
-          <a:p>
-            <a:r>
-              <a:rPr lang="en-US" dirty="0" smtClean="0"/>
-              <a:t>Leaving the motor “on” and “off”</a:t>
-            </a:r>
-          </a:p>
-          <a:p>
-            <a:r>
-              <a:rPr lang="en-US" dirty="0" smtClean="0"/>
-              <a:t>Why use the “on” instead of “degrees”?</a:t>
-            </a:r>
-          </a:p>
-          <a:p>
-            <a:pPr lvl="1"/>
-            <a:r>
-              <a:rPr lang="en-US" dirty="0" smtClean="0"/>
-              <a:t>May want the program to do other tasks such as reading a sensor while moving</a:t>
-            </a:r>
-          </a:p>
-          <a:p>
-            <a:endParaRPr lang="en-US" dirty="0"/>
-          </a:p>
-          <a:p>
-            <a:pPr lvl="1"/>
-            <a:endParaRPr lang="en-US" dirty="0" smtClean="0"/>
-          </a:p>
-        </p:txBody>
-      </p:sp>
-      <p:pic>
-        <p:nvPicPr>
-          <p:cNvPr id="8" name="Picture 7" descr="Screen Shot 2014-08-07 at 12.29.41 PM.png"/>
-          <p:cNvPicPr>
-            <a:picLocks noChangeAspect="1"/>
-          </p:cNvPicPr>
-          <p:nvPr/>
-        </p:nvPicPr>
-        <p:blipFill>
-          <a:blip r:embed="rId3">
-            <a:extLst>
-              <a:ext uri="{28A0092B-C50C-407E-A947-70E740481C1C}">
-                <a14:useLocalDpi xmlns:a14="http://schemas.microsoft.com/office/drawing/2010/main" val="0"/>
-              </a:ext>
-            </a:extLst>
-          </a:blip>
-          <a:stretch>
-            <a:fillRect/>
-          </a:stretch>
-        </p:blipFill>
-        <p:spPr>
-          <a:xfrm>
-            <a:off x="5634170" y="1437817"/>
-            <a:ext cx="3145906" cy="390733"/>
-          </a:xfrm>
-          <a:prstGeom prst="rect">
-            <a:avLst/>
-          </a:prstGeom>
-        </p:spPr>
-      </p:pic>
-      <p:sp>
-        <p:nvSpPr>
-          <p:cNvPr id="10" name="Oval 9"/>
-          <p:cNvSpPr/>
-          <p:nvPr/>
-        </p:nvSpPr>
-        <p:spPr>
-          <a:xfrm>
-            <a:off x="6677793" y="3097936"/>
+            <a:off x="6072887" y="2514362"/>
             <a:ext cx="667262" cy="629478"/>
           </a:xfrm>
           <a:prstGeom prst="ellipse">
@@ -9136,56 +9251,10 @@
           </a:p>
         </p:txBody>
       </p:sp>
-      <p:sp>
-        <p:nvSpPr>
-          <p:cNvPr id="11" name="Footer Placeholder 10"/>
-          <p:cNvSpPr>
-            <a:spLocks noGrp="1"/>
-          </p:cNvSpPr>
-          <p:nvPr>
-            <p:ph type="ftr" sz="quarter" idx="11"/>
-          </p:nvPr>
-        </p:nvSpPr>
-        <p:spPr/>
-        <p:txBody>
-          <a:bodyPr/>
-          <a:lstStyle/>
-          <a:p>
-            <a:r>
-              <a:rPr lang="en-US" smtClean="0"/>
-              <a:t>© EV3Lessons.com, 2015, (Last edit: 2/26/15)</a:t>
-            </a:r>
-            <a:endParaRPr lang="en-US"/>
-          </a:p>
-        </p:txBody>
-      </p:sp>
-      <p:sp>
-        <p:nvSpPr>
-          <p:cNvPr id="15" name="Slide Number Placeholder 14"/>
-          <p:cNvSpPr>
-            <a:spLocks noGrp="1"/>
-          </p:cNvSpPr>
-          <p:nvPr>
-            <p:ph type="sldNum" sz="quarter" idx="12"/>
-          </p:nvPr>
-        </p:nvSpPr>
-        <p:spPr/>
-        <p:txBody>
-          <a:bodyPr/>
-          <a:lstStyle/>
-          <a:p>
-            <a:fld id="{4DBC7FC8-25FB-FC45-8177-2B991DA6778C}" type="slidenum">
-              <a:rPr lang="en-US" smtClean="0"/>
-              <a:t>7</a:t>
-            </a:fld>
-            <a:endParaRPr lang="en-US"/>
-          </a:p>
-        </p:txBody>
-      </p:sp>
     </p:spTree>
     <p:extLst>
       <p:ext uri="{BB962C8B-B14F-4D97-AF65-F5344CB8AC3E}">
-        <p14:creationId xmlns:p14="http://schemas.microsoft.com/office/powerpoint/2010/main" val="2304462827"/>
+        <p14:creationId xmlns:p14="http://schemas.microsoft.com/office/powerpoint/2010/main" val="1071746091"/>
       </p:ext>
     </p:extLst>
   </p:cSld>
@@ -9203,145 +9272,6 @@
 </file>
 
 <file path=ppt/slides/slide8.xml><?xml version="1.0" encoding="utf-8"?>
-<p:sld xmlns:a="http://schemas.openxmlformats.org/drawingml/2006/main" xmlns:r="http://schemas.openxmlformats.org/officeDocument/2006/relationships" xmlns:p="http://schemas.openxmlformats.org/presentationml/2006/main">
-  <p:cSld>
-    <p:spTree>
-      <p:nvGrpSpPr>
-        <p:cNvPr id="1" name=""/>
-        <p:cNvGrpSpPr/>
-        <p:nvPr/>
-      </p:nvGrpSpPr>
-      <p:grpSpPr>
-        <a:xfrm>
-          <a:off x="0" y="0"/>
-          <a:ext cx="0" cy="0"/>
-          <a:chOff x="0" y="0"/>
-          <a:chExt cx="0" cy="0"/>
-        </a:xfrm>
-      </p:grpSpPr>
-      <p:sp>
-        <p:nvSpPr>
-          <p:cNvPr id="2" name="Title 1"/>
-          <p:cNvSpPr>
-            <a:spLocks noGrp="1"/>
-          </p:cNvSpPr>
-          <p:nvPr>
-            <p:ph type="title"/>
-          </p:nvPr>
-        </p:nvSpPr>
-        <p:spPr/>
-        <p:txBody>
-          <a:bodyPr/>
-          <a:lstStyle/>
-          <a:p>
-            <a:r>
-              <a:rPr lang="en-US" dirty="0" smtClean="0"/>
-              <a:t>TEACHER INSTRUCTIONS</a:t>
-            </a:r>
-            <a:endParaRPr lang="en-US" dirty="0"/>
-          </a:p>
-        </p:txBody>
-      </p:sp>
-      <p:sp>
-        <p:nvSpPr>
-          <p:cNvPr id="3" name="Content Placeholder 2"/>
-          <p:cNvSpPr>
-            <a:spLocks noGrp="1"/>
-          </p:cNvSpPr>
-          <p:nvPr>
-            <p:ph idx="1"/>
-          </p:nvPr>
-        </p:nvSpPr>
-        <p:spPr>
-          <a:xfrm>
-            <a:off x="457199" y="1235364"/>
-            <a:ext cx="8245474" cy="4373563"/>
-          </a:xfrm>
-        </p:spPr>
-        <p:txBody>
-          <a:bodyPr/>
-          <a:lstStyle/>
-          <a:p>
-            <a:r>
-              <a:rPr lang="en-US" dirty="0" smtClean="0"/>
-              <a:t>Challenges are on slides 9 and 11</a:t>
-            </a:r>
-          </a:p>
-          <a:p>
-            <a:r>
-              <a:rPr lang="en-US" dirty="0" smtClean="0"/>
-              <a:t>Solutions to these challenges are on slides 10 and 12</a:t>
-            </a:r>
-          </a:p>
-          <a:p>
-            <a:r>
-              <a:rPr lang="en-US" dirty="0" smtClean="0"/>
-              <a:t>Discussion is on slide 13</a:t>
-            </a:r>
-            <a:endParaRPr lang="en-US" dirty="0"/>
-          </a:p>
-        </p:txBody>
-      </p:sp>
-      <p:sp>
-        <p:nvSpPr>
-          <p:cNvPr id="4" name="Footer Placeholder 3"/>
-          <p:cNvSpPr>
-            <a:spLocks noGrp="1"/>
-          </p:cNvSpPr>
-          <p:nvPr>
-            <p:ph type="ftr" sz="quarter" idx="11"/>
-          </p:nvPr>
-        </p:nvSpPr>
-        <p:spPr/>
-        <p:txBody>
-          <a:bodyPr/>
-          <a:lstStyle/>
-          <a:p>
-            <a:r>
-              <a:rPr lang="en-US" smtClean="0"/>
-              <a:t>© EV3Lessons.com, 2015, (Last edit: 2/26/15)</a:t>
-            </a:r>
-            <a:endParaRPr lang="en-US"/>
-          </a:p>
-        </p:txBody>
-      </p:sp>
-      <p:sp>
-        <p:nvSpPr>
-          <p:cNvPr id="5" name="Slide Number Placeholder 4"/>
-          <p:cNvSpPr>
-            <a:spLocks noGrp="1"/>
-          </p:cNvSpPr>
-          <p:nvPr>
-            <p:ph type="sldNum" sz="quarter" idx="12"/>
-          </p:nvPr>
-        </p:nvSpPr>
-        <p:spPr/>
-        <p:txBody>
-          <a:bodyPr/>
-          <a:lstStyle/>
-          <a:p>
-            <a:fld id="{4DBC7FC8-25FB-FC45-8177-2B991DA6778C}" type="slidenum">
-              <a:rPr lang="en-US" smtClean="0"/>
-              <a:t>8</a:t>
-            </a:fld>
-            <a:endParaRPr lang="en-US"/>
-          </a:p>
-        </p:txBody>
-      </p:sp>
-    </p:spTree>
-    <p:extLst>
-      <p:ext uri="{BB962C8B-B14F-4D97-AF65-F5344CB8AC3E}">
-        <p14:creationId xmlns:p14="http://schemas.microsoft.com/office/powerpoint/2010/main" val="458274080"/>
-      </p:ext>
-    </p:extLst>
-  </p:cSld>
-  <p:clrMapOvr>
-    <a:masterClrMapping/>
-  </p:clrMapOvr>
-</p:sld>
-</file>
-
-<file path=ppt/slides/slide9.xml><?xml version="1.0" encoding="utf-8"?>
 <p:sld xmlns:a="http://schemas.openxmlformats.org/drawingml/2006/main" xmlns:r="http://schemas.openxmlformats.org/officeDocument/2006/relationships" xmlns:p="http://schemas.openxmlformats.org/presentationml/2006/main">
   <p:cSld>
     <p:spTree>
@@ -9639,7 +9569,7 @@
           <a:p>
             <a:fld id="{4DBC7FC8-25FB-FC45-8177-2B991DA6778C}" type="slidenum">
               <a:rPr lang="en-US" smtClean="0"/>
-              <a:t>9</a:t>
+              <a:t>8</a:t>
             </a:fld>
             <a:endParaRPr lang="en-US"/>
           </a:p>
@@ -9662,7 +9592,7 @@
           <a:p>
             <a:r>
               <a:rPr lang="en-US" smtClean="0"/>
-              <a:t>© EV3Lessons.com, 2015, (Last edit: 2/26/15)</a:t>
+              <a:t>© EV3Lessons.com, 2015, (Last edit: 11/01/15)</a:t>
             </a:r>
             <a:endParaRPr lang="en-US"/>
           </a:p>
@@ -10009,7 +9939,7 @@
           <a:noFill/>
           <a:extLst>
             <a:ext uri="{909E8E84-426E-40dd-AFC4-6F175D3DCCD1}">
-              <a14:hiddenFill xmlns:a14="http://schemas.microsoft.com/office/drawing/2010/main" xmlns="">
+              <a14:hiddenFill xmlns="" xmlns:a14="http://schemas.microsoft.com/office/drawing/2010/main">
                 <a:solidFill>
                   <a:srgbClr val="FFFFFF"/>
                 </a:solidFill>
@@ -10035,6 +9965,152 @@
       </p:par>
     </p:tnLst>
   </p:timing>
+</p:sld>
+</file>
+
+<file path=ppt/slides/slide9.xml><?xml version="1.0" encoding="utf-8"?>
+<p:sld xmlns:a="http://schemas.openxmlformats.org/drawingml/2006/main" xmlns:r="http://schemas.openxmlformats.org/officeDocument/2006/relationships" xmlns:p="http://schemas.openxmlformats.org/presentationml/2006/main">
+  <p:cSld>
+    <p:spTree>
+      <p:nvGrpSpPr>
+        <p:cNvPr id="1" name=""/>
+        <p:cNvGrpSpPr/>
+        <p:nvPr/>
+      </p:nvGrpSpPr>
+      <p:grpSpPr>
+        <a:xfrm>
+          <a:off x="0" y="0"/>
+          <a:ext cx="0" cy="0"/>
+          <a:chOff x="0" y="0"/>
+          <a:chExt cx="0" cy="0"/>
+        </a:xfrm>
+      </p:grpSpPr>
+      <p:sp>
+        <p:nvSpPr>
+          <p:cNvPr id="2" name="Title 1"/>
+          <p:cNvSpPr>
+            <a:spLocks noGrp="1"/>
+          </p:cNvSpPr>
+          <p:nvPr>
+            <p:ph type="title"/>
+          </p:nvPr>
+        </p:nvSpPr>
+        <p:spPr/>
+        <p:txBody>
+          <a:bodyPr/>
+          <a:lstStyle/>
+          <a:p>
+            <a:r>
+              <a:rPr lang="en-US" dirty="0" smtClean="0"/>
+              <a:t>Challenge 1 Solution</a:t>
+            </a:r>
+            <a:endParaRPr lang="en-US" dirty="0"/>
+          </a:p>
+        </p:txBody>
+      </p:sp>
+      <p:sp>
+        <p:nvSpPr>
+          <p:cNvPr id="3" name="Content Placeholder 2"/>
+          <p:cNvSpPr>
+            <a:spLocks noGrp="1"/>
+          </p:cNvSpPr>
+          <p:nvPr>
+            <p:ph idx="1"/>
+          </p:nvPr>
+        </p:nvSpPr>
+        <p:spPr/>
+        <p:txBody>
+          <a:bodyPr/>
+          <a:lstStyle/>
+          <a:p>
+            <a:r>
+              <a:rPr lang="en-US" dirty="0" smtClean="0"/>
+              <a:t>Add screenshot</a:t>
+            </a:r>
+            <a:endParaRPr lang="en-US" dirty="0"/>
+          </a:p>
+        </p:txBody>
+      </p:sp>
+      <p:sp>
+        <p:nvSpPr>
+          <p:cNvPr id="4" name="Slide Number Placeholder 3"/>
+          <p:cNvSpPr>
+            <a:spLocks noGrp="1"/>
+          </p:cNvSpPr>
+          <p:nvPr>
+            <p:ph type="sldNum" sz="quarter" idx="12"/>
+          </p:nvPr>
+        </p:nvSpPr>
+        <p:spPr/>
+        <p:txBody>
+          <a:bodyPr/>
+          <a:lstStyle/>
+          <a:p>
+            <a:fld id="{4DBC7FC8-25FB-FC45-8177-2B991DA6778C}" type="slidenum">
+              <a:rPr lang="en-US" smtClean="0"/>
+              <a:t>9</a:t>
+            </a:fld>
+            <a:endParaRPr lang="en-US"/>
+          </a:p>
+        </p:txBody>
+      </p:sp>
+      <p:sp>
+        <p:nvSpPr>
+          <p:cNvPr id="6" name="Footer Placeholder 5"/>
+          <p:cNvSpPr>
+            <a:spLocks noGrp="1"/>
+          </p:cNvSpPr>
+          <p:nvPr>
+            <p:ph type="ftr" sz="quarter" idx="11"/>
+          </p:nvPr>
+        </p:nvSpPr>
+        <p:spPr/>
+        <p:txBody>
+          <a:bodyPr/>
+          <a:lstStyle/>
+          <a:p>
+            <a:r>
+              <a:rPr lang="en-US" smtClean="0"/>
+              <a:t>© EV3Lessons.com, 2015, (Last edit: 11/01/15)</a:t>
+            </a:r>
+            <a:endParaRPr lang="en-US"/>
+          </a:p>
+        </p:txBody>
+      </p:sp>
+      <p:pic>
+        <p:nvPicPr>
+          <p:cNvPr id="7" name="Picture 6"/>
+          <p:cNvPicPr>
+            <a:picLocks noChangeAspect="1"/>
+          </p:cNvPicPr>
+          <p:nvPr/>
+        </p:nvPicPr>
+        <p:blipFill>
+          <a:blip r:embed="rId2"/>
+          <a:stretch>
+            <a:fillRect/>
+          </a:stretch>
+        </p:blipFill>
+        <p:spPr>
+          <a:xfrm>
+            <a:off x="333088" y="1121023"/>
+            <a:ext cx="7620946" cy="4828085"/>
+          </a:xfrm>
+          <a:prstGeom prst="rect">
+            <a:avLst/>
+          </a:prstGeom>
+        </p:spPr>
+      </p:pic>
+    </p:spTree>
+    <p:extLst>
+      <p:ext uri="{BB962C8B-B14F-4D97-AF65-F5344CB8AC3E}">
+        <p14:creationId xmlns:p14="http://schemas.microsoft.com/office/powerpoint/2010/main" val="774892794"/>
+      </p:ext>
+    </p:extLst>
+  </p:cSld>
+  <p:clrMapOvr>
+    <a:masterClrMapping/>
+  </p:clrMapOvr>
 </p:sld>
 </file>
 

--- a/translations/en-us/beginner/Touch.pptx
+++ b/translations/en-us/beginner/Touch.pptx
@@ -223,7 +223,7 @@
           <a:p>
             <a:fld id="{F8D9B3D7-15CB-9343-AA49-EFB5A8F33F18}" type="datetimeFigureOut">
               <a:rPr lang="en-US" smtClean="0"/>
-              <a:t>11/1/15</a:t>
+              <a:t>11/14/15</a:t>
             </a:fld>
             <a:endParaRPr lang="en-US"/>
           </a:p>
@@ -389,7 +389,7 @@
           <a:p>
             <a:fld id="{FD3EFF1E-85A1-6640-AFB9-C38833E80A84}" type="datetimeFigureOut">
               <a:rPr lang="en-US" smtClean="0"/>
-              <a:t>11/1/15</a:t>
+              <a:t>11/14/15</a:t>
             </a:fld>
             <a:endParaRPr lang="en-US"/>
           </a:p>
@@ -1103,7 +1103,7 @@
           <a:p>
             <a:fld id="{684F1F4F-7B22-E44C-8CD7-97B626D1700D}" type="datetime1">
               <a:rPr lang="en-US" smtClean="0"/>
-              <a:t>11/1/15</a:t>
+              <a:t>11/14/15</a:t>
             </a:fld>
             <a:endParaRPr lang="en-US"/>
           </a:p>
@@ -1401,7 +1401,7 @@
           <a:p>
             <a:fld id="{3690C949-6CD6-E849-99AE-792EC6F94E3F}" type="datetime1">
               <a:rPr lang="en-US" smtClean="0"/>
-              <a:t>11/1/15</a:t>
+              <a:t>11/14/15</a:t>
             </a:fld>
             <a:endParaRPr lang="en-US"/>
           </a:p>
@@ -1580,7 +1580,7 @@
           <a:p>
             <a:fld id="{6B80381D-4AB5-B040-9FC9-32E7C7690B63}" type="datetime1">
               <a:rPr lang="en-US" smtClean="0"/>
-              <a:t>11/1/15</a:t>
+              <a:t>11/14/15</a:t>
             </a:fld>
             <a:endParaRPr lang="en-US"/>
           </a:p>
@@ -1759,7 +1759,7 @@
           <a:p>
             <a:fld id="{053BFB22-43C5-AD42-A158-9D81081DC704}" type="datetime1">
               <a:rPr lang="en-US" smtClean="0"/>
-              <a:t>11/1/15</a:t>
+              <a:t>11/14/15</a:t>
             </a:fld>
             <a:endParaRPr lang="en-US"/>
           </a:p>
@@ -2024,7 +2024,7 @@
           <a:p>
             <a:fld id="{F9531A7B-F17E-BA48-BEE3-218A313D12A3}" type="datetime1">
               <a:rPr lang="en-US" smtClean="0"/>
-              <a:t>11/1/15</a:t>
+              <a:t>11/14/15</a:t>
             </a:fld>
             <a:endParaRPr lang="en-US"/>
           </a:p>
@@ -2323,7 +2323,7 @@
           <a:p>
             <a:fld id="{0DFEF492-EB6F-3045-8E2E-23E02EA38137}" type="datetime1">
               <a:rPr lang="en-US" smtClean="0"/>
-              <a:t>11/1/15</a:t>
+              <a:t>11/14/15</a:t>
             </a:fld>
             <a:endParaRPr lang="en-US"/>
           </a:p>
@@ -2773,7 +2773,7 @@
           <a:p>
             <a:fld id="{E77766D9-8471-4547-AEDA-E4B9150624F4}" type="datetime1">
               <a:rPr lang="en-US" smtClean="0"/>
-              <a:t>11/1/15</a:t>
+              <a:t>11/14/15</a:t>
             </a:fld>
             <a:endParaRPr lang="en-US"/>
           </a:p>
@@ -2890,7 +2890,7 @@
           <a:p>
             <a:fld id="{4846874A-CD45-764C-816E-3E208066D60E}" type="datetime1">
               <a:rPr lang="en-US" smtClean="0"/>
-              <a:t>11/1/15</a:t>
+              <a:t>11/14/15</a:t>
             </a:fld>
             <a:endParaRPr lang="en-US"/>
           </a:p>
@@ -2984,7 +2984,7 @@
           <a:p>
             <a:fld id="{217EC058-3B08-FF41-ADD9-86F61707E923}" type="datetime1">
               <a:rPr lang="en-US" smtClean="0"/>
-              <a:t>11/1/15</a:t>
+              <a:t>11/14/15</a:t>
             </a:fld>
             <a:endParaRPr lang="en-US"/>
           </a:p>
@@ -3230,7 +3230,7 @@
           <a:p>
             <a:fld id="{A812FCC7-9986-E94C-97A2-D55428F204C8}" type="datetime1">
               <a:rPr lang="en-US" smtClean="0"/>
-              <a:t>11/1/15</a:t>
+              <a:t>11/14/15</a:t>
             </a:fld>
             <a:endParaRPr lang="en-US"/>
           </a:p>
@@ -3528,7 +3528,7 @@
           <a:p>
             <a:fld id="{BDD86D50-32F9-734C-ADCD-FD64F05E2AA1}" type="datetime1">
               <a:rPr lang="en-US" smtClean="0"/>
-              <a:t>11/1/15</a:t>
+              <a:t>11/14/15</a:t>
             </a:fld>
             <a:endParaRPr lang="en-US"/>
           </a:p>
@@ -3826,7 +3826,7 @@
           <a:p>
             <a:fld id="{BBB9EF71-9ACD-524A-B753-2850C8B44F29}" type="datetime1">
               <a:rPr lang="en-US" smtClean="0"/>
-              <a:t>11/1/15</a:t>
+              <a:t>11/14/15</a:t>
             </a:fld>
             <a:endParaRPr lang="en-US"/>
           </a:p>
@@ -4386,8 +4386,8 @@
         </p:nvSpPr>
         <p:spPr>
           <a:xfrm>
-            <a:off x="1487501" y="5949643"/>
-            <a:ext cx="4750545" cy="523220"/>
+            <a:off x="1845765" y="5949643"/>
+            <a:ext cx="4392281" cy="523220"/>
           </a:xfrm>
           <a:prstGeom prst="rect">
             <a:avLst/>
@@ -4407,36 +4407,6 @@
           </a:p>
         </p:txBody>
       </p:sp>
-      <p:pic>
-        <p:nvPicPr>
-          <p:cNvPr id="3" name="Picture 2" descr="Droidslogo2.png"/>
-          <p:cNvPicPr>
-            <a:picLocks noChangeAspect="1"/>
-          </p:cNvPicPr>
-          <p:nvPr/>
-        </p:nvPicPr>
-        <p:blipFill>
-          <a:blip r:embed="rId3">
-            <a:extLst>
-              <a:ext uri="{28A0092B-C50C-407E-A947-70E740481C1C}">
-                <a14:useLocalDpi xmlns:a14="http://schemas.microsoft.com/office/drawing/2010/main" val="0"/>
-              </a:ext>
-            </a:extLst>
-          </a:blip>
-          <a:stretch>
-            <a:fillRect/>
-          </a:stretch>
-        </p:blipFill>
-        <p:spPr>
-          <a:xfrm>
-            <a:off x="402306" y="5456830"/>
-            <a:ext cx="1085195" cy="1085195"/>
-          </a:xfrm>
-          <a:prstGeom prst="rect">
-            <a:avLst/>
-          </a:prstGeom>
-        </p:spPr>
-      </p:pic>
       <p:sp>
         <p:nvSpPr>
           <p:cNvPr id="4" name="TextBox 3"/>
@@ -4489,7 +4459,7 @@
           <p:nvPr/>
         </p:nvPicPr>
         <p:blipFill>
-          <a:blip r:embed="rId4">
+          <a:blip r:embed="rId3">
             <a:extLst>
               <a:ext uri="{28A0092B-C50C-407E-A947-70E740481C1C}">
                 <a14:useLocalDpi xmlns:a14="http://schemas.microsoft.com/office/drawing/2010/main" val="0"/>
@@ -4512,13 +4482,43 @@
           <a:noFill/>
           <a:extLst>
             <a:ext uri="{909E8E84-426E-40dd-AFC4-6F175D3DCCD1}">
-              <a14:hiddenFill xmlns="" xmlns:a14="http://schemas.microsoft.com/office/drawing/2010/main">
+              <a14:hiddenFill xmlns:a14="http://schemas.microsoft.com/office/drawing/2010/main" xmlns="">
                 <a:solidFill>
                   <a:srgbClr val="FFFFFF"/>
                 </a:solidFill>
               </a14:hiddenFill>
             </a:ext>
           </a:extLst>
+        </p:spPr>
+      </p:pic>
+      <p:pic>
+        <p:nvPicPr>
+          <p:cNvPr id="5" name="Picture 4"/>
+          <p:cNvPicPr>
+            <a:picLocks noChangeAspect="1"/>
+          </p:cNvPicPr>
+          <p:nvPr/>
+        </p:nvPicPr>
+        <p:blipFill>
+          <a:blip r:embed="rId4">
+            <a:extLst>
+              <a:ext uri="{28A0092B-C50C-407E-A947-70E740481C1C}">
+                <a14:useLocalDpi xmlns:a14="http://schemas.microsoft.com/office/drawing/2010/main" val="0"/>
+              </a:ext>
+            </a:extLst>
+          </a:blip>
+          <a:stretch>
+            <a:fillRect/>
+          </a:stretch>
+        </p:blipFill>
+        <p:spPr>
+          <a:xfrm>
+            <a:off x="402305" y="5091953"/>
+            <a:ext cx="1443460" cy="1380910"/>
+          </a:xfrm>
+          <a:prstGeom prst="rect">
+            <a:avLst/>
+          </a:prstGeom>
         </p:spPr>
       </p:pic>
     </p:spTree>
@@ -6069,7 +6069,7 @@
           <a:effectLst/>
           <a:extLst>
             <a:ext uri="{91240B29-F687-4f45-9708-019B960494DF}">
-              <a14:hiddenLine xmlns="" xmlns:a14="http://schemas.microsoft.com/office/drawing/2010/main" w="9525">
+              <a14:hiddenLine xmlns:a14="http://schemas.microsoft.com/office/drawing/2010/main" xmlns="" w="9525">
                 <a:solidFill>
                   <a:schemeClr val="tx1"/>
                 </a:solidFill>
@@ -6079,7 +6079,7 @@
               </a14:hiddenLine>
             </a:ext>
             <a:ext uri="{AF507438-7753-43e0-B8FC-AC1667EBCBE1}">
-              <a14:hiddenEffects xmlns="" xmlns:a14="http://schemas.microsoft.com/office/drawing/2010/main">
+              <a14:hiddenEffects xmlns:a14="http://schemas.microsoft.com/office/drawing/2010/main" xmlns="">
                 <a:effectLst>
                   <a:outerShdw dist="35921" dir="2700000" algn="ctr" rotWithShape="0">
                     <a:schemeClr val="bg2"/>
@@ -6432,7 +6432,7 @@
           <a:noFill/>
           <a:extLst>
             <a:ext uri="{909E8E84-426E-40dd-AFC4-6F175D3DCCD1}">
-              <a14:hiddenFill xmlns="" xmlns:a14="http://schemas.microsoft.com/office/drawing/2010/main">
+              <a14:hiddenFill xmlns:a14="http://schemas.microsoft.com/office/drawing/2010/main" xmlns="">
                 <a:solidFill>
                   <a:srgbClr val="FFFFFF"/>
                 </a:solidFill>
@@ -6846,7 +6846,7 @@
           <a:noFill/>
           <a:extLst>
             <a:ext uri="{909E8E84-426E-40dd-AFC4-6F175D3DCCD1}">
-              <a14:hiddenFill xmlns="" xmlns:a14="http://schemas.microsoft.com/office/drawing/2010/main">
+              <a14:hiddenFill xmlns:a14="http://schemas.microsoft.com/office/drawing/2010/main" xmlns="">
                 <a:solidFill>
                   <a:srgbClr val="FFFFFF"/>
                 </a:solidFill>
@@ -9164,7 +9164,6 @@
               <a:rPr lang="en-US" dirty="0" smtClean="0"/>
               <a:t>ANS. Not move at all.</a:t>
             </a:r>
-            <a:endParaRPr lang="en-US" dirty="0" smtClean="0"/>
           </a:p>
           <a:p>
             <a:endParaRPr lang="en-US" dirty="0" smtClean="0"/>
@@ -9939,7 +9938,7 @@
           <a:noFill/>
           <a:extLst>
             <a:ext uri="{909E8E84-426E-40dd-AFC4-6F175D3DCCD1}">
-              <a14:hiddenFill xmlns="" xmlns:a14="http://schemas.microsoft.com/office/drawing/2010/main">
+              <a14:hiddenFill xmlns:a14="http://schemas.microsoft.com/office/drawing/2010/main" xmlns="">
                 <a:solidFill>
                   <a:srgbClr val="FFFFFF"/>
                 </a:solidFill>

--- a/translations/en-us/beginner/Touch.pptx
+++ b/translations/en-us/beginner/Touch.pptx
@@ -2,28 +2,29 @@
 <file path=ppt/presentation.xml><?xml version="1.0" encoding="utf-8"?>
 <p:presentation xmlns:a="http://schemas.openxmlformats.org/drawingml/2006/main" xmlns:r="http://schemas.openxmlformats.org/officeDocument/2006/relationships" xmlns:p="http://schemas.openxmlformats.org/presentationml/2006/main" showSpecialPlsOnTitleSld="0" saveSubsetFonts="1" autoCompressPictures="0" bookmarkIdSeed="2">
   <p:sldMasterIdLst>
-    <p:sldMasterId id="2147483714" r:id="rId1"/>
+    <p:sldMasterId id="2147483726" r:id="rId1"/>
+    <p:sldMasterId id="2147483738" r:id="rId2"/>
   </p:sldMasterIdLst>
   <p:notesMasterIdLst>
-    <p:notesMasterId r:id="rId15"/>
+    <p:notesMasterId r:id="rId16"/>
   </p:notesMasterIdLst>
   <p:handoutMasterIdLst>
-    <p:handoutMasterId r:id="rId16"/>
+    <p:handoutMasterId r:id="rId17"/>
   </p:handoutMasterIdLst>
   <p:sldIdLst>
-    <p:sldId id="410" r:id="rId2"/>
-    <p:sldId id="423" r:id="rId3"/>
-    <p:sldId id="415" r:id="rId4"/>
-    <p:sldId id="414" r:id="rId5"/>
-    <p:sldId id="419" r:id="rId6"/>
-    <p:sldId id="327" r:id="rId7"/>
-    <p:sldId id="424" r:id="rId8"/>
-    <p:sldId id="267" r:id="rId9"/>
-    <p:sldId id="412" r:id="rId10"/>
-    <p:sldId id="421" r:id="rId11"/>
-    <p:sldId id="413" r:id="rId12"/>
-    <p:sldId id="422" r:id="rId13"/>
-    <p:sldId id="409" r:id="rId14"/>
+    <p:sldId id="425" r:id="rId3"/>
+    <p:sldId id="423" r:id="rId4"/>
+    <p:sldId id="415" r:id="rId5"/>
+    <p:sldId id="414" r:id="rId6"/>
+    <p:sldId id="419" r:id="rId7"/>
+    <p:sldId id="327" r:id="rId8"/>
+    <p:sldId id="424" r:id="rId9"/>
+    <p:sldId id="267" r:id="rId10"/>
+    <p:sldId id="412" r:id="rId11"/>
+    <p:sldId id="421" r:id="rId12"/>
+    <p:sldId id="413" r:id="rId13"/>
+    <p:sldId id="422" r:id="rId14"/>
+    <p:sldId id="409" r:id="rId15"/>
   </p:sldIdLst>
   <p:sldSz cx="9144000" cy="6858000" type="screen4x3"/>
   <p:notesSz cx="6858000" cy="9144000"/>
@@ -223,7 +224,7 @@
           <a:p>
             <a:fld id="{F8D9B3D7-15CB-9343-AA49-EFB5A8F33F18}" type="datetimeFigureOut">
               <a:rPr lang="en-US" smtClean="0"/>
-              <a:t>11/14/15</a:t>
+              <a:t>7/4/16</a:t>
             </a:fld>
             <a:endParaRPr lang="en-US"/>
           </a:p>
@@ -389,7 +390,7 @@
           <a:p>
             <a:fld id="{FD3EFF1E-85A1-6640-AFB9-C38833E80A84}" type="datetimeFigureOut">
               <a:rPr lang="en-US" smtClean="0"/>
-              <a:t>11/14/15</a:t>
+              <a:t>7/4/16</a:t>
             </a:fld>
             <a:endParaRPr lang="en-US"/>
           </a:p>
@@ -723,7 +724,7 @@
           <a:p>
             <a:fld id="{13967457-1E83-1040-AFF7-8D09C473DBD5}" type="slidenum">
               <a:rPr lang="en-US" smtClean="0"/>
-              <a:t>1</a:t>
+              <a:t>3</a:t>
             </a:fld>
             <a:endParaRPr lang="en-US"/>
           </a:p>
@@ -732,7 +733,7 @@
     </p:spTree>
     <p:extLst>
       <p:ext uri="{BB962C8B-B14F-4D97-AF65-F5344CB8AC3E}">
-        <p14:creationId xmlns:p14="http://schemas.microsoft.com/office/powerpoint/2010/main" val="1190155054"/>
+        <p14:creationId xmlns:p14="http://schemas.microsoft.com/office/powerpoint/2010/main" val="2783415167"/>
       </p:ext>
     </p:extLst>
   </p:cSld>
@@ -807,7 +808,7 @@
           <a:p>
             <a:fld id="{13967457-1E83-1040-AFF7-8D09C473DBD5}" type="slidenum">
               <a:rPr lang="en-US" smtClean="0"/>
-              <a:t>3</a:t>
+              <a:t>10</a:t>
             </a:fld>
             <a:endParaRPr lang="en-US"/>
           </a:p>
@@ -816,7 +817,7 @@
     </p:spTree>
     <p:extLst>
       <p:ext uri="{BB962C8B-B14F-4D97-AF65-F5344CB8AC3E}">
-        <p14:creationId xmlns:p14="http://schemas.microsoft.com/office/powerpoint/2010/main" val="2783415167"/>
+        <p14:creationId xmlns:p14="http://schemas.microsoft.com/office/powerpoint/2010/main" val="1137836655"/>
       </p:ext>
     </p:extLst>
   </p:cSld>
@@ -891,7 +892,7 @@
           <a:p>
             <a:fld id="{13967457-1E83-1040-AFF7-8D09C473DBD5}" type="slidenum">
               <a:rPr lang="en-US" smtClean="0"/>
-              <a:t>10</a:t>
+              <a:t>12</a:t>
             </a:fld>
             <a:endParaRPr lang="en-US"/>
           </a:p>
@@ -900,7 +901,7 @@
     </p:spTree>
     <p:extLst>
       <p:ext uri="{BB962C8B-B14F-4D97-AF65-F5344CB8AC3E}">
-        <p14:creationId xmlns:p14="http://schemas.microsoft.com/office/powerpoint/2010/main" val="1137836655"/>
+        <p14:creationId xmlns:p14="http://schemas.microsoft.com/office/powerpoint/2010/main" val="1007852627"/>
       </p:ext>
     </p:extLst>
   </p:cSld>
@@ -911,7 +912,7 @@
 </file>
 
 <file path=ppt/slideLayouts/slideLayout1.xml><?xml version="1.0" encoding="utf-8"?>
-<p:sldLayout xmlns:a="http://schemas.openxmlformats.org/drawingml/2006/main" xmlns:r="http://schemas.openxmlformats.org/officeDocument/2006/relationships" xmlns:p="http://schemas.openxmlformats.org/presentationml/2006/main" showMasterSp="0" type="title" preserve="1">
+<p:sldLayout xmlns:a="http://schemas.openxmlformats.org/drawingml/2006/main" xmlns:r="http://schemas.openxmlformats.org/officeDocument/2006/relationships" xmlns:p="http://schemas.openxmlformats.org/presentationml/2006/main" showMasterSp="0" preserve="1">
   <p:cSld name="Title Slide">
     <p:spTree>
       <p:nvGrpSpPr>
@@ -929,67 +930,26 @@
       </p:grpSpPr>
       <p:sp>
         <p:nvSpPr>
-          <p:cNvPr id="2" name="Title 1"/>
-          <p:cNvSpPr>
-            <a:spLocks noGrp="1"/>
-          </p:cNvSpPr>
-          <p:nvPr>
-            <p:ph type="ctrTitle"/>
+          <p:cNvPr id="3" name="Subtitle 2"/>
+          <p:cNvSpPr>
+            <a:spLocks noGrp="1"/>
+          </p:cNvSpPr>
+          <p:nvPr>
+            <p:ph type="subTitle" idx="1"/>
           </p:nvPr>
         </p:nvSpPr>
         <p:spPr>
           <a:xfrm>
-            <a:off x="457200" y="228600"/>
-            <a:ext cx="7772400" cy="4571999"/>
-          </a:xfrm>
-        </p:spPr>
-        <p:txBody>
-          <a:bodyPr anchor="ctr">
-            <a:noAutofit/>
-          </a:bodyPr>
-          <a:lstStyle>
-            <a:lvl1pPr>
-              <a:lnSpc>
-                <a:spcPct val="100000"/>
-              </a:lnSpc>
-              <a:defRPr sz="8800" spc="-80" baseline="0">
-                <a:solidFill>
-                  <a:schemeClr val="tx1"/>
-                </a:solidFill>
-              </a:defRPr>
-            </a:lvl1pPr>
-          </a:lstStyle>
-          <a:p>
-            <a:r>
-              <a:rPr lang="en-US" smtClean="0"/>
-              <a:t>Click to edit Master title style</a:t>
-            </a:r>
-            <a:endParaRPr lang="en-US" dirty="0"/>
-          </a:p>
-        </p:txBody>
-      </p:sp>
-      <p:sp>
-        <p:nvSpPr>
-          <p:cNvPr id="3" name="Subtitle 2"/>
-          <p:cNvSpPr>
-            <a:spLocks noGrp="1"/>
-          </p:cNvSpPr>
-          <p:nvPr>
-            <p:ph type="subTitle" idx="1"/>
-          </p:nvPr>
-        </p:nvSpPr>
-        <p:spPr>
-          <a:xfrm>
-            <a:off x="457200" y="4800600"/>
+            <a:off x="1132517" y="3427224"/>
             <a:ext cx="6858000" cy="914400"/>
           </a:xfrm>
         </p:spPr>
         <p:txBody>
           <a:bodyPr/>
           <a:lstStyle>
-            <a:lvl1pPr marL="0" indent="0" algn="l">
+            <a:lvl1pPr marL="0" indent="0" algn="ctr">
               <a:buNone/>
-              <a:defRPr b="0" cap="all" spc="120" baseline="0">
+              <a:defRPr b="0" cap="none" spc="120" baseline="0">
                 <a:solidFill>
                   <a:schemeClr val="tx2"/>
                 </a:solidFill>
@@ -1101,9 +1061,9 @@
           <a:bodyPr/>
           <a:lstStyle/>
           <a:p>
-            <a:fld id="{684F1F4F-7B22-E44C-8CD7-97B626D1700D}" type="datetime1">
-              <a:rPr lang="en-US" smtClean="0"/>
-              <a:t>11/14/15</a:t>
+            <a:fld id="{734D3379-CDE8-564F-A32A-D111D2B5DEDF}" type="datetime1">
+              <a:rPr lang="en-US" smtClean="0"/>
+              <a:t>7/4/16</a:t>
             </a:fld>
             <a:endParaRPr lang="en-US"/>
           </a:p>
@@ -1119,14 +1079,19 @@
             <p:ph type="ftr" sz="quarter" idx="11"/>
           </p:nvPr>
         </p:nvSpPr>
-        <p:spPr/>
+        <p:spPr>
+          <a:xfrm>
+            <a:off x="457200" y="6492875"/>
+            <a:ext cx="3945988" cy="282095"/>
+          </a:xfrm>
+        </p:spPr>
         <p:txBody>
           <a:bodyPr/>
           <a:lstStyle/>
           <a:p>
             <a:r>
               <a:rPr lang="en-US" smtClean="0"/>
-              <a:t>© EV3Lessons.com, 2015, (Last edit: 11/01/15)</a:t>
+              <a:t>© EV3Lessons.com, 2016, (Last edit: 07/04/16)</a:t>
             </a:r>
             <a:endParaRPr lang="en-US"/>
           </a:p>
@@ -1142,7 +1107,15 @@
             <p:ph type="sldNum" sz="quarter" idx="12"/>
           </p:nvPr>
         </p:nvSpPr>
-        <p:spPr/>
+        <p:spPr>
+          <a:xfrm>
+            <a:off x="8484242" y="6341733"/>
+            <a:ext cx="588319" cy="365125"/>
+          </a:xfrm>
+          <a:prstGeom prst="rect">
+            <a:avLst/>
+          </a:prstGeom>
+        </p:spPr>
         <p:txBody>
           <a:bodyPr/>
           <a:lstStyle>
@@ -1167,7 +1140,7 @@
         <p:nvSpPr>
           <p:cNvPr id="11" name="Rectangle 10"/>
           <p:cNvSpPr/>
-          <p:nvPr userDrawn="1"/>
+          <p:nvPr/>
         </p:nvSpPr>
         <p:spPr>
           <a:xfrm>
@@ -1205,7 +1178,7 @@
         <p:nvSpPr>
           <p:cNvPr id="12" name="Rectangle 11"/>
           <p:cNvSpPr/>
-          <p:nvPr userDrawn="1"/>
+          <p:nvPr/>
         </p:nvSpPr>
         <p:spPr>
           <a:xfrm>
@@ -1243,6 +1216,231 @@
         <p:nvSpPr>
           <p:cNvPr id="13" name="Rectangle 12"/>
           <p:cNvSpPr/>
+          <p:nvPr/>
+        </p:nvSpPr>
+        <p:spPr>
+          <a:xfrm>
+            <a:off x="8904666" y="0"/>
+            <a:ext cx="91440" cy="6858000"/>
+          </a:xfrm>
+          <a:prstGeom prst="rect">
+            <a:avLst/>
+          </a:prstGeom>
+          <a:solidFill>
+            <a:srgbClr val="0070C0"/>
+          </a:solidFill>
+          <a:ln>
+            <a:noFill/>
+          </a:ln>
+        </p:spPr>
+        <p:style>
+          <a:lnRef idx="2">
+            <a:schemeClr val="accent1">
+              <a:shade val="50000"/>
+            </a:schemeClr>
+          </a:lnRef>
+          <a:fillRef idx="1">
+            <a:schemeClr val="accent1"/>
+          </a:fillRef>
+          <a:effectRef idx="0">
+            <a:schemeClr val="accent1"/>
+          </a:effectRef>
+          <a:fontRef idx="minor">
+            <a:schemeClr val="lt1"/>
+          </a:fontRef>
+        </p:style>
+      </p:sp>
+      <p:pic>
+        <p:nvPicPr>
+          <p:cNvPr id="10" name="Picture 2" descr="EV3Lessons.com"/>
+          <p:cNvPicPr>
+            <a:picLocks noChangeAspect="1" noChangeArrowheads="1"/>
+          </p:cNvPicPr>
+          <p:nvPr/>
+        </p:nvPicPr>
+        <p:blipFill>
+          <a:blip r:embed="rId2">
+            <a:extLst>
+              <a:ext uri="{28A0092B-C50C-407E-A947-70E740481C1C}">
+                <a14:useLocalDpi xmlns:a14="http://schemas.microsoft.com/office/drawing/2010/main"/>
+              </a:ext>
+            </a:extLst>
+          </a:blip>
+          <a:srcRect/>
+          <a:stretch>
+            <a:fillRect/>
+          </a:stretch>
+        </p:blipFill>
+        <p:spPr bwMode="auto">
+          <a:xfrm>
+            <a:off x="690896" y="400415"/>
+            <a:ext cx="7741243" cy="2875320"/>
+          </a:xfrm>
+          <a:prstGeom prst="rect">
+            <a:avLst/>
+          </a:prstGeom>
+          <a:noFill/>
+          <a:extLst>
+            <a:ext uri="{909E8E84-426E-40dd-AFC4-6F175D3DCCD1}">
+              <a14:hiddenFill xmlns:a14="http://schemas.microsoft.com/office/drawing/2010/main" xmlns="">
+                <a:solidFill>
+                  <a:srgbClr val="FFFFFF"/>
+                </a:solidFill>
+              </a14:hiddenFill>
+            </a:ext>
+          </a:extLst>
+        </p:spPr>
+      </p:pic>
+      <p:sp>
+        <p:nvSpPr>
+          <p:cNvPr id="14" name="Title 1"/>
+          <p:cNvSpPr>
+            <a:spLocks noGrp="1"/>
+          </p:cNvSpPr>
+          <p:nvPr>
+            <p:ph type="ctrTitle" hasCustomPrompt="1"/>
+          </p:nvPr>
+        </p:nvSpPr>
+        <p:spPr>
+          <a:xfrm>
+            <a:off x="502903" y="5741850"/>
+            <a:ext cx="8117227" cy="602769"/>
+          </a:xfrm>
+        </p:spPr>
+        <p:txBody>
+          <a:bodyPr>
+            <a:noAutofit/>
+          </a:bodyPr>
+          <a:lstStyle>
+            <a:lvl1pPr>
+              <a:defRPr sz="2800"/>
+            </a:lvl1pPr>
+          </a:lstStyle>
+          <a:p>
+            <a:pPr algn="ctr"/>
+            <a:r>
+              <a:rPr lang="en-US" sz="3200" dirty="0" smtClean="0"/>
+              <a:t>BEGINNER PROGRAMMING LESSON</a:t>
+            </a:r>
+            <a:endParaRPr lang="en-US" sz="3200" dirty="0"/>
+          </a:p>
+        </p:txBody>
+      </p:sp>
+      <p:sp>
+        <p:nvSpPr>
+          <p:cNvPr id="15" name="TextBox 14"/>
+          <p:cNvSpPr txBox="1"/>
+          <p:nvPr/>
+        </p:nvSpPr>
+        <p:spPr>
+          <a:xfrm>
+            <a:off x="2078568" y="4119917"/>
+            <a:ext cx="4965896" cy="369332"/>
+          </a:xfrm>
+          <a:prstGeom prst="rect">
+            <a:avLst/>
+          </a:prstGeom>
+          <a:noFill/>
+        </p:spPr>
+        <p:txBody>
+          <a:bodyPr wrap="square" rtlCol="0">
+            <a:spAutoFit/>
+          </a:bodyPr>
+          <a:lstStyle/>
+          <a:p>
+            <a:pPr algn="ctr"/>
+            <a:r>
+              <a:rPr lang="en-US" dirty="0" smtClean="0"/>
+              <a:t>By Sanjay and Arvind </a:t>
+            </a:r>
+            <a:r>
+              <a:rPr lang="en-US" dirty="0" err="1" smtClean="0"/>
+              <a:t>Seshan</a:t>
+            </a:r>
+            <a:endParaRPr lang="en-US" dirty="0"/>
+          </a:p>
+        </p:txBody>
+      </p:sp>
+      <p:sp>
+        <p:nvSpPr>
+          <p:cNvPr id="16" name="Rectangle 15"/>
+          <p:cNvSpPr/>
+          <p:nvPr userDrawn="1"/>
+        </p:nvSpPr>
+        <p:spPr>
+          <a:xfrm>
+            <a:off x="8996106" y="2895600"/>
+            <a:ext cx="147895" cy="3962400"/>
+          </a:xfrm>
+          <a:prstGeom prst="rect">
+            <a:avLst/>
+          </a:prstGeom>
+          <a:solidFill>
+            <a:srgbClr val="92D050"/>
+          </a:solidFill>
+          <a:ln>
+            <a:noFill/>
+          </a:ln>
+        </p:spPr>
+        <p:style>
+          <a:lnRef idx="2">
+            <a:schemeClr val="accent1">
+              <a:shade val="50000"/>
+            </a:schemeClr>
+          </a:lnRef>
+          <a:fillRef idx="1">
+            <a:schemeClr val="accent1"/>
+          </a:fillRef>
+          <a:effectRef idx="0">
+            <a:schemeClr val="accent1"/>
+          </a:effectRef>
+          <a:fontRef idx="minor">
+            <a:schemeClr val="lt1"/>
+          </a:fontRef>
+        </p:style>
+      </p:sp>
+      <p:sp>
+        <p:nvSpPr>
+          <p:cNvPr id="17" name="Rectangle 16"/>
+          <p:cNvSpPr/>
+          <p:nvPr userDrawn="1"/>
+        </p:nvSpPr>
+        <p:spPr>
+          <a:xfrm>
+            <a:off x="8959042" y="0"/>
+            <a:ext cx="184958" cy="2895600"/>
+          </a:xfrm>
+          <a:prstGeom prst="rect">
+            <a:avLst/>
+          </a:prstGeom>
+          <a:solidFill>
+            <a:srgbClr val="7030A0"/>
+          </a:solidFill>
+          <a:ln>
+            <a:noFill/>
+          </a:ln>
+        </p:spPr>
+        <p:style>
+          <a:lnRef idx="2">
+            <a:schemeClr val="accent1">
+              <a:shade val="50000"/>
+            </a:schemeClr>
+          </a:lnRef>
+          <a:fillRef idx="1">
+            <a:schemeClr val="accent1"/>
+          </a:fillRef>
+          <a:effectRef idx="0">
+            <a:schemeClr val="accent1"/>
+          </a:effectRef>
+          <a:fontRef idx="minor">
+            <a:schemeClr val="lt1"/>
+          </a:fontRef>
+        </p:style>
+      </p:sp>
+      <p:sp>
+        <p:nvSpPr>
+          <p:cNvPr id="18" name="Rectangle 17"/>
+          <p:cNvSpPr/>
           <p:nvPr userDrawn="1"/>
         </p:nvSpPr>
         <p:spPr>
@@ -1278,6 +1476,11 @@
         </p:style>
       </p:sp>
     </p:spTree>
+    <p:extLst>
+      <p:ext uri="{BB962C8B-B14F-4D97-AF65-F5344CB8AC3E}">
+        <p14:creationId xmlns:p14="http://schemas.microsoft.com/office/powerpoint/2010/main" val="1731270372"/>
+      </p:ext>
+    </p:extLst>
   </p:cSld>
   <p:clrMapOvr>
     <a:masterClrMapping/>
@@ -1399,9 +1602,9 @@
           <a:bodyPr/>
           <a:lstStyle/>
           <a:p>
-            <a:fld id="{3690C949-6CD6-E849-99AE-792EC6F94E3F}" type="datetime1">
-              <a:rPr lang="en-US" smtClean="0"/>
-              <a:t>11/14/15</a:t>
+            <a:fld id="{037E39DB-0282-2D43-A88B-5F84187E61CB}" type="datetime1">
+              <a:rPr lang="en-US" smtClean="0"/>
+              <a:t>7/4/16</a:t>
             </a:fld>
             <a:endParaRPr lang="en-US"/>
           </a:p>
@@ -1424,7 +1627,7 @@
           <a:p>
             <a:r>
               <a:rPr lang="en-US" smtClean="0"/>
-              <a:t>© EV3Lessons.com, 2015, (Last edit: 11/01/15)</a:t>
+              <a:t>© EV3Lessons.com, 2016, (Last edit: 07/04/16)</a:t>
             </a:r>
             <a:endParaRPr lang="en-US"/>
           </a:p>
@@ -1440,7 +1643,15 @@
             <p:ph type="sldNum" sz="quarter" idx="12"/>
           </p:nvPr>
         </p:nvSpPr>
-        <p:spPr/>
+        <p:spPr>
+          <a:xfrm rot="16200000">
+            <a:off x="8227377" y="5885497"/>
+            <a:ext cx="1315721" cy="365125"/>
+          </a:xfrm>
+          <a:prstGeom prst="rect">
+            <a:avLst/>
+          </a:prstGeom>
+        </p:spPr>
         <p:txBody>
           <a:bodyPr/>
           <a:lstStyle/>
@@ -1454,6 +1665,11 @@
         </p:txBody>
       </p:sp>
     </p:spTree>
+    <p:extLst>
+      <p:ext uri="{BB962C8B-B14F-4D97-AF65-F5344CB8AC3E}">
+        <p14:creationId xmlns:p14="http://schemas.microsoft.com/office/powerpoint/2010/main" val="496099929"/>
+      </p:ext>
+    </p:extLst>
   </p:cSld>
   <p:clrMapOvr>
     <a:masterClrMapping/>
@@ -1578,9 +1794,9 @@
           <a:bodyPr/>
           <a:lstStyle/>
           <a:p>
-            <a:fld id="{6B80381D-4AB5-B040-9FC9-32E7C7690B63}" type="datetime1">
-              <a:rPr lang="en-US" smtClean="0"/>
-              <a:t>11/14/15</a:t>
+            <a:fld id="{468433E0-C5EC-BE4E-AAE9-D56E452479DD}" type="datetime1">
+              <a:rPr lang="en-US" smtClean="0"/>
+              <a:t>7/4/16</a:t>
             </a:fld>
             <a:endParaRPr lang="en-US"/>
           </a:p>
@@ -1603,7 +1819,7 @@
           <a:p>
             <a:r>
               <a:rPr lang="en-US" smtClean="0"/>
-              <a:t>© EV3Lessons.com, 2015, (Last edit: 11/01/15)</a:t>
+              <a:t>© EV3Lessons.com, 2016, (Last edit: 07/04/16)</a:t>
             </a:r>
             <a:endParaRPr lang="en-US"/>
           </a:p>
@@ -1619,7 +1835,15 @@
             <p:ph type="sldNum" sz="quarter" idx="12"/>
           </p:nvPr>
         </p:nvSpPr>
-        <p:spPr/>
+        <p:spPr>
+          <a:xfrm rot="16200000">
+            <a:off x="8227377" y="5885497"/>
+            <a:ext cx="1315721" cy="365125"/>
+          </a:xfrm>
+          <a:prstGeom prst="rect">
+            <a:avLst/>
+          </a:prstGeom>
+        </p:spPr>
         <p:txBody>
           <a:bodyPr/>
           <a:lstStyle/>
@@ -1633,6 +1857,1740 @@
         </p:txBody>
       </p:sp>
     </p:spTree>
+    <p:extLst>
+      <p:ext uri="{BB962C8B-B14F-4D97-AF65-F5344CB8AC3E}">
+        <p14:creationId xmlns:p14="http://schemas.microsoft.com/office/powerpoint/2010/main" val="1419989049"/>
+      </p:ext>
+    </p:extLst>
+  </p:cSld>
+  <p:clrMapOvr>
+    <a:masterClrMapping/>
+  </p:clrMapOvr>
+</p:sldLayout>
+</file>
+
+<file path=ppt/slideLayouts/slideLayout12.xml><?xml version="1.0" encoding="utf-8"?>
+<p:sldLayout xmlns:a="http://schemas.openxmlformats.org/drawingml/2006/main" xmlns:r="http://schemas.openxmlformats.org/officeDocument/2006/relationships" xmlns:p="http://schemas.openxmlformats.org/presentationml/2006/main" type="title" preserve="1">
+  <p:cSld name="Title Slide">
+    <p:spTree>
+      <p:nvGrpSpPr>
+        <p:cNvPr id="1" name=""/>
+        <p:cNvGrpSpPr/>
+        <p:nvPr/>
+      </p:nvGrpSpPr>
+      <p:grpSpPr>
+        <a:xfrm>
+          <a:off x="0" y="0"/>
+          <a:ext cx="0" cy="0"/>
+          <a:chOff x="0" y="0"/>
+          <a:chExt cx="0" cy="0"/>
+        </a:xfrm>
+      </p:grpSpPr>
+      <p:sp>
+        <p:nvSpPr>
+          <p:cNvPr id="2" name="Title 1"/>
+          <p:cNvSpPr>
+            <a:spLocks noGrp="1"/>
+          </p:cNvSpPr>
+          <p:nvPr>
+            <p:ph type="ctrTitle"/>
+          </p:nvPr>
+        </p:nvSpPr>
+        <p:spPr>
+          <a:xfrm>
+            <a:off x="1143000" y="1122363"/>
+            <a:ext cx="6858000" cy="2387600"/>
+          </a:xfrm>
+        </p:spPr>
+        <p:txBody>
+          <a:bodyPr anchor="b"/>
+          <a:lstStyle>
+            <a:lvl1pPr algn="ctr">
+              <a:defRPr sz="6000"/>
+            </a:lvl1pPr>
+          </a:lstStyle>
+          <a:p>
+            <a:r>
+              <a:rPr lang="en-US" smtClean="0"/>
+              <a:t>Click to edit Master title style</a:t>
+            </a:r>
+            <a:endParaRPr lang="en-US"/>
+          </a:p>
+        </p:txBody>
+      </p:sp>
+      <p:sp>
+        <p:nvSpPr>
+          <p:cNvPr id="3" name="Subtitle 2"/>
+          <p:cNvSpPr>
+            <a:spLocks noGrp="1"/>
+          </p:cNvSpPr>
+          <p:nvPr>
+            <p:ph type="subTitle" idx="1"/>
+          </p:nvPr>
+        </p:nvSpPr>
+        <p:spPr>
+          <a:xfrm>
+            <a:off x="1143000" y="3602038"/>
+            <a:ext cx="6858000" cy="1655762"/>
+          </a:xfrm>
+        </p:spPr>
+        <p:txBody>
+          <a:bodyPr/>
+          <a:lstStyle>
+            <a:lvl1pPr marL="0" indent="0" algn="ctr">
+              <a:buNone/>
+              <a:defRPr sz="2400"/>
+            </a:lvl1pPr>
+            <a:lvl2pPr marL="457200" indent="0" algn="ctr">
+              <a:buNone/>
+              <a:defRPr sz="2000"/>
+            </a:lvl2pPr>
+            <a:lvl3pPr marL="914400" indent="0" algn="ctr">
+              <a:buNone/>
+              <a:defRPr sz="1800"/>
+            </a:lvl3pPr>
+            <a:lvl4pPr marL="1371600" indent="0" algn="ctr">
+              <a:buNone/>
+              <a:defRPr sz="1600"/>
+            </a:lvl4pPr>
+            <a:lvl5pPr marL="1828800" indent="0" algn="ctr">
+              <a:buNone/>
+              <a:defRPr sz="1600"/>
+            </a:lvl5pPr>
+            <a:lvl6pPr marL="2286000" indent="0" algn="ctr">
+              <a:buNone/>
+              <a:defRPr sz="1600"/>
+            </a:lvl6pPr>
+            <a:lvl7pPr marL="2743200" indent="0" algn="ctr">
+              <a:buNone/>
+              <a:defRPr sz="1600"/>
+            </a:lvl7pPr>
+            <a:lvl8pPr marL="3200400" indent="0" algn="ctr">
+              <a:buNone/>
+              <a:defRPr sz="1600"/>
+            </a:lvl8pPr>
+            <a:lvl9pPr marL="3657600" indent="0" algn="ctr">
+              <a:buNone/>
+              <a:defRPr sz="1600"/>
+            </a:lvl9pPr>
+          </a:lstStyle>
+          <a:p>
+            <a:r>
+              <a:rPr lang="en-US" smtClean="0"/>
+              <a:t>Click to edit Master subtitle style</a:t>
+            </a:r>
+            <a:endParaRPr lang="en-US"/>
+          </a:p>
+        </p:txBody>
+      </p:sp>
+      <p:sp>
+        <p:nvSpPr>
+          <p:cNvPr id="4" name="Date Placeholder 3"/>
+          <p:cNvSpPr>
+            <a:spLocks noGrp="1"/>
+          </p:cNvSpPr>
+          <p:nvPr>
+            <p:ph type="dt" sz="half" idx="10"/>
+          </p:nvPr>
+        </p:nvSpPr>
+        <p:spPr/>
+        <p:txBody>
+          <a:bodyPr/>
+          <a:lstStyle/>
+          <a:p>
+            <a:fld id="{6BC9F42C-B4E1-5841-9147-5DFD4C8BD9AC}" type="datetime1">
+              <a:rPr lang="en-US" smtClean="0"/>
+              <a:t>7/4/16</a:t>
+            </a:fld>
+            <a:endParaRPr lang="en-US"/>
+          </a:p>
+        </p:txBody>
+      </p:sp>
+      <p:sp>
+        <p:nvSpPr>
+          <p:cNvPr id="5" name="Footer Placeholder 4"/>
+          <p:cNvSpPr>
+            <a:spLocks noGrp="1"/>
+          </p:cNvSpPr>
+          <p:nvPr>
+            <p:ph type="ftr" sz="quarter" idx="11"/>
+          </p:nvPr>
+        </p:nvSpPr>
+        <p:spPr/>
+        <p:txBody>
+          <a:bodyPr/>
+          <a:lstStyle/>
+          <a:p>
+            <a:r>
+              <a:rPr lang="en-US" smtClean="0"/>
+              <a:t>© EV3Lessons.com, 2016, (Last edit: 07/04/16)</a:t>
+            </a:r>
+            <a:endParaRPr lang="en-US"/>
+          </a:p>
+        </p:txBody>
+      </p:sp>
+      <p:sp>
+        <p:nvSpPr>
+          <p:cNvPr id="6" name="Slide Number Placeholder 5"/>
+          <p:cNvSpPr>
+            <a:spLocks noGrp="1"/>
+          </p:cNvSpPr>
+          <p:nvPr>
+            <p:ph type="sldNum" sz="quarter" idx="12"/>
+          </p:nvPr>
+        </p:nvSpPr>
+        <p:spPr/>
+        <p:txBody>
+          <a:bodyPr/>
+          <a:lstStyle/>
+          <a:p>
+            <a:fld id="{DE42E464-3EB8-43C8-8768-9E2AD4F497B7}" type="slidenum">
+              <a:rPr lang="en-US" smtClean="0"/>
+              <a:t>‹#›</a:t>
+            </a:fld>
+            <a:endParaRPr lang="en-US"/>
+          </a:p>
+        </p:txBody>
+      </p:sp>
+    </p:spTree>
+    <p:extLst>
+      <p:ext uri="{BB962C8B-B14F-4D97-AF65-F5344CB8AC3E}">
+        <p14:creationId xmlns:p14="http://schemas.microsoft.com/office/powerpoint/2010/main" val="1488159155"/>
+      </p:ext>
+    </p:extLst>
+  </p:cSld>
+  <p:clrMapOvr>
+    <a:masterClrMapping/>
+  </p:clrMapOvr>
+</p:sldLayout>
+</file>
+
+<file path=ppt/slideLayouts/slideLayout13.xml><?xml version="1.0" encoding="utf-8"?>
+<p:sldLayout xmlns:a="http://schemas.openxmlformats.org/drawingml/2006/main" xmlns:r="http://schemas.openxmlformats.org/officeDocument/2006/relationships" xmlns:p="http://schemas.openxmlformats.org/presentationml/2006/main" type="obj" preserve="1">
+  <p:cSld name="Title and Content">
+    <p:spTree>
+      <p:nvGrpSpPr>
+        <p:cNvPr id="1" name=""/>
+        <p:cNvGrpSpPr/>
+        <p:nvPr/>
+      </p:nvGrpSpPr>
+      <p:grpSpPr>
+        <a:xfrm>
+          <a:off x="0" y="0"/>
+          <a:ext cx="0" cy="0"/>
+          <a:chOff x="0" y="0"/>
+          <a:chExt cx="0" cy="0"/>
+        </a:xfrm>
+      </p:grpSpPr>
+      <p:sp>
+        <p:nvSpPr>
+          <p:cNvPr id="2" name="Title 1"/>
+          <p:cNvSpPr>
+            <a:spLocks noGrp="1"/>
+          </p:cNvSpPr>
+          <p:nvPr>
+            <p:ph type="title"/>
+          </p:nvPr>
+        </p:nvSpPr>
+        <p:spPr/>
+        <p:txBody>
+          <a:bodyPr/>
+          <a:lstStyle/>
+          <a:p>
+            <a:r>
+              <a:rPr lang="en-US" smtClean="0"/>
+              <a:t>Click to edit Master title style</a:t>
+            </a:r>
+            <a:endParaRPr lang="en-US"/>
+          </a:p>
+        </p:txBody>
+      </p:sp>
+      <p:sp>
+        <p:nvSpPr>
+          <p:cNvPr id="3" name="Content Placeholder 2"/>
+          <p:cNvSpPr>
+            <a:spLocks noGrp="1"/>
+          </p:cNvSpPr>
+          <p:nvPr>
+            <p:ph idx="1"/>
+          </p:nvPr>
+        </p:nvSpPr>
+        <p:spPr/>
+        <p:txBody>
+          <a:bodyPr/>
+          <a:lstStyle/>
+          <a:p>
+            <a:pPr lvl="0"/>
+            <a:r>
+              <a:rPr lang="en-US" smtClean="0"/>
+              <a:t>Click to edit Master text styles</a:t>
+            </a:r>
+          </a:p>
+          <a:p>
+            <a:pPr lvl="1"/>
+            <a:r>
+              <a:rPr lang="en-US" smtClean="0"/>
+              <a:t>Second level</a:t>
+            </a:r>
+          </a:p>
+          <a:p>
+            <a:pPr lvl="2"/>
+            <a:r>
+              <a:rPr lang="en-US" smtClean="0"/>
+              <a:t>Third level</a:t>
+            </a:r>
+          </a:p>
+          <a:p>
+            <a:pPr lvl="3"/>
+            <a:r>
+              <a:rPr lang="en-US" smtClean="0"/>
+              <a:t>Fourth level</a:t>
+            </a:r>
+          </a:p>
+          <a:p>
+            <a:pPr lvl="4"/>
+            <a:r>
+              <a:rPr lang="en-US" smtClean="0"/>
+              <a:t>Fifth level</a:t>
+            </a:r>
+            <a:endParaRPr lang="en-US"/>
+          </a:p>
+        </p:txBody>
+      </p:sp>
+      <p:sp>
+        <p:nvSpPr>
+          <p:cNvPr id="4" name="Date Placeholder 3"/>
+          <p:cNvSpPr>
+            <a:spLocks noGrp="1"/>
+          </p:cNvSpPr>
+          <p:nvPr>
+            <p:ph type="dt" sz="half" idx="10"/>
+          </p:nvPr>
+        </p:nvSpPr>
+        <p:spPr/>
+        <p:txBody>
+          <a:bodyPr/>
+          <a:lstStyle/>
+          <a:p>
+            <a:fld id="{B1F855B8-4A35-2F4B-9BE5-A9E032A37919}" type="datetime1">
+              <a:rPr lang="en-US" smtClean="0"/>
+              <a:t>7/4/16</a:t>
+            </a:fld>
+            <a:endParaRPr lang="en-US"/>
+          </a:p>
+        </p:txBody>
+      </p:sp>
+      <p:sp>
+        <p:nvSpPr>
+          <p:cNvPr id="5" name="Footer Placeholder 4"/>
+          <p:cNvSpPr>
+            <a:spLocks noGrp="1"/>
+          </p:cNvSpPr>
+          <p:nvPr>
+            <p:ph type="ftr" sz="quarter" idx="11"/>
+          </p:nvPr>
+        </p:nvSpPr>
+        <p:spPr/>
+        <p:txBody>
+          <a:bodyPr/>
+          <a:lstStyle/>
+          <a:p>
+            <a:r>
+              <a:rPr lang="en-US" smtClean="0"/>
+              <a:t>© EV3Lessons.com, 2016, (Last edit: 07/04/16)</a:t>
+            </a:r>
+            <a:endParaRPr lang="en-US"/>
+          </a:p>
+        </p:txBody>
+      </p:sp>
+      <p:sp>
+        <p:nvSpPr>
+          <p:cNvPr id="6" name="Slide Number Placeholder 5"/>
+          <p:cNvSpPr>
+            <a:spLocks noGrp="1"/>
+          </p:cNvSpPr>
+          <p:nvPr>
+            <p:ph type="sldNum" sz="quarter" idx="12"/>
+          </p:nvPr>
+        </p:nvSpPr>
+        <p:spPr/>
+        <p:txBody>
+          <a:bodyPr/>
+          <a:lstStyle/>
+          <a:p>
+            <a:fld id="{DE42E464-3EB8-43C8-8768-9E2AD4F497B7}" type="slidenum">
+              <a:rPr lang="en-US" smtClean="0"/>
+              <a:t>‹#›</a:t>
+            </a:fld>
+            <a:endParaRPr lang="en-US"/>
+          </a:p>
+        </p:txBody>
+      </p:sp>
+    </p:spTree>
+    <p:extLst>
+      <p:ext uri="{BB962C8B-B14F-4D97-AF65-F5344CB8AC3E}">
+        <p14:creationId xmlns:p14="http://schemas.microsoft.com/office/powerpoint/2010/main" val="1896365123"/>
+      </p:ext>
+    </p:extLst>
+  </p:cSld>
+  <p:clrMapOvr>
+    <a:masterClrMapping/>
+  </p:clrMapOvr>
+</p:sldLayout>
+</file>
+
+<file path=ppt/slideLayouts/slideLayout14.xml><?xml version="1.0" encoding="utf-8"?>
+<p:sldLayout xmlns:a="http://schemas.openxmlformats.org/drawingml/2006/main" xmlns:r="http://schemas.openxmlformats.org/officeDocument/2006/relationships" xmlns:p="http://schemas.openxmlformats.org/presentationml/2006/main" type="secHead" preserve="1">
+  <p:cSld name="Section Header">
+    <p:spTree>
+      <p:nvGrpSpPr>
+        <p:cNvPr id="1" name=""/>
+        <p:cNvGrpSpPr/>
+        <p:nvPr/>
+      </p:nvGrpSpPr>
+      <p:grpSpPr>
+        <a:xfrm>
+          <a:off x="0" y="0"/>
+          <a:ext cx="0" cy="0"/>
+          <a:chOff x="0" y="0"/>
+          <a:chExt cx="0" cy="0"/>
+        </a:xfrm>
+      </p:grpSpPr>
+      <p:sp>
+        <p:nvSpPr>
+          <p:cNvPr id="2" name="Title 1"/>
+          <p:cNvSpPr>
+            <a:spLocks noGrp="1"/>
+          </p:cNvSpPr>
+          <p:nvPr>
+            <p:ph type="title"/>
+          </p:nvPr>
+        </p:nvSpPr>
+        <p:spPr>
+          <a:xfrm>
+            <a:off x="623888" y="1709738"/>
+            <a:ext cx="7886700" cy="2852737"/>
+          </a:xfrm>
+        </p:spPr>
+        <p:txBody>
+          <a:bodyPr anchor="b"/>
+          <a:lstStyle>
+            <a:lvl1pPr>
+              <a:defRPr sz="6000"/>
+            </a:lvl1pPr>
+          </a:lstStyle>
+          <a:p>
+            <a:r>
+              <a:rPr lang="en-US" smtClean="0"/>
+              <a:t>Click to edit Master title style</a:t>
+            </a:r>
+            <a:endParaRPr lang="en-US"/>
+          </a:p>
+        </p:txBody>
+      </p:sp>
+      <p:sp>
+        <p:nvSpPr>
+          <p:cNvPr id="3" name="Text Placeholder 2"/>
+          <p:cNvSpPr>
+            <a:spLocks noGrp="1"/>
+          </p:cNvSpPr>
+          <p:nvPr>
+            <p:ph type="body" idx="1"/>
+          </p:nvPr>
+        </p:nvSpPr>
+        <p:spPr>
+          <a:xfrm>
+            <a:off x="623888" y="4589463"/>
+            <a:ext cx="7886700" cy="1500187"/>
+          </a:xfrm>
+        </p:spPr>
+        <p:txBody>
+          <a:bodyPr/>
+          <a:lstStyle>
+            <a:lvl1pPr marL="0" indent="0">
+              <a:buNone/>
+              <a:defRPr sz="2400">
+                <a:solidFill>
+                  <a:schemeClr val="tx1">
+                    <a:tint val="75000"/>
+                  </a:schemeClr>
+                </a:solidFill>
+              </a:defRPr>
+            </a:lvl1pPr>
+            <a:lvl2pPr marL="457200" indent="0">
+              <a:buNone/>
+              <a:defRPr sz="2000">
+                <a:solidFill>
+                  <a:schemeClr val="tx1">
+                    <a:tint val="75000"/>
+                  </a:schemeClr>
+                </a:solidFill>
+              </a:defRPr>
+            </a:lvl2pPr>
+            <a:lvl3pPr marL="914400" indent="0">
+              <a:buNone/>
+              <a:defRPr sz="1800">
+                <a:solidFill>
+                  <a:schemeClr val="tx1">
+                    <a:tint val="75000"/>
+                  </a:schemeClr>
+                </a:solidFill>
+              </a:defRPr>
+            </a:lvl3pPr>
+            <a:lvl4pPr marL="1371600" indent="0">
+              <a:buNone/>
+              <a:defRPr sz="1600">
+                <a:solidFill>
+                  <a:schemeClr val="tx1">
+                    <a:tint val="75000"/>
+                  </a:schemeClr>
+                </a:solidFill>
+              </a:defRPr>
+            </a:lvl4pPr>
+            <a:lvl5pPr marL="1828800" indent="0">
+              <a:buNone/>
+              <a:defRPr sz="1600">
+                <a:solidFill>
+                  <a:schemeClr val="tx1">
+                    <a:tint val="75000"/>
+                  </a:schemeClr>
+                </a:solidFill>
+              </a:defRPr>
+            </a:lvl5pPr>
+            <a:lvl6pPr marL="2286000" indent="0">
+              <a:buNone/>
+              <a:defRPr sz="1600">
+                <a:solidFill>
+                  <a:schemeClr val="tx1">
+                    <a:tint val="75000"/>
+                  </a:schemeClr>
+                </a:solidFill>
+              </a:defRPr>
+            </a:lvl6pPr>
+            <a:lvl7pPr marL="2743200" indent="0">
+              <a:buNone/>
+              <a:defRPr sz="1600">
+                <a:solidFill>
+                  <a:schemeClr val="tx1">
+                    <a:tint val="75000"/>
+                  </a:schemeClr>
+                </a:solidFill>
+              </a:defRPr>
+            </a:lvl7pPr>
+            <a:lvl8pPr marL="3200400" indent="0">
+              <a:buNone/>
+              <a:defRPr sz="1600">
+                <a:solidFill>
+                  <a:schemeClr val="tx1">
+                    <a:tint val="75000"/>
+                  </a:schemeClr>
+                </a:solidFill>
+              </a:defRPr>
+            </a:lvl8pPr>
+            <a:lvl9pPr marL="3657600" indent="0">
+              <a:buNone/>
+              <a:defRPr sz="1600">
+                <a:solidFill>
+                  <a:schemeClr val="tx1">
+                    <a:tint val="75000"/>
+                  </a:schemeClr>
+                </a:solidFill>
+              </a:defRPr>
+            </a:lvl9pPr>
+          </a:lstStyle>
+          <a:p>
+            <a:pPr lvl="0"/>
+            <a:r>
+              <a:rPr lang="en-US" smtClean="0"/>
+              <a:t>Click to edit Master text styles</a:t>
+            </a:r>
+          </a:p>
+        </p:txBody>
+      </p:sp>
+      <p:sp>
+        <p:nvSpPr>
+          <p:cNvPr id="4" name="Date Placeholder 3"/>
+          <p:cNvSpPr>
+            <a:spLocks noGrp="1"/>
+          </p:cNvSpPr>
+          <p:nvPr>
+            <p:ph type="dt" sz="half" idx="10"/>
+          </p:nvPr>
+        </p:nvSpPr>
+        <p:spPr/>
+        <p:txBody>
+          <a:bodyPr/>
+          <a:lstStyle/>
+          <a:p>
+            <a:fld id="{76AF6D96-B6B6-9F46-8145-E884FC689B52}" type="datetime1">
+              <a:rPr lang="en-US" smtClean="0"/>
+              <a:t>7/4/16</a:t>
+            </a:fld>
+            <a:endParaRPr lang="en-US"/>
+          </a:p>
+        </p:txBody>
+      </p:sp>
+      <p:sp>
+        <p:nvSpPr>
+          <p:cNvPr id="5" name="Footer Placeholder 4"/>
+          <p:cNvSpPr>
+            <a:spLocks noGrp="1"/>
+          </p:cNvSpPr>
+          <p:nvPr>
+            <p:ph type="ftr" sz="quarter" idx="11"/>
+          </p:nvPr>
+        </p:nvSpPr>
+        <p:spPr/>
+        <p:txBody>
+          <a:bodyPr/>
+          <a:lstStyle/>
+          <a:p>
+            <a:r>
+              <a:rPr lang="en-US" smtClean="0"/>
+              <a:t>© EV3Lessons.com, 2016, (Last edit: 07/04/16)</a:t>
+            </a:r>
+            <a:endParaRPr lang="en-US"/>
+          </a:p>
+        </p:txBody>
+      </p:sp>
+      <p:sp>
+        <p:nvSpPr>
+          <p:cNvPr id="6" name="Slide Number Placeholder 5"/>
+          <p:cNvSpPr>
+            <a:spLocks noGrp="1"/>
+          </p:cNvSpPr>
+          <p:nvPr>
+            <p:ph type="sldNum" sz="quarter" idx="12"/>
+          </p:nvPr>
+        </p:nvSpPr>
+        <p:spPr/>
+        <p:txBody>
+          <a:bodyPr/>
+          <a:lstStyle/>
+          <a:p>
+            <a:fld id="{DE42E464-3EB8-43C8-8768-9E2AD4F497B7}" type="slidenum">
+              <a:rPr lang="en-US" smtClean="0"/>
+              <a:t>‹#›</a:t>
+            </a:fld>
+            <a:endParaRPr lang="en-US"/>
+          </a:p>
+        </p:txBody>
+      </p:sp>
+    </p:spTree>
+    <p:extLst>
+      <p:ext uri="{BB962C8B-B14F-4D97-AF65-F5344CB8AC3E}">
+        <p14:creationId xmlns:p14="http://schemas.microsoft.com/office/powerpoint/2010/main" val="1403817134"/>
+      </p:ext>
+    </p:extLst>
+  </p:cSld>
+  <p:clrMapOvr>
+    <a:masterClrMapping/>
+  </p:clrMapOvr>
+</p:sldLayout>
+</file>
+
+<file path=ppt/slideLayouts/slideLayout15.xml><?xml version="1.0" encoding="utf-8"?>
+<p:sldLayout xmlns:a="http://schemas.openxmlformats.org/drawingml/2006/main" xmlns:r="http://schemas.openxmlformats.org/officeDocument/2006/relationships" xmlns:p="http://schemas.openxmlformats.org/presentationml/2006/main" type="twoObj" preserve="1">
+  <p:cSld name="Two Content">
+    <p:spTree>
+      <p:nvGrpSpPr>
+        <p:cNvPr id="1" name=""/>
+        <p:cNvGrpSpPr/>
+        <p:nvPr/>
+      </p:nvGrpSpPr>
+      <p:grpSpPr>
+        <a:xfrm>
+          <a:off x="0" y="0"/>
+          <a:ext cx="0" cy="0"/>
+          <a:chOff x="0" y="0"/>
+          <a:chExt cx="0" cy="0"/>
+        </a:xfrm>
+      </p:grpSpPr>
+      <p:sp>
+        <p:nvSpPr>
+          <p:cNvPr id="2" name="Title 1"/>
+          <p:cNvSpPr>
+            <a:spLocks noGrp="1"/>
+          </p:cNvSpPr>
+          <p:nvPr>
+            <p:ph type="title"/>
+          </p:nvPr>
+        </p:nvSpPr>
+        <p:spPr/>
+        <p:txBody>
+          <a:bodyPr/>
+          <a:lstStyle/>
+          <a:p>
+            <a:r>
+              <a:rPr lang="en-US" smtClean="0"/>
+              <a:t>Click to edit Master title style</a:t>
+            </a:r>
+            <a:endParaRPr lang="en-US"/>
+          </a:p>
+        </p:txBody>
+      </p:sp>
+      <p:sp>
+        <p:nvSpPr>
+          <p:cNvPr id="3" name="Content Placeholder 2"/>
+          <p:cNvSpPr>
+            <a:spLocks noGrp="1"/>
+          </p:cNvSpPr>
+          <p:nvPr>
+            <p:ph sz="half" idx="1"/>
+          </p:nvPr>
+        </p:nvSpPr>
+        <p:spPr>
+          <a:xfrm>
+            <a:off x="628650" y="1825625"/>
+            <a:ext cx="3867150" cy="4351338"/>
+          </a:xfrm>
+        </p:spPr>
+        <p:txBody>
+          <a:bodyPr/>
+          <a:lstStyle/>
+          <a:p>
+            <a:pPr lvl="0"/>
+            <a:r>
+              <a:rPr lang="en-US" smtClean="0"/>
+              <a:t>Click to edit Master text styles</a:t>
+            </a:r>
+          </a:p>
+          <a:p>
+            <a:pPr lvl="1"/>
+            <a:r>
+              <a:rPr lang="en-US" smtClean="0"/>
+              <a:t>Second level</a:t>
+            </a:r>
+          </a:p>
+          <a:p>
+            <a:pPr lvl="2"/>
+            <a:r>
+              <a:rPr lang="en-US" smtClean="0"/>
+              <a:t>Third level</a:t>
+            </a:r>
+          </a:p>
+          <a:p>
+            <a:pPr lvl="3"/>
+            <a:r>
+              <a:rPr lang="en-US" smtClean="0"/>
+              <a:t>Fourth level</a:t>
+            </a:r>
+          </a:p>
+          <a:p>
+            <a:pPr lvl="4"/>
+            <a:r>
+              <a:rPr lang="en-US" smtClean="0"/>
+              <a:t>Fifth level</a:t>
+            </a:r>
+            <a:endParaRPr lang="en-US"/>
+          </a:p>
+        </p:txBody>
+      </p:sp>
+      <p:sp>
+        <p:nvSpPr>
+          <p:cNvPr id="4" name="Content Placeholder 3"/>
+          <p:cNvSpPr>
+            <a:spLocks noGrp="1"/>
+          </p:cNvSpPr>
+          <p:nvPr>
+            <p:ph sz="half" idx="2"/>
+          </p:nvPr>
+        </p:nvSpPr>
+        <p:spPr>
+          <a:xfrm>
+            <a:off x="4648200" y="1825625"/>
+            <a:ext cx="3867150" cy="4351338"/>
+          </a:xfrm>
+        </p:spPr>
+        <p:txBody>
+          <a:bodyPr/>
+          <a:lstStyle/>
+          <a:p>
+            <a:pPr lvl="0"/>
+            <a:r>
+              <a:rPr lang="en-US" smtClean="0"/>
+              <a:t>Click to edit Master text styles</a:t>
+            </a:r>
+          </a:p>
+          <a:p>
+            <a:pPr lvl="1"/>
+            <a:r>
+              <a:rPr lang="en-US" smtClean="0"/>
+              <a:t>Second level</a:t>
+            </a:r>
+          </a:p>
+          <a:p>
+            <a:pPr lvl="2"/>
+            <a:r>
+              <a:rPr lang="en-US" smtClean="0"/>
+              <a:t>Third level</a:t>
+            </a:r>
+          </a:p>
+          <a:p>
+            <a:pPr lvl="3"/>
+            <a:r>
+              <a:rPr lang="en-US" smtClean="0"/>
+              <a:t>Fourth level</a:t>
+            </a:r>
+          </a:p>
+          <a:p>
+            <a:pPr lvl="4"/>
+            <a:r>
+              <a:rPr lang="en-US" smtClean="0"/>
+              <a:t>Fifth level</a:t>
+            </a:r>
+            <a:endParaRPr lang="en-US"/>
+          </a:p>
+        </p:txBody>
+      </p:sp>
+      <p:sp>
+        <p:nvSpPr>
+          <p:cNvPr id="5" name="Date Placeholder 4"/>
+          <p:cNvSpPr>
+            <a:spLocks noGrp="1"/>
+          </p:cNvSpPr>
+          <p:nvPr>
+            <p:ph type="dt" sz="half" idx="10"/>
+          </p:nvPr>
+        </p:nvSpPr>
+        <p:spPr/>
+        <p:txBody>
+          <a:bodyPr/>
+          <a:lstStyle/>
+          <a:p>
+            <a:fld id="{151C8181-6EF9-BB46-881E-49425AE4A1D6}" type="datetime1">
+              <a:rPr lang="en-US" smtClean="0"/>
+              <a:t>7/4/16</a:t>
+            </a:fld>
+            <a:endParaRPr lang="en-US"/>
+          </a:p>
+        </p:txBody>
+      </p:sp>
+      <p:sp>
+        <p:nvSpPr>
+          <p:cNvPr id="6" name="Footer Placeholder 5"/>
+          <p:cNvSpPr>
+            <a:spLocks noGrp="1"/>
+          </p:cNvSpPr>
+          <p:nvPr>
+            <p:ph type="ftr" sz="quarter" idx="11"/>
+          </p:nvPr>
+        </p:nvSpPr>
+        <p:spPr/>
+        <p:txBody>
+          <a:bodyPr/>
+          <a:lstStyle/>
+          <a:p>
+            <a:r>
+              <a:rPr lang="en-US" smtClean="0"/>
+              <a:t>© EV3Lessons.com, 2016, (Last edit: 07/04/16)</a:t>
+            </a:r>
+            <a:endParaRPr lang="en-US"/>
+          </a:p>
+        </p:txBody>
+      </p:sp>
+      <p:sp>
+        <p:nvSpPr>
+          <p:cNvPr id="7" name="Slide Number Placeholder 6"/>
+          <p:cNvSpPr>
+            <a:spLocks noGrp="1"/>
+          </p:cNvSpPr>
+          <p:nvPr>
+            <p:ph type="sldNum" sz="quarter" idx="12"/>
+          </p:nvPr>
+        </p:nvSpPr>
+        <p:spPr/>
+        <p:txBody>
+          <a:bodyPr/>
+          <a:lstStyle/>
+          <a:p>
+            <a:fld id="{DE42E464-3EB8-43C8-8768-9E2AD4F497B7}" type="slidenum">
+              <a:rPr lang="en-US" smtClean="0"/>
+              <a:t>‹#›</a:t>
+            </a:fld>
+            <a:endParaRPr lang="en-US"/>
+          </a:p>
+        </p:txBody>
+      </p:sp>
+    </p:spTree>
+    <p:extLst>
+      <p:ext uri="{BB962C8B-B14F-4D97-AF65-F5344CB8AC3E}">
+        <p14:creationId xmlns:p14="http://schemas.microsoft.com/office/powerpoint/2010/main" val="1699225196"/>
+      </p:ext>
+    </p:extLst>
+  </p:cSld>
+  <p:clrMapOvr>
+    <a:masterClrMapping/>
+  </p:clrMapOvr>
+</p:sldLayout>
+</file>
+
+<file path=ppt/slideLayouts/slideLayout16.xml><?xml version="1.0" encoding="utf-8"?>
+<p:sldLayout xmlns:a="http://schemas.openxmlformats.org/drawingml/2006/main" xmlns:r="http://schemas.openxmlformats.org/officeDocument/2006/relationships" xmlns:p="http://schemas.openxmlformats.org/presentationml/2006/main" type="twoTxTwoObj" preserve="1">
+  <p:cSld name="Comparison">
+    <p:spTree>
+      <p:nvGrpSpPr>
+        <p:cNvPr id="1" name=""/>
+        <p:cNvGrpSpPr/>
+        <p:nvPr/>
+      </p:nvGrpSpPr>
+      <p:grpSpPr>
+        <a:xfrm>
+          <a:off x="0" y="0"/>
+          <a:ext cx="0" cy="0"/>
+          <a:chOff x="0" y="0"/>
+          <a:chExt cx="0" cy="0"/>
+        </a:xfrm>
+      </p:grpSpPr>
+      <p:sp>
+        <p:nvSpPr>
+          <p:cNvPr id="2" name="Title 1"/>
+          <p:cNvSpPr>
+            <a:spLocks noGrp="1"/>
+          </p:cNvSpPr>
+          <p:nvPr>
+            <p:ph type="title"/>
+          </p:nvPr>
+        </p:nvSpPr>
+        <p:spPr>
+          <a:xfrm>
+            <a:off x="630238" y="365125"/>
+            <a:ext cx="7886700" cy="1325563"/>
+          </a:xfrm>
+        </p:spPr>
+        <p:txBody>
+          <a:bodyPr/>
+          <a:lstStyle/>
+          <a:p>
+            <a:r>
+              <a:rPr lang="en-US" smtClean="0"/>
+              <a:t>Click to edit Master title style</a:t>
+            </a:r>
+            <a:endParaRPr lang="en-US"/>
+          </a:p>
+        </p:txBody>
+      </p:sp>
+      <p:sp>
+        <p:nvSpPr>
+          <p:cNvPr id="3" name="Text Placeholder 2"/>
+          <p:cNvSpPr>
+            <a:spLocks noGrp="1"/>
+          </p:cNvSpPr>
+          <p:nvPr>
+            <p:ph type="body" idx="1"/>
+          </p:nvPr>
+        </p:nvSpPr>
+        <p:spPr>
+          <a:xfrm>
+            <a:off x="630238" y="1681163"/>
+            <a:ext cx="3868737" cy="823912"/>
+          </a:xfrm>
+        </p:spPr>
+        <p:txBody>
+          <a:bodyPr anchor="b"/>
+          <a:lstStyle>
+            <a:lvl1pPr marL="0" indent="0">
+              <a:buNone/>
+              <a:defRPr sz="2400" b="1"/>
+            </a:lvl1pPr>
+            <a:lvl2pPr marL="457200" indent="0">
+              <a:buNone/>
+              <a:defRPr sz="2000" b="1"/>
+            </a:lvl2pPr>
+            <a:lvl3pPr marL="914400" indent="0">
+              <a:buNone/>
+              <a:defRPr sz="1800" b="1"/>
+            </a:lvl3pPr>
+            <a:lvl4pPr marL="1371600" indent="0">
+              <a:buNone/>
+              <a:defRPr sz="1600" b="1"/>
+            </a:lvl4pPr>
+            <a:lvl5pPr marL="1828800" indent="0">
+              <a:buNone/>
+              <a:defRPr sz="1600" b="1"/>
+            </a:lvl5pPr>
+            <a:lvl6pPr marL="2286000" indent="0">
+              <a:buNone/>
+              <a:defRPr sz="1600" b="1"/>
+            </a:lvl6pPr>
+            <a:lvl7pPr marL="2743200" indent="0">
+              <a:buNone/>
+              <a:defRPr sz="1600" b="1"/>
+            </a:lvl7pPr>
+            <a:lvl8pPr marL="3200400" indent="0">
+              <a:buNone/>
+              <a:defRPr sz="1600" b="1"/>
+            </a:lvl8pPr>
+            <a:lvl9pPr marL="3657600" indent="0">
+              <a:buNone/>
+              <a:defRPr sz="1600" b="1"/>
+            </a:lvl9pPr>
+          </a:lstStyle>
+          <a:p>
+            <a:pPr lvl="0"/>
+            <a:r>
+              <a:rPr lang="en-US" smtClean="0"/>
+              <a:t>Click to edit Master text styles</a:t>
+            </a:r>
+          </a:p>
+        </p:txBody>
+      </p:sp>
+      <p:sp>
+        <p:nvSpPr>
+          <p:cNvPr id="4" name="Content Placeholder 3"/>
+          <p:cNvSpPr>
+            <a:spLocks noGrp="1"/>
+          </p:cNvSpPr>
+          <p:nvPr>
+            <p:ph sz="half" idx="2"/>
+          </p:nvPr>
+        </p:nvSpPr>
+        <p:spPr>
+          <a:xfrm>
+            <a:off x="630238" y="2505075"/>
+            <a:ext cx="3868737" cy="3684588"/>
+          </a:xfrm>
+        </p:spPr>
+        <p:txBody>
+          <a:bodyPr/>
+          <a:lstStyle/>
+          <a:p>
+            <a:pPr lvl="0"/>
+            <a:r>
+              <a:rPr lang="en-US" smtClean="0"/>
+              <a:t>Click to edit Master text styles</a:t>
+            </a:r>
+          </a:p>
+          <a:p>
+            <a:pPr lvl="1"/>
+            <a:r>
+              <a:rPr lang="en-US" smtClean="0"/>
+              <a:t>Second level</a:t>
+            </a:r>
+          </a:p>
+          <a:p>
+            <a:pPr lvl="2"/>
+            <a:r>
+              <a:rPr lang="en-US" smtClean="0"/>
+              <a:t>Third level</a:t>
+            </a:r>
+          </a:p>
+          <a:p>
+            <a:pPr lvl="3"/>
+            <a:r>
+              <a:rPr lang="en-US" smtClean="0"/>
+              <a:t>Fourth level</a:t>
+            </a:r>
+          </a:p>
+          <a:p>
+            <a:pPr lvl="4"/>
+            <a:r>
+              <a:rPr lang="en-US" smtClean="0"/>
+              <a:t>Fifth level</a:t>
+            </a:r>
+            <a:endParaRPr lang="en-US"/>
+          </a:p>
+        </p:txBody>
+      </p:sp>
+      <p:sp>
+        <p:nvSpPr>
+          <p:cNvPr id="5" name="Text Placeholder 4"/>
+          <p:cNvSpPr>
+            <a:spLocks noGrp="1"/>
+          </p:cNvSpPr>
+          <p:nvPr>
+            <p:ph type="body" sz="quarter" idx="3"/>
+          </p:nvPr>
+        </p:nvSpPr>
+        <p:spPr>
+          <a:xfrm>
+            <a:off x="4629150" y="1681163"/>
+            <a:ext cx="3887788" cy="823912"/>
+          </a:xfrm>
+        </p:spPr>
+        <p:txBody>
+          <a:bodyPr anchor="b"/>
+          <a:lstStyle>
+            <a:lvl1pPr marL="0" indent="0">
+              <a:buNone/>
+              <a:defRPr sz="2400" b="1"/>
+            </a:lvl1pPr>
+            <a:lvl2pPr marL="457200" indent="0">
+              <a:buNone/>
+              <a:defRPr sz="2000" b="1"/>
+            </a:lvl2pPr>
+            <a:lvl3pPr marL="914400" indent="0">
+              <a:buNone/>
+              <a:defRPr sz="1800" b="1"/>
+            </a:lvl3pPr>
+            <a:lvl4pPr marL="1371600" indent="0">
+              <a:buNone/>
+              <a:defRPr sz="1600" b="1"/>
+            </a:lvl4pPr>
+            <a:lvl5pPr marL="1828800" indent="0">
+              <a:buNone/>
+              <a:defRPr sz="1600" b="1"/>
+            </a:lvl5pPr>
+            <a:lvl6pPr marL="2286000" indent="0">
+              <a:buNone/>
+              <a:defRPr sz="1600" b="1"/>
+            </a:lvl6pPr>
+            <a:lvl7pPr marL="2743200" indent="0">
+              <a:buNone/>
+              <a:defRPr sz="1600" b="1"/>
+            </a:lvl7pPr>
+            <a:lvl8pPr marL="3200400" indent="0">
+              <a:buNone/>
+              <a:defRPr sz="1600" b="1"/>
+            </a:lvl8pPr>
+            <a:lvl9pPr marL="3657600" indent="0">
+              <a:buNone/>
+              <a:defRPr sz="1600" b="1"/>
+            </a:lvl9pPr>
+          </a:lstStyle>
+          <a:p>
+            <a:pPr lvl="0"/>
+            <a:r>
+              <a:rPr lang="en-US" smtClean="0"/>
+              <a:t>Click to edit Master text styles</a:t>
+            </a:r>
+          </a:p>
+        </p:txBody>
+      </p:sp>
+      <p:sp>
+        <p:nvSpPr>
+          <p:cNvPr id="6" name="Content Placeholder 5"/>
+          <p:cNvSpPr>
+            <a:spLocks noGrp="1"/>
+          </p:cNvSpPr>
+          <p:nvPr>
+            <p:ph sz="quarter" idx="4"/>
+          </p:nvPr>
+        </p:nvSpPr>
+        <p:spPr>
+          <a:xfrm>
+            <a:off x="4629150" y="2505075"/>
+            <a:ext cx="3887788" cy="3684588"/>
+          </a:xfrm>
+        </p:spPr>
+        <p:txBody>
+          <a:bodyPr/>
+          <a:lstStyle/>
+          <a:p>
+            <a:pPr lvl="0"/>
+            <a:r>
+              <a:rPr lang="en-US" smtClean="0"/>
+              <a:t>Click to edit Master text styles</a:t>
+            </a:r>
+          </a:p>
+          <a:p>
+            <a:pPr lvl="1"/>
+            <a:r>
+              <a:rPr lang="en-US" smtClean="0"/>
+              <a:t>Second level</a:t>
+            </a:r>
+          </a:p>
+          <a:p>
+            <a:pPr lvl="2"/>
+            <a:r>
+              <a:rPr lang="en-US" smtClean="0"/>
+              <a:t>Third level</a:t>
+            </a:r>
+          </a:p>
+          <a:p>
+            <a:pPr lvl="3"/>
+            <a:r>
+              <a:rPr lang="en-US" smtClean="0"/>
+              <a:t>Fourth level</a:t>
+            </a:r>
+          </a:p>
+          <a:p>
+            <a:pPr lvl="4"/>
+            <a:r>
+              <a:rPr lang="en-US" smtClean="0"/>
+              <a:t>Fifth level</a:t>
+            </a:r>
+            <a:endParaRPr lang="en-US"/>
+          </a:p>
+        </p:txBody>
+      </p:sp>
+      <p:sp>
+        <p:nvSpPr>
+          <p:cNvPr id="7" name="Date Placeholder 6"/>
+          <p:cNvSpPr>
+            <a:spLocks noGrp="1"/>
+          </p:cNvSpPr>
+          <p:nvPr>
+            <p:ph type="dt" sz="half" idx="10"/>
+          </p:nvPr>
+        </p:nvSpPr>
+        <p:spPr/>
+        <p:txBody>
+          <a:bodyPr/>
+          <a:lstStyle/>
+          <a:p>
+            <a:fld id="{3FE9FB58-9E1D-8C4A-B30B-612CD10181F2}" type="datetime1">
+              <a:rPr lang="en-US" smtClean="0"/>
+              <a:t>7/4/16</a:t>
+            </a:fld>
+            <a:endParaRPr lang="en-US"/>
+          </a:p>
+        </p:txBody>
+      </p:sp>
+      <p:sp>
+        <p:nvSpPr>
+          <p:cNvPr id="8" name="Footer Placeholder 7"/>
+          <p:cNvSpPr>
+            <a:spLocks noGrp="1"/>
+          </p:cNvSpPr>
+          <p:nvPr>
+            <p:ph type="ftr" sz="quarter" idx="11"/>
+          </p:nvPr>
+        </p:nvSpPr>
+        <p:spPr/>
+        <p:txBody>
+          <a:bodyPr/>
+          <a:lstStyle/>
+          <a:p>
+            <a:r>
+              <a:rPr lang="en-US" smtClean="0"/>
+              <a:t>© EV3Lessons.com, 2016, (Last edit: 07/04/16)</a:t>
+            </a:r>
+            <a:endParaRPr lang="en-US"/>
+          </a:p>
+        </p:txBody>
+      </p:sp>
+      <p:sp>
+        <p:nvSpPr>
+          <p:cNvPr id="9" name="Slide Number Placeholder 8"/>
+          <p:cNvSpPr>
+            <a:spLocks noGrp="1"/>
+          </p:cNvSpPr>
+          <p:nvPr>
+            <p:ph type="sldNum" sz="quarter" idx="12"/>
+          </p:nvPr>
+        </p:nvSpPr>
+        <p:spPr/>
+        <p:txBody>
+          <a:bodyPr/>
+          <a:lstStyle/>
+          <a:p>
+            <a:fld id="{DE42E464-3EB8-43C8-8768-9E2AD4F497B7}" type="slidenum">
+              <a:rPr lang="en-US" smtClean="0"/>
+              <a:t>‹#›</a:t>
+            </a:fld>
+            <a:endParaRPr lang="en-US"/>
+          </a:p>
+        </p:txBody>
+      </p:sp>
+    </p:spTree>
+    <p:extLst>
+      <p:ext uri="{BB962C8B-B14F-4D97-AF65-F5344CB8AC3E}">
+        <p14:creationId xmlns:p14="http://schemas.microsoft.com/office/powerpoint/2010/main" val="1640331366"/>
+      </p:ext>
+    </p:extLst>
+  </p:cSld>
+  <p:clrMapOvr>
+    <a:masterClrMapping/>
+  </p:clrMapOvr>
+</p:sldLayout>
+</file>
+
+<file path=ppt/slideLayouts/slideLayout17.xml><?xml version="1.0" encoding="utf-8"?>
+<p:sldLayout xmlns:a="http://schemas.openxmlformats.org/drawingml/2006/main" xmlns:r="http://schemas.openxmlformats.org/officeDocument/2006/relationships" xmlns:p="http://schemas.openxmlformats.org/presentationml/2006/main" type="titleOnly" preserve="1">
+  <p:cSld name="Title Only">
+    <p:spTree>
+      <p:nvGrpSpPr>
+        <p:cNvPr id="1" name=""/>
+        <p:cNvGrpSpPr/>
+        <p:nvPr/>
+      </p:nvGrpSpPr>
+      <p:grpSpPr>
+        <a:xfrm>
+          <a:off x="0" y="0"/>
+          <a:ext cx="0" cy="0"/>
+          <a:chOff x="0" y="0"/>
+          <a:chExt cx="0" cy="0"/>
+        </a:xfrm>
+      </p:grpSpPr>
+      <p:sp>
+        <p:nvSpPr>
+          <p:cNvPr id="2" name="Title 1"/>
+          <p:cNvSpPr>
+            <a:spLocks noGrp="1"/>
+          </p:cNvSpPr>
+          <p:nvPr>
+            <p:ph type="title"/>
+          </p:nvPr>
+        </p:nvSpPr>
+        <p:spPr/>
+        <p:txBody>
+          <a:bodyPr/>
+          <a:lstStyle/>
+          <a:p>
+            <a:r>
+              <a:rPr lang="en-US" smtClean="0"/>
+              <a:t>Click to edit Master title style</a:t>
+            </a:r>
+            <a:endParaRPr lang="en-US"/>
+          </a:p>
+        </p:txBody>
+      </p:sp>
+      <p:sp>
+        <p:nvSpPr>
+          <p:cNvPr id="3" name="Date Placeholder 2"/>
+          <p:cNvSpPr>
+            <a:spLocks noGrp="1"/>
+          </p:cNvSpPr>
+          <p:nvPr>
+            <p:ph type="dt" sz="half" idx="10"/>
+          </p:nvPr>
+        </p:nvSpPr>
+        <p:spPr/>
+        <p:txBody>
+          <a:bodyPr/>
+          <a:lstStyle/>
+          <a:p>
+            <a:fld id="{B99A1D06-D031-574C-B314-3D3A913D09A7}" type="datetime1">
+              <a:rPr lang="en-US" smtClean="0"/>
+              <a:t>7/4/16</a:t>
+            </a:fld>
+            <a:endParaRPr lang="en-US"/>
+          </a:p>
+        </p:txBody>
+      </p:sp>
+      <p:sp>
+        <p:nvSpPr>
+          <p:cNvPr id="4" name="Footer Placeholder 3"/>
+          <p:cNvSpPr>
+            <a:spLocks noGrp="1"/>
+          </p:cNvSpPr>
+          <p:nvPr>
+            <p:ph type="ftr" sz="quarter" idx="11"/>
+          </p:nvPr>
+        </p:nvSpPr>
+        <p:spPr/>
+        <p:txBody>
+          <a:bodyPr/>
+          <a:lstStyle/>
+          <a:p>
+            <a:r>
+              <a:rPr lang="en-US" smtClean="0"/>
+              <a:t>© EV3Lessons.com, 2016, (Last edit: 07/04/16)</a:t>
+            </a:r>
+            <a:endParaRPr lang="en-US"/>
+          </a:p>
+        </p:txBody>
+      </p:sp>
+      <p:sp>
+        <p:nvSpPr>
+          <p:cNvPr id="5" name="Slide Number Placeholder 4"/>
+          <p:cNvSpPr>
+            <a:spLocks noGrp="1"/>
+          </p:cNvSpPr>
+          <p:nvPr>
+            <p:ph type="sldNum" sz="quarter" idx="12"/>
+          </p:nvPr>
+        </p:nvSpPr>
+        <p:spPr/>
+        <p:txBody>
+          <a:bodyPr/>
+          <a:lstStyle/>
+          <a:p>
+            <a:fld id="{DE42E464-3EB8-43C8-8768-9E2AD4F497B7}" type="slidenum">
+              <a:rPr lang="en-US" smtClean="0"/>
+              <a:t>‹#›</a:t>
+            </a:fld>
+            <a:endParaRPr lang="en-US"/>
+          </a:p>
+        </p:txBody>
+      </p:sp>
+    </p:spTree>
+    <p:extLst>
+      <p:ext uri="{BB962C8B-B14F-4D97-AF65-F5344CB8AC3E}">
+        <p14:creationId xmlns:p14="http://schemas.microsoft.com/office/powerpoint/2010/main" val="1801691823"/>
+      </p:ext>
+    </p:extLst>
+  </p:cSld>
+  <p:clrMapOvr>
+    <a:masterClrMapping/>
+  </p:clrMapOvr>
+</p:sldLayout>
+</file>
+
+<file path=ppt/slideLayouts/slideLayout18.xml><?xml version="1.0" encoding="utf-8"?>
+<p:sldLayout xmlns:a="http://schemas.openxmlformats.org/drawingml/2006/main" xmlns:r="http://schemas.openxmlformats.org/officeDocument/2006/relationships" xmlns:p="http://schemas.openxmlformats.org/presentationml/2006/main" type="blank" preserve="1">
+  <p:cSld name="Blank">
+    <p:spTree>
+      <p:nvGrpSpPr>
+        <p:cNvPr id="1" name=""/>
+        <p:cNvGrpSpPr/>
+        <p:nvPr/>
+      </p:nvGrpSpPr>
+      <p:grpSpPr>
+        <a:xfrm>
+          <a:off x="0" y="0"/>
+          <a:ext cx="0" cy="0"/>
+          <a:chOff x="0" y="0"/>
+          <a:chExt cx="0" cy="0"/>
+        </a:xfrm>
+      </p:grpSpPr>
+      <p:sp>
+        <p:nvSpPr>
+          <p:cNvPr id="2" name="Date Placeholder 1"/>
+          <p:cNvSpPr>
+            <a:spLocks noGrp="1"/>
+          </p:cNvSpPr>
+          <p:nvPr>
+            <p:ph type="dt" sz="half" idx="10"/>
+          </p:nvPr>
+        </p:nvSpPr>
+        <p:spPr/>
+        <p:txBody>
+          <a:bodyPr/>
+          <a:lstStyle/>
+          <a:p>
+            <a:fld id="{48908501-297D-E04E-8371-D2DC10164BF0}" type="datetime1">
+              <a:rPr lang="en-US" smtClean="0"/>
+              <a:t>7/4/16</a:t>
+            </a:fld>
+            <a:endParaRPr lang="en-US"/>
+          </a:p>
+        </p:txBody>
+      </p:sp>
+      <p:sp>
+        <p:nvSpPr>
+          <p:cNvPr id="3" name="Footer Placeholder 2"/>
+          <p:cNvSpPr>
+            <a:spLocks noGrp="1"/>
+          </p:cNvSpPr>
+          <p:nvPr>
+            <p:ph type="ftr" sz="quarter" idx="11"/>
+          </p:nvPr>
+        </p:nvSpPr>
+        <p:spPr/>
+        <p:txBody>
+          <a:bodyPr/>
+          <a:lstStyle/>
+          <a:p>
+            <a:r>
+              <a:rPr lang="en-US" smtClean="0"/>
+              <a:t>© EV3Lessons.com, 2016, (Last edit: 07/04/16)</a:t>
+            </a:r>
+            <a:endParaRPr lang="en-US"/>
+          </a:p>
+        </p:txBody>
+      </p:sp>
+      <p:sp>
+        <p:nvSpPr>
+          <p:cNvPr id="4" name="Slide Number Placeholder 3"/>
+          <p:cNvSpPr>
+            <a:spLocks noGrp="1"/>
+          </p:cNvSpPr>
+          <p:nvPr>
+            <p:ph type="sldNum" sz="quarter" idx="12"/>
+          </p:nvPr>
+        </p:nvSpPr>
+        <p:spPr/>
+        <p:txBody>
+          <a:bodyPr/>
+          <a:lstStyle/>
+          <a:p>
+            <a:fld id="{DE42E464-3EB8-43C8-8768-9E2AD4F497B7}" type="slidenum">
+              <a:rPr lang="en-US" smtClean="0"/>
+              <a:t>‹#›</a:t>
+            </a:fld>
+            <a:endParaRPr lang="en-US"/>
+          </a:p>
+        </p:txBody>
+      </p:sp>
+    </p:spTree>
+    <p:extLst>
+      <p:ext uri="{BB962C8B-B14F-4D97-AF65-F5344CB8AC3E}">
+        <p14:creationId xmlns:p14="http://schemas.microsoft.com/office/powerpoint/2010/main" val="1515046461"/>
+      </p:ext>
+    </p:extLst>
+  </p:cSld>
+  <p:clrMapOvr>
+    <a:masterClrMapping/>
+  </p:clrMapOvr>
+</p:sldLayout>
+</file>
+
+<file path=ppt/slideLayouts/slideLayout19.xml><?xml version="1.0" encoding="utf-8"?>
+<p:sldLayout xmlns:a="http://schemas.openxmlformats.org/drawingml/2006/main" xmlns:r="http://schemas.openxmlformats.org/officeDocument/2006/relationships" xmlns:p="http://schemas.openxmlformats.org/presentationml/2006/main" type="objTx" preserve="1">
+  <p:cSld name="Content with Caption">
+    <p:spTree>
+      <p:nvGrpSpPr>
+        <p:cNvPr id="1" name=""/>
+        <p:cNvGrpSpPr/>
+        <p:nvPr/>
+      </p:nvGrpSpPr>
+      <p:grpSpPr>
+        <a:xfrm>
+          <a:off x="0" y="0"/>
+          <a:ext cx="0" cy="0"/>
+          <a:chOff x="0" y="0"/>
+          <a:chExt cx="0" cy="0"/>
+        </a:xfrm>
+      </p:grpSpPr>
+      <p:sp>
+        <p:nvSpPr>
+          <p:cNvPr id="2" name="Title 1"/>
+          <p:cNvSpPr>
+            <a:spLocks noGrp="1"/>
+          </p:cNvSpPr>
+          <p:nvPr>
+            <p:ph type="title"/>
+          </p:nvPr>
+        </p:nvSpPr>
+        <p:spPr>
+          <a:xfrm>
+            <a:off x="630238" y="457200"/>
+            <a:ext cx="2949575" cy="1600200"/>
+          </a:xfrm>
+        </p:spPr>
+        <p:txBody>
+          <a:bodyPr anchor="b"/>
+          <a:lstStyle>
+            <a:lvl1pPr>
+              <a:defRPr sz="3200"/>
+            </a:lvl1pPr>
+          </a:lstStyle>
+          <a:p>
+            <a:r>
+              <a:rPr lang="en-US" smtClean="0"/>
+              <a:t>Click to edit Master title style</a:t>
+            </a:r>
+            <a:endParaRPr lang="en-US"/>
+          </a:p>
+        </p:txBody>
+      </p:sp>
+      <p:sp>
+        <p:nvSpPr>
+          <p:cNvPr id="3" name="Content Placeholder 2"/>
+          <p:cNvSpPr>
+            <a:spLocks noGrp="1"/>
+          </p:cNvSpPr>
+          <p:nvPr>
+            <p:ph idx="1"/>
+          </p:nvPr>
+        </p:nvSpPr>
+        <p:spPr>
+          <a:xfrm>
+            <a:off x="3887788" y="987425"/>
+            <a:ext cx="4629150" cy="4873625"/>
+          </a:xfrm>
+        </p:spPr>
+        <p:txBody>
+          <a:bodyPr/>
+          <a:lstStyle>
+            <a:lvl1pPr>
+              <a:defRPr sz="3200"/>
+            </a:lvl1pPr>
+            <a:lvl2pPr>
+              <a:defRPr sz="2800"/>
+            </a:lvl2pPr>
+            <a:lvl3pPr>
+              <a:defRPr sz="2400"/>
+            </a:lvl3pPr>
+            <a:lvl4pPr>
+              <a:defRPr sz="2000"/>
+            </a:lvl4pPr>
+            <a:lvl5pPr>
+              <a:defRPr sz="2000"/>
+            </a:lvl5pPr>
+            <a:lvl6pPr>
+              <a:defRPr sz="2000"/>
+            </a:lvl6pPr>
+            <a:lvl7pPr>
+              <a:defRPr sz="2000"/>
+            </a:lvl7pPr>
+            <a:lvl8pPr>
+              <a:defRPr sz="2000"/>
+            </a:lvl8pPr>
+            <a:lvl9pPr>
+              <a:defRPr sz="2000"/>
+            </a:lvl9pPr>
+          </a:lstStyle>
+          <a:p>
+            <a:pPr lvl="0"/>
+            <a:r>
+              <a:rPr lang="en-US" smtClean="0"/>
+              <a:t>Click to edit Master text styles</a:t>
+            </a:r>
+          </a:p>
+          <a:p>
+            <a:pPr lvl="1"/>
+            <a:r>
+              <a:rPr lang="en-US" smtClean="0"/>
+              <a:t>Second level</a:t>
+            </a:r>
+          </a:p>
+          <a:p>
+            <a:pPr lvl="2"/>
+            <a:r>
+              <a:rPr lang="en-US" smtClean="0"/>
+              <a:t>Third level</a:t>
+            </a:r>
+          </a:p>
+          <a:p>
+            <a:pPr lvl="3"/>
+            <a:r>
+              <a:rPr lang="en-US" smtClean="0"/>
+              <a:t>Fourth level</a:t>
+            </a:r>
+          </a:p>
+          <a:p>
+            <a:pPr lvl="4"/>
+            <a:r>
+              <a:rPr lang="en-US" smtClean="0"/>
+              <a:t>Fifth level</a:t>
+            </a:r>
+            <a:endParaRPr lang="en-US"/>
+          </a:p>
+        </p:txBody>
+      </p:sp>
+      <p:sp>
+        <p:nvSpPr>
+          <p:cNvPr id="4" name="Text Placeholder 3"/>
+          <p:cNvSpPr>
+            <a:spLocks noGrp="1"/>
+          </p:cNvSpPr>
+          <p:nvPr>
+            <p:ph type="body" sz="half" idx="2"/>
+          </p:nvPr>
+        </p:nvSpPr>
+        <p:spPr>
+          <a:xfrm>
+            <a:off x="630238" y="2057400"/>
+            <a:ext cx="2949575" cy="3811588"/>
+          </a:xfrm>
+        </p:spPr>
+        <p:txBody>
+          <a:bodyPr/>
+          <a:lstStyle>
+            <a:lvl1pPr marL="0" indent="0">
+              <a:buNone/>
+              <a:defRPr sz="1600"/>
+            </a:lvl1pPr>
+            <a:lvl2pPr marL="457200" indent="0">
+              <a:buNone/>
+              <a:defRPr sz="1400"/>
+            </a:lvl2pPr>
+            <a:lvl3pPr marL="914400" indent="0">
+              <a:buNone/>
+              <a:defRPr sz="1200"/>
+            </a:lvl3pPr>
+            <a:lvl4pPr marL="1371600" indent="0">
+              <a:buNone/>
+              <a:defRPr sz="1000"/>
+            </a:lvl4pPr>
+            <a:lvl5pPr marL="1828800" indent="0">
+              <a:buNone/>
+              <a:defRPr sz="1000"/>
+            </a:lvl5pPr>
+            <a:lvl6pPr marL="2286000" indent="0">
+              <a:buNone/>
+              <a:defRPr sz="1000"/>
+            </a:lvl6pPr>
+            <a:lvl7pPr marL="2743200" indent="0">
+              <a:buNone/>
+              <a:defRPr sz="1000"/>
+            </a:lvl7pPr>
+            <a:lvl8pPr marL="3200400" indent="0">
+              <a:buNone/>
+              <a:defRPr sz="1000"/>
+            </a:lvl8pPr>
+            <a:lvl9pPr marL="3657600" indent="0">
+              <a:buNone/>
+              <a:defRPr sz="1000"/>
+            </a:lvl9pPr>
+          </a:lstStyle>
+          <a:p>
+            <a:pPr lvl="0"/>
+            <a:r>
+              <a:rPr lang="en-US" smtClean="0"/>
+              <a:t>Click to edit Master text styles</a:t>
+            </a:r>
+          </a:p>
+        </p:txBody>
+      </p:sp>
+      <p:sp>
+        <p:nvSpPr>
+          <p:cNvPr id="5" name="Date Placeholder 4"/>
+          <p:cNvSpPr>
+            <a:spLocks noGrp="1"/>
+          </p:cNvSpPr>
+          <p:nvPr>
+            <p:ph type="dt" sz="half" idx="10"/>
+          </p:nvPr>
+        </p:nvSpPr>
+        <p:spPr/>
+        <p:txBody>
+          <a:bodyPr/>
+          <a:lstStyle/>
+          <a:p>
+            <a:fld id="{85B90354-FE89-EB42-A40C-D608C6421438}" type="datetime1">
+              <a:rPr lang="en-US" smtClean="0"/>
+              <a:t>7/4/16</a:t>
+            </a:fld>
+            <a:endParaRPr lang="en-US"/>
+          </a:p>
+        </p:txBody>
+      </p:sp>
+      <p:sp>
+        <p:nvSpPr>
+          <p:cNvPr id="6" name="Footer Placeholder 5"/>
+          <p:cNvSpPr>
+            <a:spLocks noGrp="1"/>
+          </p:cNvSpPr>
+          <p:nvPr>
+            <p:ph type="ftr" sz="quarter" idx="11"/>
+          </p:nvPr>
+        </p:nvSpPr>
+        <p:spPr/>
+        <p:txBody>
+          <a:bodyPr/>
+          <a:lstStyle/>
+          <a:p>
+            <a:r>
+              <a:rPr lang="en-US" smtClean="0"/>
+              <a:t>© EV3Lessons.com, 2016, (Last edit: 07/04/16)</a:t>
+            </a:r>
+            <a:endParaRPr lang="en-US"/>
+          </a:p>
+        </p:txBody>
+      </p:sp>
+      <p:sp>
+        <p:nvSpPr>
+          <p:cNvPr id="7" name="Slide Number Placeholder 6"/>
+          <p:cNvSpPr>
+            <a:spLocks noGrp="1"/>
+          </p:cNvSpPr>
+          <p:nvPr>
+            <p:ph type="sldNum" sz="quarter" idx="12"/>
+          </p:nvPr>
+        </p:nvSpPr>
+        <p:spPr/>
+        <p:txBody>
+          <a:bodyPr/>
+          <a:lstStyle/>
+          <a:p>
+            <a:fld id="{DE42E464-3EB8-43C8-8768-9E2AD4F497B7}" type="slidenum">
+              <a:rPr lang="en-US" smtClean="0"/>
+              <a:t>‹#›</a:t>
+            </a:fld>
+            <a:endParaRPr lang="en-US"/>
+          </a:p>
+        </p:txBody>
+      </p:sp>
+    </p:spTree>
+    <p:extLst>
+      <p:ext uri="{BB962C8B-B14F-4D97-AF65-F5344CB8AC3E}">
+        <p14:creationId xmlns:p14="http://schemas.microsoft.com/office/powerpoint/2010/main" val="672267548"/>
+      </p:ext>
+    </p:extLst>
   </p:cSld>
   <p:clrMapOvr>
     <a:masterClrMapping/>
@@ -1757,9 +3715,9 @@
           <a:bodyPr/>
           <a:lstStyle/>
           <a:p>
-            <a:fld id="{053BFB22-43C5-AD42-A158-9D81081DC704}" type="datetime1">
-              <a:rPr lang="en-US" smtClean="0"/>
-              <a:t>11/14/15</a:t>
+            <a:fld id="{B65FA35E-C1E6-2F43-8D1F-8D1A0506DE17}" type="datetime1">
+              <a:rPr lang="en-US" smtClean="0"/>
+              <a:t>7/4/16</a:t>
             </a:fld>
             <a:endParaRPr lang="en-US"/>
           </a:p>
@@ -1782,7 +3740,7 @@
           <a:p>
             <a:r>
               <a:rPr lang="en-US" smtClean="0"/>
-              <a:t>© EV3Lessons.com, 2015, (Last edit: 11/01/15)</a:t>
+              <a:t>© EV3Lessons.com, 2016, (Last edit: 07/04/16)</a:t>
             </a:r>
             <a:endParaRPr lang="en-US"/>
           </a:p>
@@ -1800,9 +3758,12 @@
         </p:nvSpPr>
         <p:spPr>
           <a:xfrm>
-            <a:off x="8415235" y="6404292"/>
-            <a:ext cx="574878" cy="365125"/>
+            <a:off x="8457383" y="6376457"/>
+            <a:ext cx="627256" cy="365125"/>
           </a:xfrm>
+          <a:prstGeom prst="rect">
+            <a:avLst/>
+          </a:prstGeom>
         </p:spPr>
         <p:txBody>
           <a:bodyPr/>
@@ -1817,6 +3778,11 @@
         </p:txBody>
       </p:sp>
     </p:spTree>
+    <p:extLst>
+      <p:ext uri="{BB962C8B-B14F-4D97-AF65-F5344CB8AC3E}">
+        <p14:creationId xmlns:p14="http://schemas.microsoft.com/office/powerpoint/2010/main" val="1205209001"/>
+      </p:ext>
+    </p:extLst>
   </p:cSld>
   <p:clrMapOvr>
     <a:masterClrMapping/>
@@ -1828,6 +3794,625 @@
       </p:par>
     </p:tnLst>
   </p:timing>
+</p:sldLayout>
+</file>
+
+<file path=ppt/slideLayouts/slideLayout20.xml><?xml version="1.0" encoding="utf-8"?>
+<p:sldLayout xmlns:a="http://schemas.openxmlformats.org/drawingml/2006/main" xmlns:r="http://schemas.openxmlformats.org/officeDocument/2006/relationships" xmlns:p="http://schemas.openxmlformats.org/presentationml/2006/main" type="picTx" preserve="1">
+  <p:cSld name="Picture with Caption">
+    <p:spTree>
+      <p:nvGrpSpPr>
+        <p:cNvPr id="1" name=""/>
+        <p:cNvGrpSpPr/>
+        <p:nvPr/>
+      </p:nvGrpSpPr>
+      <p:grpSpPr>
+        <a:xfrm>
+          <a:off x="0" y="0"/>
+          <a:ext cx="0" cy="0"/>
+          <a:chOff x="0" y="0"/>
+          <a:chExt cx="0" cy="0"/>
+        </a:xfrm>
+      </p:grpSpPr>
+      <p:sp>
+        <p:nvSpPr>
+          <p:cNvPr id="2" name="Title 1"/>
+          <p:cNvSpPr>
+            <a:spLocks noGrp="1"/>
+          </p:cNvSpPr>
+          <p:nvPr>
+            <p:ph type="title"/>
+          </p:nvPr>
+        </p:nvSpPr>
+        <p:spPr>
+          <a:xfrm>
+            <a:off x="630238" y="457200"/>
+            <a:ext cx="2949575" cy="1600200"/>
+          </a:xfrm>
+        </p:spPr>
+        <p:txBody>
+          <a:bodyPr anchor="b"/>
+          <a:lstStyle>
+            <a:lvl1pPr>
+              <a:defRPr sz="3200"/>
+            </a:lvl1pPr>
+          </a:lstStyle>
+          <a:p>
+            <a:r>
+              <a:rPr lang="en-US" smtClean="0"/>
+              <a:t>Click to edit Master title style</a:t>
+            </a:r>
+            <a:endParaRPr lang="en-US"/>
+          </a:p>
+        </p:txBody>
+      </p:sp>
+      <p:sp>
+        <p:nvSpPr>
+          <p:cNvPr id="3" name="Picture Placeholder 2"/>
+          <p:cNvSpPr>
+            <a:spLocks noGrp="1"/>
+          </p:cNvSpPr>
+          <p:nvPr>
+            <p:ph type="pic" idx="1"/>
+          </p:nvPr>
+        </p:nvSpPr>
+        <p:spPr>
+          <a:xfrm>
+            <a:off x="3887788" y="987425"/>
+            <a:ext cx="4629150" cy="4873625"/>
+          </a:xfrm>
+        </p:spPr>
+        <p:txBody>
+          <a:bodyPr/>
+          <a:lstStyle>
+            <a:lvl1pPr marL="0" indent="0">
+              <a:buNone/>
+              <a:defRPr sz="3200"/>
+            </a:lvl1pPr>
+            <a:lvl2pPr marL="457200" indent="0">
+              <a:buNone/>
+              <a:defRPr sz="2800"/>
+            </a:lvl2pPr>
+            <a:lvl3pPr marL="914400" indent="0">
+              <a:buNone/>
+              <a:defRPr sz="2400"/>
+            </a:lvl3pPr>
+            <a:lvl4pPr marL="1371600" indent="0">
+              <a:buNone/>
+              <a:defRPr sz="2000"/>
+            </a:lvl4pPr>
+            <a:lvl5pPr marL="1828800" indent="0">
+              <a:buNone/>
+              <a:defRPr sz="2000"/>
+            </a:lvl5pPr>
+            <a:lvl6pPr marL="2286000" indent="0">
+              <a:buNone/>
+              <a:defRPr sz="2000"/>
+            </a:lvl6pPr>
+            <a:lvl7pPr marL="2743200" indent="0">
+              <a:buNone/>
+              <a:defRPr sz="2000"/>
+            </a:lvl7pPr>
+            <a:lvl8pPr marL="3200400" indent="0">
+              <a:buNone/>
+              <a:defRPr sz="2000"/>
+            </a:lvl8pPr>
+            <a:lvl9pPr marL="3657600" indent="0">
+              <a:buNone/>
+              <a:defRPr sz="2000"/>
+            </a:lvl9pPr>
+          </a:lstStyle>
+          <a:p>
+            <a:r>
+              <a:rPr lang="en-US" smtClean="0"/>
+              <a:t>Drag picture to placeholder or click icon to add</a:t>
+            </a:r>
+            <a:endParaRPr lang="en-US"/>
+          </a:p>
+        </p:txBody>
+      </p:sp>
+      <p:sp>
+        <p:nvSpPr>
+          <p:cNvPr id="4" name="Text Placeholder 3"/>
+          <p:cNvSpPr>
+            <a:spLocks noGrp="1"/>
+          </p:cNvSpPr>
+          <p:nvPr>
+            <p:ph type="body" sz="half" idx="2"/>
+          </p:nvPr>
+        </p:nvSpPr>
+        <p:spPr>
+          <a:xfrm>
+            <a:off x="630238" y="2057400"/>
+            <a:ext cx="2949575" cy="3811588"/>
+          </a:xfrm>
+        </p:spPr>
+        <p:txBody>
+          <a:bodyPr/>
+          <a:lstStyle>
+            <a:lvl1pPr marL="0" indent="0">
+              <a:buNone/>
+              <a:defRPr sz="1600"/>
+            </a:lvl1pPr>
+            <a:lvl2pPr marL="457200" indent="0">
+              <a:buNone/>
+              <a:defRPr sz="1400"/>
+            </a:lvl2pPr>
+            <a:lvl3pPr marL="914400" indent="0">
+              <a:buNone/>
+              <a:defRPr sz="1200"/>
+            </a:lvl3pPr>
+            <a:lvl4pPr marL="1371600" indent="0">
+              <a:buNone/>
+              <a:defRPr sz="1000"/>
+            </a:lvl4pPr>
+            <a:lvl5pPr marL="1828800" indent="0">
+              <a:buNone/>
+              <a:defRPr sz="1000"/>
+            </a:lvl5pPr>
+            <a:lvl6pPr marL="2286000" indent="0">
+              <a:buNone/>
+              <a:defRPr sz="1000"/>
+            </a:lvl6pPr>
+            <a:lvl7pPr marL="2743200" indent="0">
+              <a:buNone/>
+              <a:defRPr sz="1000"/>
+            </a:lvl7pPr>
+            <a:lvl8pPr marL="3200400" indent="0">
+              <a:buNone/>
+              <a:defRPr sz="1000"/>
+            </a:lvl8pPr>
+            <a:lvl9pPr marL="3657600" indent="0">
+              <a:buNone/>
+              <a:defRPr sz="1000"/>
+            </a:lvl9pPr>
+          </a:lstStyle>
+          <a:p>
+            <a:pPr lvl="0"/>
+            <a:r>
+              <a:rPr lang="en-US" smtClean="0"/>
+              <a:t>Click to edit Master text styles</a:t>
+            </a:r>
+          </a:p>
+        </p:txBody>
+      </p:sp>
+      <p:sp>
+        <p:nvSpPr>
+          <p:cNvPr id="5" name="Date Placeholder 4"/>
+          <p:cNvSpPr>
+            <a:spLocks noGrp="1"/>
+          </p:cNvSpPr>
+          <p:nvPr>
+            <p:ph type="dt" sz="half" idx="10"/>
+          </p:nvPr>
+        </p:nvSpPr>
+        <p:spPr/>
+        <p:txBody>
+          <a:bodyPr/>
+          <a:lstStyle/>
+          <a:p>
+            <a:fld id="{4325E002-C9C3-8B41-BCCA-4C3D472D296D}" type="datetime1">
+              <a:rPr lang="en-US" smtClean="0"/>
+              <a:t>7/4/16</a:t>
+            </a:fld>
+            <a:endParaRPr lang="en-US"/>
+          </a:p>
+        </p:txBody>
+      </p:sp>
+      <p:sp>
+        <p:nvSpPr>
+          <p:cNvPr id="6" name="Footer Placeholder 5"/>
+          <p:cNvSpPr>
+            <a:spLocks noGrp="1"/>
+          </p:cNvSpPr>
+          <p:nvPr>
+            <p:ph type="ftr" sz="quarter" idx="11"/>
+          </p:nvPr>
+        </p:nvSpPr>
+        <p:spPr/>
+        <p:txBody>
+          <a:bodyPr/>
+          <a:lstStyle/>
+          <a:p>
+            <a:r>
+              <a:rPr lang="en-US" smtClean="0"/>
+              <a:t>© EV3Lessons.com, 2016, (Last edit: 07/04/16)</a:t>
+            </a:r>
+            <a:endParaRPr lang="en-US"/>
+          </a:p>
+        </p:txBody>
+      </p:sp>
+      <p:sp>
+        <p:nvSpPr>
+          <p:cNvPr id="7" name="Slide Number Placeholder 6"/>
+          <p:cNvSpPr>
+            <a:spLocks noGrp="1"/>
+          </p:cNvSpPr>
+          <p:nvPr>
+            <p:ph type="sldNum" sz="quarter" idx="12"/>
+          </p:nvPr>
+        </p:nvSpPr>
+        <p:spPr/>
+        <p:txBody>
+          <a:bodyPr/>
+          <a:lstStyle/>
+          <a:p>
+            <a:fld id="{DE42E464-3EB8-43C8-8768-9E2AD4F497B7}" type="slidenum">
+              <a:rPr lang="en-US" smtClean="0"/>
+              <a:t>‹#›</a:t>
+            </a:fld>
+            <a:endParaRPr lang="en-US"/>
+          </a:p>
+        </p:txBody>
+      </p:sp>
+    </p:spTree>
+    <p:extLst>
+      <p:ext uri="{BB962C8B-B14F-4D97-AF65-F5344CB8AC3E}">
+        <p14:creationId xmlns:p14="http://schemas.microsoft.com/office/powerpoint/2010/main" val="889212369"/>
+      </p:ext>
+    </p:extLst>
+  </p:cSld>
+  <p:clrMapOvr>
+    <a:masterClrMapping/>
+  </p:clrMapOvr>
+</p:sldLayout>
+</file>
+
+<file path=ppt/slideLayouts/slideLayout21.xml><?xml version="1.0" encoding="utf-8"?>
+<p:sldLayout xmlns:a="http://schemas.openxmlformats.org/drawingml/2006/main" xmlns:r="http://schemas.openxmlformats.org/officeDocument/2006/relationships" xmlns:p="http://schemas.openxmlformats.org/presentationml/2006/main" type="vertTx" preserve="1">
+  <p:cSld name="Title and Vertical Text">
+    <p:spTree>
+      <p:nvGrpSpPr>
+        <p:cNvPr id="1" name=""/>
+        <p:cNvGrpSpPr/>
+        <p:nvPr/>
+      </p:nvGrpSpPr>
+      <p:grpSpPr>
+        <a:xfrm>
+          <a:off x="0" y="0"/>
+          <a:ext cx="0" cy="0"/>
+          <a:chOff x="0" y="0"/>
+          <a:chExt cx="0" cy="0"/>
+        </a:xfrm>
+      </p:grpSpPr>
+      <p:sp>
+        <p:nvSpPr>
+          <p:cNvPr id="2" name="Title 1"/>
+          <p:cNvSpPr>
+            <a:spLocks noGrp="1"/>
+          </p:cNvSpPr>
+          <p:nvPr>
+            <p:ph type="title"/>
+          </p:nvPr>
+        </p:nvSpPr>
+        <p:spPr/>
+        <p:txBody>
+          <a:bodyPr/>
+          <a:lstStyle/>
+          <a:p>
+            <a:r>
+              <a:rPr lang="en-US" smtClean="0"/>
+              <a:t>Click to edit Master title style</a:t>
+            </a:r>
+            <a:endParaRPr lang="en-US"/>
+          </a:p>
+        </p:txBody>
+      </p:sp>
+      <p:sp>
+        <p:nvSpPr>
+          <p:cNvPr id="3" name="Vertical Text Placeholder 2"/>
+          <p:cNvSpPr>
+            <a:spLocks noGrp="1"/>
+          </p:cNvSpPr>
+          <p:nvPr>
+            <p:ph type="body" orient="vert" idx="1"/>
+          </p:nvPr>
+        </p:nvSpPr>
+        <p:spPr/>
+        <p:txBody>
+          <a:bodyPr vert="eaVert"/>
+          <a:lstStyle/>
+          <a:p>
+            <a:pPr lvl="0"/>
+            <a:r>
+              <a:rPr lang="en-US" smtClean="0"/>
+              <a:t>Click to edit Master text styles</a:t>
+            </a:r>
+          </a:p>
+          <a:p>
+            <a:pPr lvl="1"/>
+            <a:r>
+              <a:rPr lang="en-US" smtClean="0"/>
+              <a:t>Second level</a:t>
+            </a:r>
+          </a:p>
+          <a:p>
+            <a:pPr lvl="2"/>
+            <a:r>
+              <a:rPr lang="en-US" smtClean="0"/>
+              <a:t>Third level</a:t>
+            </a:r>
+          </a:p>
+          <a:p>
+            <a:pPr lvl="3"/>
+            <a:r>
+              <a:rPr lang="en-US" smtClean="0"/>
+              <a:t>Fourth level</a:t>
+            </a:r>
+          </a:p>
+          <a:p>
+            <a:pPr lvl="4"/>
+            <a:r>
+              <a:rPr lang="en-US" smtClean="0"/>
+              <a:t>Fifth level</a:t>
+            </a:r>
+            <a:endParaRPr lang="en-US"/>
+          </a:p>
+        </p:txBody>
+      </p:sp>
+      <p:sp>
+        <p:nvSpPr>
+          <p:cNvPr id="4" name="Date Placeholder 3"/>
+          <p:cNvSpPr>
+            <a:spLocks noGrp="1"/>
+          </p:cNvSpPr>
+          <p:nvPr>
+            <p:ph type="dt" sz="half" idx="10"/>
+          </p:nvPr>
+        </p:nvSpPr>
+        <p:spPr/>
+        <p:txBody>
+          <a:bodyPr/>
+          <a:lstStyle/>
+          <a:p>
+            <a:fld id="{F0804892-FDBA-334B-B903-5C82D96F601B}" type="datetime1">
+              <a:rPr lang="en-US" smtClean="0"/>
+              <a:t>7/4/16</a:t>
+            </a:fld>
+            <a:endParaRPr lang="en-US"/>
+          </a:p>
+        </p:txBody>
+      </p:sp>
+      <p:sp>
+        <p:nvSpPr>
+          <p:cNvPr id="5" name="Footer Placeholder 4"/>
+          <p:cNvSpPr>
+            <a:spLocks noGrp="1"/>
+          </p:cNvSpPr>
+          <p:nvPr>
+            <p:ph type="ftr" sz="quarter" idx="11"/>
+          </p:nvPr>
+        </p:nvSpPr>
+        <p:spPr/>
+        <p:txBody>
+          <a:bodyPr/>
+          <a:lstStyle/>
+          <a:p>
+            <a:r>
+              <a:rPr lang="en-US" smtClean="0"/>
+              <a:t>© EV3Lessons.com, 2016, (Last edit: 07/04/16)</a:t>
+            </a:r>
+            <a:endParaRPr lang="en-US"/>
+          </a:p>
+        </p:txBody>
+      </p:sp>
+      <p:sp>
+        <p:nvSpPr>
+          <p:cNvPr id="6" name="Slide Number Placeholder 5"/>
+          <p:cNvSpPr>
+            <a:spLocks noGrp="1"/>
+          </p:cNvSpPr>
+          <p:nvPr>
+            <p:ph type="sldNum" sz="quarter" idx="12"/>
+          </p:nvPr>
+        </p:nvSpPr>
+        <p:spPr/>
+        <p:txBody>
+          <a:bodyPr/>
+          <a:lstStyle/>
+          <a:p>
+            <a:fld id="{DE42E464-3EB8-43C8-8768-9E2AD4F497B7}" type="slidenum">
+              <a:rPr lang="en-US" smtClean="0"/>
+              <a:t>‹#›</a:t>
+            </a:fld>
+            <a:endParaRPr lang="en-US"/>
+          </a:p>
+        </p:txBody>
+      </p:sp>
+    </p:spTree>
+    <p:extLst>
+      <p:ext uri="{BB962C8B-B14F-4D97-AF65-F5344CB8AC3E}">
+        <p14:creationId xmlns:p14="http://schemas.microsoft.com/office/powerpoint/2010/main" val="653586310"/>
+      </p:ext>
+    </p:extLst>
+  </p:cSld>
+  <p:clrMapOvr>
+    <a:masterClrMapping/>
+  </p:clrMapOvr>
+</p:sldLayout>
+</file>
+
+<file path=ppt/slideLayouts/slideLayout22.xml><?xml version="1.0" encoding="utf-8"?>
+<p:sldLayout xmlns:a="http://schemas.openxmlformats.org/drawingml/2006/main" xmlns:r="http://schemas.openxmlformats.org/officeDocument/2006/relationships" xmlns:p="http://schemas.openxmlformats.org/presentationml/2006/main" type="vertTitleAndTx" preserve="1">
+  <p:cSld name="Vertical Title and Text">
+    <p:spTree>
+      <p:nvGrpSpPr>
+        <p:cNvPr id="1" name=""/>
+        <p:cNvGrpSpPr/>
+        <p:nvPr/>
+      </p:nvGrpSpPr>
+      <p:grpSpPr>
+        <a:xfrm>
+          <a:off x="0" y="0"/>
+          <a:ext cx="0" cy="0"/>
+          <a:chOff x="0" y="0"/>
+          <a:chExt cx="0" cy="0"/>
+        </a:xfrm>
+      </p:grpSpPr>
+      <p:sp>
+        <p:nvSpPr>
+          <p:cNvPr id="2" name="Vertical Title 1"/>
+          <p:cNvSpPr>
+            <a:spLocks noGrp="1"/>
+          </p:cNvSpPr>
+          <p:nvPr>
+            <p:ph type="title" orient="vert"/>
+          </p:nvPr>
+        </p:nvSpPr>
+        <p:spPr>
+          <a:xfrm>
+            <a:off x="6543675" y="365125"/>
+            <a:ext cx="1971675" cy="5811838"/>
+          </a:xfrm>
+        </p:spPr>
+        <p:txBody>
+          <a:bodyPr vert="eaVert"/>
+          <a:lstStyle/>
+          <a:p>
+            <a:r>
+              <a:rPr lang="en-US" smtClean="0"/>
+              <a:t>Click to edit Master title style</a:t>
+            </a:r>
+            <a:endParaRPr lang="en-US"/>
+          </a:p>
+        </p:txBody>
+      </p:sp>
+      <p:sp>
+        <p:nvSpPr>
+          <p:cNvPr id="3" name="Vertical Text Placeholder 2"/>
+          <p:cNvSpPr>
+            <a:spLocks noGrp="1"/>
+          </p:cNvSpPr>
+          <p:nvPr>
+            <p:ph type="body" orient="vert" idx="1"/>
+          </p:nvPr>
+        </p:nvSpPr>
+        <p:spPr>
+          <a:xfrm>
+            <a:off x="628650" y="365125"/>
+            <a:ext cx="5762625" cy="5811838"/>
+          </a:xfrm>
+        </p:spPr>
+        <p:txBody>
+          <a:bodyPr vert="eaVert"/>
+          <a:lstStyle/>
+          <a:p>
+            <a:pPr lvl="0"/>
+            <a:r>
+              <a:rPr lang="en-US" smtClean="0"/>
+              <a:t>Click to edit Master text styles</a:t>
+            </a:r>
+          </a:p>
+          <a:p>
+            <a:pPr lvl="1"/>
+            <a:r>
+              <a:rPr lang="en-US" smtClean="0"/>
+              <a:t>Second level</a:t>
+            </a:r>
+          </a:p>
+          <a:p>
+            <a:pPr lvl="2"/>
+            <a:r>
+              <a:rPr lang="en-US" smtClean="0"/>
+              <a:t>Third level</a:t>
+            </a:r>
+          </a:p>
+          <a:p>
+            <a:pPr lvl="3"/>
+            <a:r>
+              <a:rPr lang="en-US" smtClean="0"/>
+              <a:t>Fourth level</a:t>
+            </a:r>
+          </a:p>
+          <a:p>
+            <a:pPr lvl="4"/>
+            <a:r>
+              <a:rPr lang="en-US" smtClean="0"/>
+              <a:t>Fifth level</a:t>
+            </a:r>
+            <a:endParaRPr lang="en-US"/>
+          </a:p>
+        </p:txBody>
+      </p:sp>
+      <p:sp>
+        <p:nvSpPr>
+          <p:cNvPr id="4" name="Date Placeholder 3"/>
+          <p:cNvSpPr>
+            <a:spLocks noGrp="1"/>
+          </p:cNvSpPr>
+          <p:nvPr>
+            <p:ph type="dt" sz="half" idx="10"/>
+          </p:nvPr>
+        </p:nvSpPr>
+        <p:spPr/>
+        <p:txBody>
+          <a:bodyPr/>
+          <a:lstStyle/>
+          <a:p>
+            <a:fld id="{BA4782C5-10F4-024F-B461-568BB589AC83}" type="datetime1">
+              <a:rPr lang="en-US" smtClean="0"/>
+              <a:t>7/4/16</a:t>
+            </a:fld>
+            <a:endParaRPr lang="en-US"/>
+          </a:p>
+        </p:txBody>
+      </p:sp>
+      <p:sp>
+        <p:nvSpPr>
+          <p:cNvPr id="5" name="Footer Placeholder 4"/>
+          <p:cNvSpPr>
+            <a:spLocks noGrp="1"/>
+          </p:cNvSpPr>
+          <p:nvPr>
+            <p:ph type="ftr" sz="quarter" idx="11"/>
+          </p:nvPr>
+        </p:nvSpPr>
+        <p:spPr/>
+        <p:txBody>
+          <a:bodyPr/>
+          <a:lstStyle/>
+          <a:p>
+            <a:r>
+              <a:rPr lang="en-US" smtClean="0"/>
+              <a:t>© EV3Lessons.com, 2016, (Last edit: 07/04/16)</a:t>
+            </a:r>
+            <a:endParaRPr lang="en-US"/>
+          </a:p>
+        </p:txBody>
+      </p:sp>
+      <p:sp>
+        <p:nvSpPr>
+          <p:cNvPr id="6" name="Slide Number Placeholder 5"/>
+          <p:cNvSpPr>
+            <a:spLocks noGrp="1"/>
+          </p:cNvSpPr>
+          <p:nvPr>
+            <p:ph type="sldNum" sz="quarter" idx="12"/>
+          </p:nvPr>
+        </p:nvSpPr>
+        <p:spPr/>
+        <p:txBody>
+          <a:bodyPr/>
+          <a:lstStyle/>
+          <a:p>
+            <a:fld id="{DE42E464-3EB8-43C8-8768-9E2AD4F497B7}" type="slidenum">
+              <a:rPr lang="en-US" smtClean="0"/>
+              <a:t>‹#›</a:t>
+            </a:fld>
+            <a:endParaRPr lang="en-US"/>
+          </a:p>
+        </p:txBody>
+      </p:sp>
+    </p:spTree>
+    <p:extLst>
+      <p:ext uri="{BB962C8B-B14F-4D97-AF65-F5344CB8AC3E}">
+        <p14:creationId xmlns:p14="http://schemas.microsoft.com/office/powerpoint/2010/main" val="446257765"/>
+      </p:ext>
+    </p:extLst>
+  </p:cSld>
+  <p:clrMapOvr>
+    <a:masterClrMapping/>
+  </p:clrMapOvr>
 </p:sldLayout>
 </file>
 
@@ -2022,9 +4607,9 @@
           <a:bodyPr/>
           <a:lstStyle/>
           <a:p>
-            <a:fld id="{F9531A7B-F17E-BA48-BEE3-218A313D12A3}" type="datetime1">
-              <a:rPr lang="en-US" smtClean="0"/>
-              <a:t>11/14/15</a:t>
+            <a:fld id="{4759C3B7-D02A-A04B-90C6-1ABC246C483D}" type="datetime1">
+              <a:rPr lang="en-US" smtClean="0"/>
+              <a:t>7/4/16</a:t>
             </a:fld>
             <a:endParaRPr lang="en-US"/>
           </a:p>
@@ -2040,7 +4625,15 @@
             <p:ph type="sldNum" sz="quarter" idx="11"/>
           </p:nvPr>
         </p:nvSpPr>
-        <p:spPr/>
+        <p:spPr>
+          <a:xfrm rot="16200000">
+            <a:off x="8227377" y="5885497"/>
+            <a:ext cx="1315721" cy="365125"/>
+          </a:xfrm>
+          <a:prstGeom prst="rect">
+            <a:avLst/>
+          </a:prstGeom>
+        </p:spPr>
         <p:txBody>
           <a:bodyPr/>
           <a:lstStyle/>
@@ -2070,24 +4663,22 @@
           <a:p>
             <a:r>
               <a:rPr lang="en-US" smtClean="0"/>
-              <a:t>© EV3Lessons.com, 2015, (Last edit: 11/01/15)</a:t>
+              <a:t>© EV3Lessons.com, 2016, (Last edit: 07/04/16)</a:t>
             </a:r>
             <a:endParaRPr lang="en-US"/>
           </a:p>
         </p:txBody>
       </p:sp>
     </p:spTree>
+    <p:extLst>
+      <p:ext uri="{BB962C8B-B14F-4D97-AF65-F5344CB8AC3E}">
+        <p14:creationId xmlns:p14="http://schemas.microsoft.com/office/powerpoint/2010/main" val="881921303"/>
+      </p:ext>
+    </p:extLst>
   </p:cSld>
   <p:clrMapOvr>
     <a:masterClrMapping/>
   </p:clrMapOvr>
-  <p:timing>
-    <p:tnLst>
-      <p:par>
-        <p:cTn id="1" dur="indefinite" restart="never" nodeType="tmRoot"/>
-      </p:par>
-    </p:tnLst>
-  </p:timing>
 </p:sldLayout>
 </file>
 
@@ -2271,35 +4862,35 @@
           <a:p>
             <a:pPr lvl="0"/>
             <a:r>
-              <a:rPr lang="en-US" dirty="0" smtClean="0"/>
+              <a:rPr lang="en-US" smtClean="0"/>
               <a:t>Click to edit Master text styles</a:t>
             </a:r>
           </a:p>
           <a:p>
             <a:pPr lvl="1"/>
             <a:r>
-              <a:rPr lang="en-US" dirty="0" smtClean="0"/>
+              <a:rPr lang="en-US" smtClean="0"/>
               <a:t>Second level</a:t>
             </a:r>
           </a:p>
           <a:p>
             <a:pPr lvl="2"/>
             <a:r>
-              <a:rPr lang="en-US" dirty="0" smtClean="0"/>
+              <a:rPr lang="en-US" smtClean="0"/>
               <a:t>Third level</a:t>
             </a:r>
           </a:p>
           <a:p>
             <a:pPr lvl="3"/>
             <a:r>
-              <a:rPr lang="en-US" dirty="0" smtClean="0"/>
+              <a:rPr lang="en-US" smtClean="0"/>
               <a:t>Fourth level</a:t>
             </a:r>
           </a:p>
           <a:p>
             <a:pPr lvl="4"/>
             <a:r>
-              <a:rPr lang="en-US" dirty="0" smtClean="0"/>
+              <a:rPr lang="en-US" smtClean="0"/>
               <a:t>Fifth level</a:t>
             </a:r>
             <a:endParaRPr lang="en-US" dirty="0"/>
@@ -2321,9 +4912,9 @@
           <a:bodyPr/>
           <a:lstStyle/>
           <a:p>
-            <a:fld id="{0DFEF492-EB6F-3045-8E2E-23E02EA38137}" type="datetime1">
-              <a:rPr lang="en-US" smtClean="0"/>
-              <a:t>11/14/15</a:t>
+            <a:fld id="{AA7DBEF8-8D86-144F-A470-7B3703EFCEC9}" type="datetime1">
+              <a:rPr lang="en-US" smtClean="0"/>
+              <a:t>7/4/16</a:t>
             </a:fld>
             <a:endParaRPr lang="en-US"/>
           </a:p>
@@ -2346,7 +4937,7 @@
           <a:p>
             <a:r>
               <a:rPr lang="en-US" smtClean="0"/>
-              <a:t>© EV3Lessons.com, 2015, (Last edit: 11/01/15)</a:t>
+              <a:t>© EV3Lessons.com, 2016, (Last edit: 07/04/16)</a:t>
             </a:r>
             <a:endParaRPr lang="en-US"/>
           </a:p>
@@ -2362,7 +4953,15 @@
             <p:ph type="sldNum" sz="quarter" idx="12"/>
           </p:nvPr>
         </p:nvSpPr>
-        <p:spPr/>
+        <p:spPr>
+          <a:xfrm>
+            <a:off x="8477026" y="6358106"/>
+            <a:ext cx="666974" cy="365125"/>
+          </a:xfrm>
+          <a:prstGeom prst="rect">
+            <a:avLst/>
+          </a:prstGeom>
+        </p:spPr>
         <p:txBody>
           <a:bodyPr/>
           <a:lstStyle/>
@@ -2376,6 +4975,11 @@
         </p:txBody>
       </p:sp>
     </p:spTree>
+    <p:extLst>
+      <p:ext uri="{BB962C8B-B14F-4D97-AF65-F5344CB8AC3E}">
+        <p14:creationId xmlns:p14="http://schemas.microsoft.com/office/powerpoint/2010/main" val="519207927"/>
+      </p:ext>
+    </p:extLst>
   </p:cSld>
   <p:clrMapOvr>
     <a:masterClrMapping/>
@@ -2771,9 +5375,9 @@
           <a:bodyPr/>
           <a:lstStyle/>
           <a:p>
-            <a:fld id="{E77766D9-8471-4547-AEDA-E4B9150624F4}" type="datetime1">
-              <a:rPr lang="en-US" smtClean="0"/>
-              <a:t>11/14/15</a:t>
+            <a:fld id="{88842D03-A66B-894C-99E9-CCC3E8C15D2F}" type="datetime1">
+              <a:rPr lang="en-US" smtClean="0"/>
+              <a:t>7/4/16</a:t>
             </a:fld>
             <a:endParaRPr lang="en-US"/>
           </a:p>
@@ -2796,15 +5400,15 @@
           <a:p>
             <a:r>
               <a:rPr lang="en-US" smtClean="0"/>
-              <a:t>© EV3Lessons.com, 2015, (Last edit: 11/01/15)</a:t>
-            </a:r>
-            <a:endParaRPr lang="en-US"/>
-          </a:p>
-        </p:txBody>
-      </p:sp>
-      <p:sp>
-        <p:nvSpPr>
-          <p:cNvPr id="9" name="Slide Number Placeholder 8"/>
+              <a:t>© EV3Lessons.com, 2016, (Last edit: 07/04/16)</a:t>
+            </a:r>
+            <a:endParaRPr lang="en-US"/>
+          </a:p>
+        </p:txBody>
+      </p:sp>
+      <p:sp>
+        <p:nvSpPr>
+          <p:cNvPr id="10" name="Slide Number Placeholder 6"/>
           <p:cNvSpPr>
             <a:spLocks noGrp="1"/>
           </p:cNvSpPr>
@@ -2812,7 +5416,15 @@
             <p:ph type="sldNum" sz="quarter" idx="12"/>
           </p:nvPr>
         </p:nvSpPr>
-        <p:spPr/>
+        <p:spPr>
+          <a:xfrm>
+            <a:off x="8477026" y="6358106"/>
+            <a:ext cx="666974" cy="365125"/>
+          </a:xfrm>
+          <a:prstGeom prst="rect">
+            <a:avLst/>
+          </a:prstGeom>
+        </p:spPr>
         <p:txBody>
           <a:bodyPr/>
           <a:lstStyle/>
@@ -2826,10 +5438,22 @@
         </p:txBody>
       </p:sp>
     </p:spTree>
+    <p:extLst>
+      <p:ext uri="{BB962C8B-B14F-4D97-AF65-F5344CB8AC3E}">
+        <p14:creationId xmlns:p14="http://schemas.microsoft.com/office/powerpoint/2010/main" val="1101571328"/>
+      </p:ext>
+    </p:extLst>
   </p:cSld>
   <p:clrMapOvr>
     <a:masterClrMapping/>
   </p:clrMapOvr>
+  <p:timing>
+    <p:tnLst>
+      <p:par>
+        <p:cTn id="1" dur="indefinite" restart="never" nodeType="tmRoot"/>
+      </p:par>
+    </p:tnLst>
+  </p:timing>
 </p:sldLayout>
 </file>
 
@@ -2888,9 +5512,9 @@
           <a:bodyPr/>
           <a:lstStyle/>
           <a:p>
-            <a:fld id="{4846874A-CD45-764C-816E-3E208066D60E}" type="datetime1">
-              <a:rPr lang="en-US" smtClean="0"/>
-              <a:t>11/14/15</a:t>
+            <a:fld id="{47FE3EF3-9D1A-AB4B-A2CC-56F2A1F031E5}" type="datetime1">
+              <a:rPr lang="en-US" smtClean="0"/>
+              <a:t>7/4/16</a:t>
             </a:fld>
             <a:endParaRPr lang="en-US"/>
           </a:p>
@@ -2913,15 +5537,15 @@
           <a:p>
             <a:r>
               <a:rPr lang="en-US" smtClean="0"/>
-              <a:t>© EV3Lessons.com, 2015, (Last edit: 11/01/15)</a:t>
-            </a:r>
-            <a:endParaRPr lang="en-US"/>
-          </a:p>
-        </p:txBody>
-      </p:sp>
-      <p:sp>
-        <p:nvSpPr>
-          <p:cNvPr id="5" name="Slide Number Placeholder 4"/>
+              <a:t>© EV3Lessons.com, 2016, (Last edit: 07/04/16)</a:t>
+            </a:r>
+            <a:endParaRPr lang="en-US"/>
+          </a:p>
+        </p:txBody>
+      </p:sp>
+      <p:sp>
+        <p:nvSpPr>
+          <p:cNvPr id="6" name="Slide Number Placeholder 6"/>
           <p:cNvSpPr>
             <a:spLocks noGrp="1"/>
           </p:cNvSpPr>
@@ -2929,7 +5553,15 @@
             <p:ph type="sldNum" sz="quarter" idx="12"/>
           </p:nvPr>
         </p:nvSpPr>
-        <p:spPr/>
+        <p:spPr>
+          <a:xfrm>
+            <a:off x="8477026" y="6358106"/>
+            <a:ext cx="666974" cy="365125"/>
+          </a:xfrm>
+          <a:prstGeom prst="rect">
+            <a:avLst/>
+          </a:prstGeom>
+        </p:spPr>
         <p:txBody>
           <a:bodyPr/>
           <a:lstStyle/>
@@ -2943,10 +5575,22 @@
         </p:txBody>
       </p:sp>
     </p:spTree>
+    <p:extLst>
+      <p:ext uri="{BB962C8B-B14F-4D97-AF65-F5344CB8AC3E}">
+        <p14:creationId xmlns:p14="http://schemas.microsoft.com/office/powerpoint/2010/main" val="652788909"/>
+      </p:ext>
+    </p:extLst>
   </p:cSld>
   <p:clrMapOvr>
     <a:masterClrMapping/>
   </p:clrMapOvr>
+  <p:timing>
+    <p:tnLst>
+      <p:par>
+        <p:cTn id="1" dur="indefinite" restart="never" nodeType="tmRoot"/>
+      </p:par>
+    </p:tnLst>
+  </p:timing>
 </p:sldLayout>
 </file>
 
@@ -2982,9 +5626,9 @@
           <a:bodyPr/>
           <a:lstStyle/>
           <a:p>
-            <a:fld id="{217EC058-3B08-FF41-ADD9-86F61707E923}" type="datetime1">
-              <a:rPr lang="en-US" smtClean="0"/>
-              <a:t>11/14/15</a:t>
+            <a:fld id="{038DEB34-34E0-ED47-A72E-77439100E0C1}" type="datetime1">
+              <a:rPr lang="en-US" smtClean="0"/>
+              <a:t>7/4/16</a:t>
             </a:fld>
             <a:endParaRPr lang="en-US"/>
           </a:p>
@@ -3007,7 +5651,7 @@
           <a:p>
             <a:r>
               <a:rPr lang="en-US" smtClean="0"/>
-              <a:t>© EV3Lessons.com, 2015, (Last edit: 11/01/15)</a:t>
+              <a:t>© EV3Lessons.com, 2016, (Last edit: 07/04/16)</a:t>
             </a:r>
             <a:endParaRPr lang="en-US"/>
           </a:p>
@@ -3023,7 +5667,15 @@
             <p:ph type="sldNum" sz="quarter" idx="12"/>
           </p:nvPr>
         </p:nvSpPr>
-        <p:spPr/>
+        <p:spPr>
+          <a:xfrm rot="16200000">
+            <a:off x="8227377" y="5885497"/>
+            <a:ext cx="1315721" cy="365125"/>
+          </a:xfrm>
+          <a:prstGeom prst="rect">
+            <a:avLst/>
+          </a:prstGeom>
+        </p:spPr>
         <p:txBody>
           <a:bodyPr/>
           <a:lstStyle/>
@@ -3037,6 +5689,11 @@
         </p:txBody>
       </p:sp>
     </p:spTree>
+    <p:extLst>
+      <p:ext uri="{BB962C8B-B14F-4D97-AF65-F5344CB8AC3E}">
+        <p14:creationId xmlns:p14="http://schemas.microsoft.com/office/powerpoint/2010/main" val="2076724687"/>
+      </p:ext>
+    </p:extLst>
   </p:cSld>
   <p:clrMapOvr>
     <a:masterClrMapping/>
@@ -3228,9 +5885,9 @@
           <a:bodyPr/>
           <a:lstStyle/>
           <a:p>
-            <a:fld id="{A812FCC7-9986-E94C-97A2-D55428F204C8}" type="datetime1">
-              <a:rPr lang="en-US" smtClean="0"/>
-              <a:t>11/14/15</a:t>
+            <a:fld id="{4458F122-2B3D-7B4C-AB84-64E5124E11F9}" type="datetime1">
+              <a:rPr lang="en-US" smtClean="0"/>
+              <a:t>7/4/16</a:t>
             </a:fld>
             <a:endParaRPr lang="en-US"/>
           </a:p>
@@ -3253,7 +5910,7 @@
           <a:p>
             <a:r>
               <a:rPr lang="en-US" smtClean="0"/>
-              <a:t>© EV3Lessons.com, 2015, (Last edit: 11/01/15)</a:t>
+              <a:t>© EV3Lessons.com, 2016, (Last edit: 07/04/16)</a:t>
             </a:r>
             <a:endParaRPr lang="en-US"/>
           </a:p>
@@ -3269,7 +5926,15 @@
             <p:ph type="sldNum" sz="quarter" idx="12"/>
           </p:nvPr>
         </p:nvSpPr>
-        <p:spPr/>
+        <p:spPr>
+          <a:xfrm rot="16200000">
+            <a:off x="8227377" y="5885497"/>
+            <a:ext cx="1315721" cy="365125"/>
+          </a:xfrm>
+          <a:prstGeom prst="rect">
+            <a:avLst/>
+          </a:prstGeom>
+        </p:spPr>
         <p:txBody>
           <a:bodyPr/>
           <a:lstStyle/>
@@ -3306,6 +5971,11 @@
         </p:txBody>
       </p:sp>
     </p:spTree>
+    <p:extLst>
+      <p:ext uri="{BB962C8B-B14F-4D97-AF65-F5344CB8AC3E}">
+        <p14:creationId xmlns:p14="http://schemas.microsoft.com/office/powerpoint/2010/main" val="460099718"/>
+      </p:ext>
+    </p:extLst>
   </p:cSld>
   <p:clrMapOvr>
     <a:masterClrMapping/>
@@ -3526,9 +6196,9 @@
           <a:bodyPr/>
           <a:lstStyle/>
           <a:p>
-            <a:fld id="{BDD86D50-32F9-734C-ADCD-FD64F05E2AA1}" type="datetime1">
-              <a:rPr lang="en-US" smtClean="0"/>
-              <a:t>11/14/15</a:t>
+            <a:fld id="{F3822BCC-C4CA-584C-B495-6C2009ADC7DF}" type="datetime1">
+              <a:rPr lang="en-US" smtClean="0"/>
+              <a:t>7/4/16</a:t>
             </a:fld>
             <a:endParaRPr lang="en-US"/>
           </a:p>
@@ -3551,7 +6221,7 @@
           <a:p>
             <a:r>
               <a:rPr lang="en-US" smtClean="0"/>
-              <a:t>© EV3Lessons.com, 2015, (Last edit: 11/01/15)</a:t>
+              <a:t>© EV3Lessons.com, 2016, (Last edit: 07/04/16)</a:t>
             </a:r>
             <a:endParaRPr lang="en-US"/>
           </a:p>
@@ -3567,7 +6237,15 @@
             <p:ph type="sldNum" sz="quarter" idx="12"/>
           </p:nvPr>
         </p:nvSpPr>
-        <p:spPr/>
+        <p:spPr>
+          <a:xfrm rot="16200000">
+            <a:off x="8227377" y="5885497"/>
+            <a:ext cx="1315721" cy="365125"/>
+          </a:xfrm>
+          <a:prstGeom prst="rect">
+            <a:avLst/>
+          </a:prstGeom>
+        </p:spPr>
         <p:txBody>
           <a:bodyPr/>
           <a:lstStyle>
@@ -3669,6 +6347,11 @@
         </p:txBody>
       </p:sp>
     </p:spTree>
+    <p:extLst>
+      <p:ext uri="{BB962C8B-B14F-4D97-AF65-F5344CB8AC3E}">
+        <p14:creationId xmlns:p14="http://schemas.microsoft.com/office/powerpoint/2010/main" val="1954831226"/>
+      </p:ext>
+    </p:extLst>
   </p:cSld>
   <p:clrMapOvr>
     <a:masterClrMapping/>
@@ -3677,7 +6360,7 @@
 </file>
 
 <file path=ppt/slideMasters/slideMaster1.xml><?xml version="1.0" encoding="utf-8"?>
-<p:sldMaster xmlns:a="http://schemas.openxmlformats.org/drawingml/2006/main" xmlns:r="http://schemas.openxmlformats.org/officeDocument/2006/relationships" xmlns:p="http://schemas.openxmlformats.org/presentationml/2006/main">
+<p:sldMaster xmlns:a="http://schemas.openxmlformats.org/drawingml/2006/main" xmlns:r="http://schemas.openxmlformats.org/officeDocument/2006/relationships" xmlns:p="http://schemas.openxmlformats.org/presentationml/2006/main" preserve="1">
   <p:cSld>
     <p:bg>
       <p:bgRef idx="1001">
@@ -3724,7 +6407,7 @@
           <a:lstStyle/>
           <a:p>
             <a:r>
-              <a:rPr lang="en-US" dirty="0" smtClean="0"/>
+              <a:rPr lang="en-US" smtClean="0"/>
               <a:t>Click to edit Master title style</a:t>
             </a:r>
             <a:endParaRPr lang="en-US" dirty="0"/>
@@ -3824,9 +6507,9 @@
             </a:lvl1pPr>
           </a:lstStyle>
           <a:p>
-            <a:fld id="{BBB9EF71-9ACD-524A-B753-2850C8B44F29}" type="datetime1">
-              <a:rPr lang="en-US" smtClean="0"/>
-              <a:t>11/14/15</a:t>
+            <a:fld id="{66CF60A4-F499-2743-ACBB-982E5F01925A}" type="datetime1">
+              <a:rPr lang="en-US" smtClean="0"/>
+              <a:t>7/4/16</a:t>
             </a:fld>
             <a:endParaRPr lang="en-US"/>
           </a:p>
@@ -3865,15 +6548,15 @@
           <a:p>
             <a:r>
               <a:rPr lang="en-US" smtClean="0"/>
-              <a:t>© EV3Lessons.com, 2015, (Last edit: 11/01/15)</a:t>
-            </a:r>
-            <a:endParaRPr lang="en-US"/>
-          </a:p>
-        </p:txBody>
-      </p:sp>
-      <p:sp>
-        <p:nvSpPr>
-          <p:cNvPr id="6" name="Slide Number Placeholder 5"/>
+              <a:t>© EV3Lessons.com, 2016, (Last edit: 07/04/16)</a:t>
+            </a:r>
+            <a:endParaRPr lang="en-US"/>
+          </a:p>
+        </p:txBody>
+      </p:sp>
+      <p:sp>
+        <p:nvSpPr>
+          <p:cNvPr id="9" name="Slide Number Placeholder 6"/>
           <p:cNvSpPr>
             <a:spLocks noGrp="1"/>
           </p:cNvSpPr>
@@ -3883,24 +6566,16 @@
         </p:nvSpPr>
         <p:spPr>
           <a:xfrm>
-            <a:off x="8292209" y="6432001"/>
-            <a:ext cx="566737" cy="365125"/>
+            <a:off x="8477026" y="6358106"/>
+            <a:ext cx="666974" cy="365125"/>
           </a:xfrm>
           <a:prstGeom prst="rect">
             <a:avLst/>
           </a:prstGeom>
         </p:spPr>
         <p:txBody>
-          <a:bodyPr vert="horz" lIns="91440" tIns="45720" rIns="91440" bIns="45720" rtlCol="0" anchor="ctr"/>
-          <a:lstStyle>
-            <a:lvl1pPr algn="l">
-              <a:defRPr sz="2400" b="1">
-                <a:solidFill>
-                  <a:schemeClr val="tx2"/>
-                </a:solidFill>
-              </a:defRPr>
-            </a:lvl1pPr>
-          </a:lstStyle>
+          <a:bodyPr/>
+          <a:lstStyle/>
           <a:p>
             <a:fld id="{4DBC7FC8-25FB-FC45-8177-2B991DA6778C}" type="slidenum">
               <a:rPr lang="en-US" smtClean="0"/>
@@ -3912,9 +6587,9 @@
       </p:sp>
       <p:sp>
         <p:nvSpPr>
-          <p:cNvPr id="9" name="Rectangle 8"/>
+          <p:cNvPr id="10" name="Rectangle 9"/>
           <p:cNvSpPr/>
-          <p:nvPr userDrawn="1"/>
+          <p:nvPr/>
         </p:nvSpPr>
         <p:spPr>
           <a:xfrm>
@@ -3950,9 +6625,9 @@
       </p:sp>
       <p:sp>
         <p:nvSpPr>
-          <p:cNvPr id="10" name="Rectangle 9"/>
+          <p:cNvPr id="11" name="Rectangle 10"/>
           <p:cNvSpPr/>
-          <p:nvPr userDrawn="1"/>
+          <p:nvPr/>
         </p:nvSpPr>
         <p:spPr>
           <a:xfrm>
@@ -3988,7 +6663,121 @@
       </p:sp>
       <p:sp>
         <p:nvSpPr>
-          <p:cNvPr id="11" name="Rectangle 10"/>
+          <p:cNvPr id="12" name="Rectangle 11"/>
+          <p:cNvSpPr/>
+          <p:nvPr/>
+        </p:nvSpPr>
+        <p:spPr>
+          <a:xfrm>
+            <a:off x="8904666" y="0"/>
+            <a:ext cx="91440" cy="6858000"/>
+          </a:xfrm>
+          <a:prstGeom prst="rect">
+            <a:avLst/>
+          </a:prstGeom>
+          <a:solidFill>
+            <a:srgbClr val="0070C0"/>
+          </a:solidFill>
+          <a:ln>
+            <a:noFill/>
+          </a:ln>
+        </p:spPr>
+        <p:style>
+          <a:lnRef idx="2">
+            <a:schemeClr val="accent1">
+              <a:shade val="50000"/>
+            </a:schemeClr>
+          </a:lnRef>
+          <a:fillRef idx="1">
+            <a:schemeClr val="accent1"/>
+          </a:fillRef>
+          <a:effectRef idx="0">
+            <a:schemeClr val="accent1"/>
+          </a:effectRef>
+          <a:fontRef idx="minor">
+            <a:schemeClr val="lt1"/>
+          </a:fontRef>
+        </p:style>
+      </p:sp>
+      <p:sp>
+        <p:nvSpPr>
+          <p:cNvPr id="13" name="Rectangle 12"/>
+          <p:cNvSpPr/>
+          <p:nvPr userDrawn="1"/>
+        </p:nvSpPr>
+        <p:spPr>
+          <a:xfrm>
+            <a:off x="8996106" y="2895600"/>
+            <a:ext cx="147895" cy="3962400"/>
+          </a:xfrm>
+          <a:prstGeom prst="rect">
+            <a:avLst/>
+          </a:prstGeom>
+          <a:solidFill>
+            <a:srgbClr val="92D050"/>
+          </a:solidFill>
+          <a:ln>
+            <a:noFill/>
+          </a:ln>
+        </p:spPr>
+        <p:style>
+          <a:lnRef idx="2">
+            <a:schemeClr val="accent1">
+              <a:shade val="50000"/>
+            </a:schemeClr>
+          </a:lnRef>
+          <a:fillRef idx="1">
+            <a:schemeClr val="accent1"/>
+          </a:fillRef>
+          <a:effectRef idx="0">
+            <a:schemeClr val="accent1"/>
+          </a:effectRef>
+          <a:fontRef idx="minor">
+            <a:schemeClr val="lt1"/>
+          </a:fontRef>
+        </p:style>
+      </p:sp>
+      <p:sp>
+        <p:nvSpPr>
+          <p:cNvPr id="14" name="Rectangle 13"/>
+          <p:cNvSpPr/>
+          <p:nvPr userDrawn="1"/>
+        </p:nvSpPr>
+        <p:spPr>
+          <a:xfrm>
+            <a:off x="8959042" y="0"/>
+            <a:ext cx="184958" cy="2895600"/>
+          </a:xfrm>
+          <a:prstGeom prst="rect">
+            <a:avLst/>
+          </a:prstGeom>
+          <a:solidFill>
+            <a:srgbClr val="7030A0"/>
+          </a:solidFill>
+          <a:ln>
+            <a:noFill/>
+          </a:ln>
+        </p:spPr>
+        <p:style>
+          <a:lnRef idx="2">
+            <a:schemeClr val="accent1">
+              <a:shade val="50000"/>
+            </a:schemeClr>
+          </a:lnRef>
+          <a:fillRef idx="1">
+            <a:schemeClr val="accent1"/>
+          </a:fillRef>
+          <a:effectRef idx="0">
+            <a:schemeClr val="accent1"/>
+          </a:effectRef>
+          <a:fontRef idx="minor">
+            <a:schemeClr val="lt1"/>
+          </a:fontRef>
+        </p:style>
+      </p:sp>
+      <p:sp>
+        <p:nvSpPr>
+          <p:cNvPr id="15" name="Rectangle 14"/>
           <p:cNvSpPr/>
           <p:nvPr userDrawn="1"/>
         </p:nvSpPr>
@@ -4025,21 +6814,33 @@
         </p:style>
       </p:sp>
     </p:spTree>
+    <p:extLst>
+      <p:ext uri="{BB962C8B-B14F-4D97-AF65-F5344CB8AC3E}">
+        <p14:creationId xmlns:p14="http://schemas.microsoft.com/office/powerpoint/2010/main" val="962618289"/>
+      </p:ext>
+    </p:extLst>
   </p:cSld>
   <p:clrMap bg1="lt1" tx1="dk1" bg2="lt2" tx2="dk2" accent1="accent1" accent2="accent2" accent3="accent3" accent4="accent4" accent5="accent5" accent6="accent6" hlink="hlink" folHlink="folHlink"/>
   <p:sldLayoutIdLst>
-    <p:sldLayoutId id="2147483715" r:id="rId1"/>
-    <p:sldLayoutId id="2147483716" r:id="rId2"/>
-    <p:sldLayoutId id="2147483717" r:id="rId3"/>
-    <p:sldLayoutId id="2147483718" r:id="rId4"/>
-    <p:sldLayoutId id="2147483719" r:id="rId5"/>
-    <p:sldLayoutId id="2147483720" r:id="rId6"/>
-    <p:sldLayoutId id="2147483721" r:id="rId7"/>
-    <p:sldLayoutId id="2147483722" r:id="rId8"/>
-    <p:sldLayoutId id="2147483723" r:id="rId9"/>
-    <p:sldLayoutId id="2147483724" r:id="rId10"/>
-    <p:sldLayoutId id="2147483725" r:id="rId11"/>
+    <p:sldLayoutId id="2147483727" r:id="rId1"/>
+    <p:sldLayoutId id="2147483728" r:id="rId2"/>
+    <p:sldLayoutId id="2147483729" r:id="rId3"/>
+    <p:sldLayoutId id="2147483730" r:id="rId4"/>
+    <p:sldLayoutId id="2147483731" r:id="rId5"/>
+    <p:sldLayoutId id="2147483732" r:id="rId6"/>
+    <p:sldLayoutId id="2147483733" r:id="rId7"/>
+    <p:sldLayoutId id="2147483734" r:id="rId8"/>
+    <p:sldLayoutId id="2147483735" r:id="rId9"/>
+    <p:sldLayoutId id="2147483736" r:id="rId10"/>
+    <p:sldLayoutId id="2147483737" r:id="rId11"/>
   </p:sldLayoutIdLst>
+  <p:timing>
+    <p:tnLst>
+      <p:par>
+        <p:cTn id="1" dur="indefinite" restart="never" nodeType="tmRoot"/>
+      </p:par>
+    </p:tnLst>
+  </p:timing>
   <p:hf hdr="0" dt="0"/>
   <p:txStyles>
     <p:titleStyle>
@@ -4321,6 +7122,551 @@
 </p:sldMaster>
 </file>
 
+<file path=ppt/slideMasters/slideMaster2.xml><?xml version="1.0" encoding="utf-8"?>
+<p:sldMaster xmlns:a="http://schemas.openxmlformats.org/drawingml/2006/main" xmlns:r="http://schemas.openxmlformats.org/officeDocument/2006/relationships" xmlns:p="http://schemas.openxmlformats.org/presentationml/2006/main" preserve="1">
+  <p:cSld>
+    <p:bg>
+      <p:bgRef idx="1001">
+        <a:schemeClr val="bg1"/>
+      </p:bgRef>
+    </p:bg>
+    <p:spTree>
+      <p:nvGrpSpPr>
+        <p:cNvPr id="1" name=""/>
+        <p:cNvGrpSpPr/>
+        <p:nvPr/>
+      </p:nvGrpSpPr>
+      <p:grpSpPr>
+        <a:xfrm>
+          <a:off x="0" y="0"/>
+          <a:ext cx="0" cy="0"/>
+          <a:chOff x="0" y="0"/>
+          <a:chExt cx="0" cy="0"/>
+        </a:xfrm>
+      </p:grpSpPr>
+      <p:sp>
+        <p:nvSpPr>
+          <p:cNvPr id="2" name="Title Placeholder 1"/>
+          <p:cNvSpPr>
+            <a:spLocks noGrp="1"/>
+          </p:cNvSpPr>
+          <p:nvPr>
+            <p:ph type="title"/>
+          </p:nvPr>
+        </p:nvSpPr>
+        <p:spPr>
+          <a:xfrm>
+            <a:off x="628650" y="365125"/>
+            <a:ext cx="7886700" cy="1325563"/>
+          </a:xfrm>
+          <a:prstGeom prst="rect">
+            <a:avLst/>
+          </a:prstGeom>
+        </p:spPr>
+        <p:txBody>
+          <a:bodyPr vert="horz" lIns="91440" tIns="45720" rIns="91440" bIns="45720" rtlCol="0" anchor="ctr">
+            <a:normAutofit/>
+          </a:bodyPr>
+          <a:lstStyle/>
+          <a:p>
+            <a:r>
+              <a:rPr lang="en-US" smtClean="0"/>
+              <a:t>Click to edit Master title style</a:t>
+            </a:r>
+            <a:endParaRPr lang="en-US"/>
+          </a:p>
+        </p:txBody>
+      </p:sp>
+      <p:sp>
+        <p:nvSpPr>
+          <p:cNvPr id="3" name="Text Placeholder 2"/>
+          <p:cNvSpPr>
+            <a:spLocks noGrp="1"/>
+          </p:cNvSpPr>
+          <p:nvPr>
+            <p:ph type="body" idx="1"/>
+          </p:nvPr>
+        </p:nvSpPr>
+        <p:spPr>
+          <a:xfrm>
+            <a:off x="628650" y="1825625"/>
+            <a:ext cx="7886700" cy="4351338"/>
+          </a:xfrm>
+          <a:prstGeom prst="rect">
+            <a:avLst/>
+          </a:prstGeom>
+        </p:spPr>
+        <p:txBody>
+          <a:bodyPr vert="horz" lIns="91440" tIns="45720" rIns="91440" bIns="45720" rtlCol="0">
+            <a:normAutofit/>
+          </a:bodyPr>
+          <a:lstStyle/>
+          <a:p>
+            <a:pPr lvl="0"/>
+            <a:r>
+              <a:rPr lang="en-US" smtClean="0"/>
+              <a:t>Click to edit Master text styles</a:t>
+            </a:r>
+          </a:p>
+          <a:p>
+            <a:pPr lvl="1"/>
+            <a:r>
+              <a:rPr lang="en-US" smtClean="0"/>
+              <a:t>Second level</a:t>
+            </a:r>
+          </a:p>
+          <a:p>
+            <a:pPr lvl="2"/>
+            <a:r>
+              <a:rPr lang="en-US" smtClean="0"/>
+              <a:t>Third level</a:t>
+            </a:r>
+          </a:p>
+          <a:p>
+            <a:pPr lvl="3"/>
+            <a:r>
+              <a:rPr lang="en-US" smtClean="0"/>
+              <a:t>Fourth level</a:t>
+            </a:r>
+          </a:p>
+          <a:p>
+            <a:pPr lvl="4"/>
+            <a:r>
+              <a:rPr lang="en-US" smtClean="0"/>
+              <a:t>Fifth level</a:t>
+            </a:r>
+            <a:endParaRPr lang="en-US"/>
+          </a:p>
+        </p:txBody>
+      </p:sp>
+      <p:sp>
+        <p:nvSpPr>
+          <p:cNvPr id="4" name="Date Placeholder 3"/>
+          <p:cNvSpPr>
+            <a:spLocks noGrp="1"/>
+          </p:cNvSpPr>
+          <p:nvPr>
+            <p:ph type="dt" sz="half" idx="2"/>
+          </p:nvPr>
+        </p:nvSpPr>
+        <p:spPr>
+          <a:xfrm>
+            <a:off x="628650" y="6356350"/>
+            <a:ext cx="2057400" cy="365125"/>
+          </a:xfrm>
+          <a:prstGeom prst="rect">
+            <a:avLst/>
+          </a:prstGeom>
+        </p:spPr>
+        <p:txBody>
+          <a:bodyPr vert="horz" lIns="91440" tIns="45720" rIns="91440" bIns="45720" rtlCol="0" anchor="ctr"/>
+          <a:lstStyle>
+            <a:lvl1pPr algn="l">
+              <a:defRPr sz="1200">
+                <a:solidFill>
+                  <a:schemeClr val="tx1">
+                    <a:tint val="75000"/>
+                  </a:schemeClr>
+                </a:solidFill>
+              </a:defRPr>
+            </a:lvl1pPr>
+          </a:lstStyle>
+          <a:p>
+            <a:fld id="{D757437D-136E-7246-8394-8265CCC540D4}" type="datetime1">
+              <a:rPr lang="en-US" smtClean="0"/>
+              <a:t>7/4/16</a:t>
+            </a:fld>
+            <a:endParaRPr lang="en-US"/>
+          </a:p>
+        </p:txBody>
+      </p:sp>
+      <p:sp>
+        <p:nvSpPr>
+          <p:cNvPr id="5" name="Footer Placeholder 4"/>
+          <p:cNvSpPr>
+            <a:spLocks noGrp="1"/>
+          </p:cNvSpPr>
+          <p:nvPr>
+            <p:ph type="ftr" sz="quarter" idx="3"/>
+          </p:nvPr>
+        </p:nvSpPr>
+        <p:spPr>
+          <a:xfrm>
+            <a:off x="3028950" y="6356350"/>
+            <a:ext cx="3086100" cy="365125"/>
+          </a:xfrm>
+          <a:prstGeom prst="rect">
+            <a:avLst/>
+          </a:prstGeom>
+        </p:spPr>
+        <p:txBody>
+          <a:bodyPr vert="horz" lIns="91440" tIns="45720" rIns="91440" bIns="45720" rtlCol="0" anchor="ctr"/>
+          <a:lstStyle>
+            <a:lvl1pPr algn="ctr">
+              <a:defRPr sz="1200">
+                <a:solidFill>
+                  <a:schemeClr val="tx1">
+                    <a:tint val="75000"/>
+                  </a:schemeClr>
+                </a:solidFill>
+              </a:defRPr>
+            </a:lvl1pPr>
+          </a:lstStyle>
+          <a:p>
+            <a:r>
+              <a:rPr lang="en-US" smtClean="0"/>
+              <a:t>© EV3Lessons.com, 2016, (Last edit: 07/04/16)</a:t>
+            </a:r>
+            <a:endParaRPr lang="en-US"/>
+          </a:p>
+        </p:txBody>
+      </p:sp>
+      <p:sp>
+        <p:nvSpPr>
+          <p:cNvPr id="6" name="Slide Number Placeholder 5"/>
+          <p:cNvSpPr>
+            <a:spLocks noGrp="1"/>
+          </p:cNvSpPr>
+          <p:nvPr>
+            <p:ph type="sldNum" sz="quarter" idx="4"/>
+          </p:nvPr>
+        </p:nvSpPr>
+        <p:spPr>
+          <a:xfrm>
+            <a:off x="6457950" y="6356350"/>
+            <a:ext cx="2057400" cy="365125"/>
+          </a:xfrm>
+          <a:prstGeom prst="rect">
+            <a:avLst/>
+          </a:prstGeom>
+        </p:spPr>
+        <p:txBody>
+          <a:bodyPr vert="horz" lIns="91440" tIns="45720" rIns="91440" bIns="45720" rtlCol="0" anchor="ctr"/>
+          <a:lstStyle>
+            <a:lvl1pPr algn="r">
+              <a:defRPr sz="1200">
+                <a:solidFill>
+                  <a:schemeClr val="tx1">
+                    <a:tint val="75000"/>
+                  </a:schemeClr>
+                </a:solidFill>
+              </a:defRPr>
+            </a:lvl1pPr>
+          </a:lstStyle>
+          <a:p>
+            <a:fld id="{DE42E464-3EB8-43C8-8768-9E2AD4F497B7}" type="slidenum">
+              <a:rPr lang="en-US" smtClean="0"/>
+              <a:t>‹#›</a:t>
+            </a:fld>
+            <a:endParaRPr lang="en-US"/>
+          </a:p>
+        </p:txBody>
+      </p:sp>
+    </p:spTree>
+    <p:extLst>
+      <p:ext uri="{BB962C8B-B14F-4D97-AF65-F5344CB8AC3E}">
+        <p14:creationId xmlns:p14="http://schemas.microsoft.com/office/powerpoint/2010/main" val="770177432"/>
+      </p:ext>
+    </p:extLst>
+  </p:cSld>
+  <p:clrMap bg1="lt1" tx1="dk1" bg2="lt2" tx2="dk2" accent1="accent1" accent2="accent2" accent3="accent3" accent4="accent4" accent5="accent5" accent6="accent6" hlink="hlink" folHlink="folHlink"/>
+  <p:sldLayoutIdLst>
+    <p:sldLayoutId id="2147483739" r:id="rId1"/>
+    <p:sldLayoutId id="2147483740" r:id="rId2"/>
+    <p:sldLayoutId id="2147483741" r:id="rId3"/>
+    <p:sldLayoutId id="2147483742" r:id="rId4"/>
+    <p:sldLayoutId id="2147483743" r:id="rId5"/>
+    <p:sldLayoutId id="2147483744" r:id="rId6"/>
+    <p:sldLayoutId id="2147483745" r:id="rId7"/>
+    <p:sldLayoutId id="2147483746" r:id="rId8"/>
+    <p:sldLayoutId id="2147483747" r:id="rId9"/>
+    <p:sldLayoutId id="2147483748" r:id="rId10"/>
+    <p:sldLayoutId id="2147483749" r:id="rId11"/>
+  </p:sldLayoutIdLst>
+  <p:hf hdr="0" dt="0"/>
+  <p:txStyles>
+    <p:titleStyle>
+      <a:lvl1pPr algn="l" defTabSz="914400" rtl="0" eaLnBrk="1" latinLnBrk="0" hangingPunct="1">
+        <a:lnSpc>
+          <a:spcPct val="90000"/>
+        </a:lnSpc>
+        <a:spcBef>
+          <a:spcPct val="0"/>
+        </a:spcBef>
+        <a:buNone/>
+        <a:defRPr sz="4400" kern="1200">
+          <a:solidFill>
+            <a:schemeClr val="tx1"/>
+          </a:solidFill>
+          <a:latin typeface="+mj-lt"/>
+          <a:ea typeface="+mj-ea"/>
+          <a:cs typeface="+mj-cs"/>
+        </a:defRPr>
+      </a:lvl1pPr>
+    </p:titleStyle>
+    <p:bodyStyle>
+      <a:lvl1pPr marL="228600" indent="-228600" algn="l" defTabSz="914400" rtl="0" eaLnBrk="1" latinLnBrk="0" hangingPunct="1">
+        <a:lnSpc>
+          <a:spcPct val="90000"/>
+        </a:lnSpc>
+        <a:spcBef>
+          <a:spcPts val="1000"/>
+        </a:spcBef>
+        <a:buFont typeface="Arial" panose="020B0604020202020204" pitchFamily="34" charset="0"/>
+        <a:buChar char="•"/>
+        <a:defRPr sz="2800" kern="1200">
+          <a:solidFill>
+            <a:schemeClr val="tx1"/>
+          </a:solidFill>
+          <a:latin typeface="+mn-lt"/>
+          <a:ea typeface="+mn-ea"/>
+          <a:cs typeface="+mn-cs"/>
+        </a:defRPr>
+      </a:lvl1pPr>
+      <a:lvl2pPr marL="685800" indent="-228600" algn="l" defTabSz="914400" rtl="0" eaLnBrk="1" latinLnBrk="0" hangingPunct="1">
+        <a:lnSpc>
+          <a:spcPct val="90000"/>
+        </a:lnSpc>
+        <a:spcBef>
+          <a:spcPts val="500"/>
+        </a:spcBef>
+        <a:buFont typeface="Arial" panose="020B0604020202020204" pitchFamily="34" charset="0"/>
+        <a:buChar char="•"/>
+        <a:defRPr sz="2400" kern="1200">
+          <a:solidFill>
+            <a:schemeClr val="tx1"/>
+          </a:solidFill>
+          <a:latin typeface="+mn-lt"/>
+          <a:ea typeface="+mn-ea"/>
+          <a:cs typeface="+mn-cs"/>
+        </a:defRPr>
+      </a:lvl2pPr>
+      <a:lvl3pPr marL="1143000" indent="-228600" algn="l" defTabSz="914400" rtl="0" eaLnBrk="1" latinLnBrk="0" hangingPunct="1">
+        <a:lnSpc>
+          <a:spcPct val="90000"/>
+        </a:lnSpc>
+        <a:spcBef>
+          <a:spcPts val="500"/>
+        </a:spcBef>
+        <a:buFont typeface="Arial" panose="020B0604020202020204" pitchFamily="34" charset="0"/>
+        <a:buChar char="•"/>
+        <a:defRPr sz="2000" kern="1200">
+          <a:solidFill>
+            <a:schemeClr val="tx1"/>
+          </a:solidFill>
+          <a:latin typeface="+mn-lt"/>
+          <a:ea typeface="+mn-ea"/>
+          <a:cs typeface="+mn-cs"/>
+        </a:defRPr>
+      </a:lvl3pPr>
+      <a:lvl4pPr marL="1600200" indent="-228600" algn="l" defTabSz="914400" rtl="0" eaLnBrk="1" latinLnBrk="0" hangingPunct="1">
+        <a:lnSpc>
+          <a:spcPct val="90000"/>
+        </a:lnSpc>
+        <a:spcBef>
+          <a:spcPts val="500"/>
+        </a:spcBef>
+        <a:buFont typeface="Arial" panose="020B0604020202020204" pitchFamily="34" charset="0"/>
+        <a:buChar char="•"/>
+        <a:defRPr sz="1800" kern="1200">
+          <a:solidFill>
+            <a:schemeClr val="tx1"/>
+          </a:solidFill>
+          <a:latin typeface="+mn-lt"/>
+          <a:ea typeface="+mn-ea"/>
+          <a:cs typeface="+mn-cs"/>
+        </a:defRPr>
+      </a:lvl4pPr>
+      <a:lvl5pPr marL="2057400" indent="-228600" algn="l" defTabSz="914400" rtl="0" eaLnBrk="1" latinLnBrk="0" hangingPunct="1">
+        <a:lnSpc>
+          <a:spcPct val="90000"/>
+        </a:lnSpc>
+        <a:spcBef>
+          <a:spcPts val="500"/>
+        </a:spcBef>
+        <a:buFont typeface="Arial" panose="020B0604020202020204" pitchFamily="34" charset="0"/>
+        <a:buChar char="•"/>
+        <a:defRPr sz="1800" kern="1200">
+          <a:solidFill>
+            <a:schemeClr val="tx1"/>
+          </a:solidFill>
+          <a:latin typeface="+mn-lt"/>
+          <a:ea typeface="+mn-ea"/>
+          <a:cs typeface="+mn-cs"/>
+        </a:defRPr>
+      </a:lvl5pPr>
+      <a:lvl6pPr marL="2514600" indent="-228600" algn="l" defTabSz="914400" rtl="0" eaLnBrk="1" latinLnBrk="0" hangingPunct="1">
+        <a:lnSpc>
+          <a:spcPct val="90000"/>
+        </a:lnSpc>
+        <a:spcBef>
+          <a:spcPts val="500"/>
+        </a:spcBef>
+        <a:buFont typeface="Arial" panose="020B0604020202020204" pitchFamily="34" charset="0"/>
+        <a:buChar char="•"/>
+        <a:defRPr sz="1800" kern="1200">
+          <a:solidFill>
+            <a:schemeClr val="tx1"/>
+          </a:solidFill>
+          <a:latin typeface="+mn-lt"/>
+          <a:ea typeface="+mn-ea"/>
+          <a:cs typeface="+mn-cs"/>
+        </a:defRPr>
+      </a:lvl6pPr>
+      <a:lvl7pPr marL="2971800" indent="-228600" algn="l" defTabSz="914400" rtl="0" eaLnBrk="1" latinLnBrk="0" hangingPunct="1">
+        <a:lnSpc>
+          <a:spcPct val="90000"/>
+        </a:lnSpc>
+        <a:spcBef>
+          <a:spcPts val="500"/>
+        </a:spcBef>
+        <a:buFont typeface="Arial" panose="020B0604020202020204" pitchFamily="34" charset="0"/>
+        <a:buChar char="•"/>
+        <a:defRPr sz="1800" kern="1200">
+          <a:solidFill>
+            <a:schemeClr val="tx1"/>
+          </a:solidFill>
+          <a:latin typeface="+mn-lt"/>
+          <a:ea typeface="+mn-ea"/>
+          <a:cs typeface="+mn-cs"/>
+        </a:defRPr>
+      </a:lvl7pPr>
+      <a:lvl8pPr marL="3429000" indent="-228600" algn="l" defTabSz="914400" rtl="0" eaLnBrk="1" latinLnBrk="0" hangingPunct="1">
+        <a:lnSpc>
+          <a:spcPct val="90000"/>
+        </a:lnSpc>
+        <a:spcBef>
+          <a:spcPts val="500"/>
+        </a:spcBef>
+        <a:buFont typeface="Arial" panose="020B0604020202020204" pitchFamily="34" charset="0"/>
+        <a:buChar char="•"/>
+        <a:defRPr sz="1800" kern="1200">
+          <a:solidFill>
+            <a:schemeClr val="tx1"/>
+          </a:solidFill>
+          <a:latin typeface="+mn-lt"/>
+          <a:ea typeface="+mn-ea"/>
+          <a:cs typeface="+mn-cs"/>
+        </a:defRPr>
+      </a:lvl8pPr>
+      <a:lvl9pPr marL="3886200" indent="-228600" algn="l" defTabSz="914400" rtl="0" eaLnBrk="1" latinLnBrk="0" hangingPunct="1">
+        <a:lnSpc>
+          <a:spcPct val="90000"/>
+        </a:lnSpc>
+        <a:spcBef>
+          <a:spcPts val="500"/>
+        </a:spcBef>
+        <a:buFont typeface="Arial" panose="020B0604020202020204" pitchFamily="34" charset="0"/>
+        <a:buChar char="•"/>
+        <a:defRPr sz="1800" kern="1200">
+          <a:solidFill>
+            <a:schemeClr val="tx1"/>
+          </a:solidFill>
+          <a:latin typeface="+mn-lt"/>
+          <a:ea typeface="+mn-ea"/>
+          <a:cs typeface="+mn-cs"/>
+        </a:defRPr>
+      </a:lvl9pPr>
+    </p:bodyStyle>
+    <p:otherStyle>
+      <a:defPPr>
+        <a:defRPr lang="en-US"/>
+      </a:defPPr>
+      <a:lvl1pPr marL="0" algn="l" defTabSz="914400" rtl="0" eaLnBrk="1" latinLnBrk="0" hangingPunct="1">
+        <a:defRPr sz="1800" kern="1200">
+          <a:solidFill>
+            <a:schemeClr val="tx1"/>
+          </a:solidFill>
+          <a:latin typeface="+mn-lt"/>
+          <a:ea typeface="+mn-ea"/>
+          <a:cs typeface="+mn-cs"/>
+        </a:defRPr>
+      </a:lvl1pPr>
+      <a:lvl2pPr marL="457200" algn="l" defTabSz="914400" rtl="0" eaLnBrk="1" latinLnBrk="0" hangingPunct="1">
+        <a:defRPr sz="1800" kern="1200">
+          <a:solidFill>
+            <a:schemeClr val="tx1"/>
+          </a:solidFill>
+          <a:latin typeface="+mn-lt"/>
+          <a:ea typeface="+mn-ea"/>
+          <a:cs typeface="+mn-cs"/>
+        </a:defRPr>
+      </a:lvl2pPr>
+      <a:lvl3pPr marL="914400" algn="l" defTabSz="914400" rtl="0" eaLnBrk="1" latinLnBrk="0" hangingPunct="1">
+        <a:defRPr sz="1800" kern="1200">
+          <a:solidFill>
+            <a:schemeClr val="tx1"/>
+          </a:solidFill>
+          <a:latin typeface="+mn-lt"/>
+          <a:ea typeface="+mn-ea"/>
+          <a:cs typeface="+mn-cs"/>
+        </a:defRPr>
+      </a:lvl3pPr>
+      <a:lvl4pPr marL="1371600" algn="l" defTabSz="914400" rtl="0" eaLnBrk="1" latinLnBrk="0" hangingPunct="1">
+        <a:defRPr sz="1800" kern="1200">
+          <a:solidFill>
+            <a:schemeClr val="tx1"/>
+          </a:solidFill>
+          <a:latin typeface="+mn-lt"/>
+          <a:ea typeface="+mn-ea"/>
+          <a:cs typeface="+mn-cs"/>
+        </a:defRPr>
+      </a:lvl4pPr>
+      <a:lvl5pPr marL="1828800" algn="l" defTabSz="914400" rtl="0" eaLnBrk="1" latinLnBrk="0" hangingPunct="1">
+        <a:defRPr sz="1800" kern="1200">
+          <a:solidFill>
+            <a:schemeClr val="tx1"/>
+          </a:solidFill>
+          <a:latin typeface="+mn-lt"/>
+          <a:ea typeface="+mn-ea"/>
+          <a:cs typeface="+mn-cs"/>
+        </a:defRPr>
+      </a:lvl5pPr>
+      <a:lvl6pPr marL="2286000" algn="l" defTabSz="914400" rtl="0" eaLnBrk="1" latinLnBrk="0" hangingPunct="1">
+        <a:defRPr sz="1800" kern="1200">
+          <a:solidFill>
+            <a:schemeClr val="tx1"/>
+          </a:solidFill>
+          <a:latin typeface="+mn-lt"/>
+          <a:ea typeface="+mn-ea"/>
+          <a:cs typeface="+mn-cs"/>
+        </a:defRPr>
+      </a:lvl6pPr>
+      <a:lvl7pPr marL="2743200" algn="l" defTabSz="914400" rtl="0" eaLnBrk="1" latinLnBrk="0" hangingPunct="1">
+        <a:defRPr sz="1800" kern="1200">
+          <a:solidFill>
+            <a:schemeClr val="tx1"/>
+          </a:solidFill>
+          <a:latin typeface="+mn-lt"/>
+          <a:ea typeface="+mn-ea"/>
+          <a:cs typeface="+mn-cs"/>
+        </a:defRPr>
+      </a:lvl7pPr>
+      <a:lvl8pPr marL="3200400" algn="l" defTabSz="914400" rtl="0" eaLnBrk="1" latinLnBrk="0" hangingPunct="1">
+        <a:defRPr sz="1800" kern="1200">
+          <a:solidFill>
+            <a:schemeClr val="tx1"/>
+          </a:solidFill>
+          <a:latin typeface="+mn-lt"/>
+          <a:ea typeface="+mn-ea"/>
+          <a:cs typeface="+mn-cs"/>
+        </a:defRPr>
+      </a:lvl8pPr>
+      <a:lvl9pPr marL="3657600" algn="l" defTabSz="914400" rtl="0" eaLnBrk="1" latinLnBrk="0" hangingPunct="1">
+        <a:defRPr sz="1800" kern="1200">
+          <a:solidFill>
+            <a:schemeClr val="tx1"/>
+          </a:solidFill>
+          <a:latin typeface="+mn-lt"/>
+          <a:ea typeface="+mn-ea"/>
+          <a:cs typeface="+mn-cs"/>
+        </a:defRPr>
+      </a:lvl9pPr>
+    </p:otherStyle>
+  </p:txStyles>
+</p:sldMaster>
+</file>
+
 <file path=ppt/slides/slide1.xml><?xml version="1.0" encoding="utf-8"?>
 <p:sld xmlns:a="http://schemas.openxmlformats.org/drawingml/2006/main" xmlns:r="http://schemas.openxmlformats.org/officeDocument/2006/relationships" xmlns:p="http://schemas.openxmlformats.org/presentationml/2006/main">
   <p:cSld>
@@ -4340,7 +7686,30 @@
       </p:grpSpPr>
       <p:sp>
         <p:nvSpPr>
-          <p:cNvPr id="2" name="Title 1"/>
+          <p:cNvPr id="2" name="Subtitle 1"/>
+          <p:cNvSpPr>
+            <a:spLocks noGrp="1"/>
+          </p:cNvSpPr>
+          <p:nvPr>
+            <p:ph type="subTitle" idx="1"/>
+          </p:nvPr>
+        </p:nvSpPr>
+        <p:spPr/>
+        <p:txBody>
+          <a:bodyPr/>
+          <a:lstStyle/>
+          <a:p>
+            <a:r>
+              <a:rPr lang="en-US" dirty="0" smtClean="0"/>
+              <a:t>Touch Sensor</a:t>
+            </a:r>
+            <a:endParaRPr lang="en-US" dirty="0"/>
+          </a:p>
+        </p:txBody>
+      </p:sp>
+      <p:sp>
+        <p:nvSpPr>
+          <p:cNvPr id="3" name="Title 2"/>
           <p:cNvSpPr>
             <a:spLocks noGrp="1"/>
           </p:cNvSpPr>
@@ -4348,196 +7717,30 @@
             <p:ph type="ctrTitle"/>
           </p:nvPr>
         </p:nvSpPr>
-        <p:spPr>
-          <a:xfrm>
-            <a:off x="402305" y="311631"/>
-            <a:ext cx="4182799" cy="1923569"/>
-          </a:xfrm>
-        </p:spPr>
+        <p:spPr/>
         <p:txBody>
           <a:bodyPr/>
           <a:lstStyle/>
           <a:p>
             <a:pPr algn="ctr"/>
             <a:r>
-              <a:rPr lang="en-US" sz="3200" dirty="0" smtClean="0"/>
-              <a:t>BEGINNER EV3 PROGRAMMING</a:t>
-            </a:r>
-            <a:r>
-              <a:rPr lang="en-US" sz="4000" smtClean="0"/>
-              <a:t/>
-            </a:r>
-            <a:br>
-              <a:rPr lang="en-US" sz="4000" smtClean="0"/>
-            </a:br>
-            <a:r>
-              <a:rPr lang="en-US" sz="3200" smtClean="0"/>
-              <a:t>Lesson</a:t>
-            </a:r>
-            <a:endParaRPr lang="en-US" sz="3200" dirty="0"/>
-          </a:p>
-        </p:txBody>
-      </p:sp>
-      <p:sp>
-        <p:nvSpPr>
-          <p:cNvPr id="7" name="TextBox 6"/>
-          <p:cNvSpPr txBox="1"/>
-          <p:nvPr/>
-        </p:nvSpPr>
-        <p:spPr>
-          <a:xfrm>
-            <a:off x="1845765" y="5949643"/>
-            <a:ext cx="4392281" cy="523220"/>
-          </a:xfrm>
-          <a:prstGeom prst="rect">
-            <a:avLst/>
-          </a:prstGeom>
-          <a:noFill/>
-        </p:spPr>
-        <p:txBody>
-          <a:bodyPr wrap="square" rtlCol="0">
-            <a:spAutoFit/>
-          </a:bodyPr>
-          <a:lstStyle/>
-          <a:p>
-            <a:r>
-              <a:rPr lang="en-US" sz="2800" dirty="0" smtClean="0"/>
-              <a:t>By: Droids Robotics</a:t>
-            </a:r>
-          </a:p>
-        </p:txBody>
-      </p:sp>
-      <p:sp>
-        <p:nvSpPr>
-          <p:cNvPr id="4" name="TextBox 3"/>
-          <p:cNvSpPr txBox="1"/>
-          <p:nvPr/>
-        </p:nvSpPr>
-        <p:spPr>
-          <a:xfrm>
-            <a:off x="550088" y="2713113"/>
-            <a:ext cx="8187512" cy="954107"/>
-          </a:xfrm>
-          <a:prstGeom prst="rect">
-            <a:avLst/>
-          </a:prstGeom>
-          <a:noFill/>
-        </p:spPr>
-        <p:txBody>
-          <a:bodyPr wrap="square" rtlCol="0">
-            <a:spAutoFit/>
-          </a:bodyPr>
-          <a:lstStyle/>
-          <a:p>
-            <a:r>
-              <a:rPr lang="en-US" sz="2800" dirty="0" smtClean="0">
-                <a:solidFill>
-                  <a:srgbClr val="FF0000"/>
-                </a:solidFill>
-              </a:rPr>
-              <a:t>Topics Covered:</a:t>
-            </a:r>
-          </a:p>
-          <a:p>
-            <a:r>
-              <a:rPr lang="en-US" sz="2800" dirty="0" smtClean="0">
-                <a:solidFill>
-                  <a:srgbClr val="FF0000"/>
-                </a:solidFill>
-              </a:rPr>
-              <a:t>Touch Sensor</a:t>
-            </a:r>
-          </a:p>
-        </p:txBody>
-      </p:sp>
-      <p:pic>
-        <p:nvPicPr>
-          <p:cNvPr id="1026" name="Picture 2" descr="EV3Lessons.com"/>
-          <p:cNvPicPr>
-            <a:picLocks noChangeAspect="1" noChangeArrowheads="1"/>
-          </p:cNvPicPr>
-          <p:nvPr/>
-        </p:nvPicPr>
-        <p:blipFill>
-          <a:blip r:embed="rId3">
-            <a:extLst>
-              <a:ext uri="{28A0092B-C50C-407E-A947-70E740481C1C}">
-                <a14:useLocalDpi xmlns:a14="http://schemas.microsoft.com/office/drawing/2010/main" val="0"/>
-              </a:ext>
-            </a:extLst>
-          </a:blip>
-          <a:srcRect/>
-          <a:stretch>
-            <a:fillRect/>
-          </a:stretch>
-        </p:blipFill>
-        <p:spPr bwMode="auto">
-          <a:xfrm>
-            <a:off x="4585105" y="436041"/>
-            <a:ext cx="4231698" cy="1571774"/>
-          </a:xfrm>
-          <a:prstGeom prst="rect">
-            <a:avLst/>
-          </a:prstGeom>
-          <a:noFill/>
-          <a:extLst>
-            <a:ext uri="{909E8E84-426E-40dd-AFC4-6F175D3DCCD1}">
-              <a14:hiddenFill xmlns:a14="http://schemas.microsoft.com/office/drawing/2010/main" xmlns="">
-                <a:solidFill>
-                  <a:srgbClr val="FFFFFF"/>
-                </a:solidFill>
-              </a14:hiddenFill>
-            </a:ext>
-          </a:extLst>
-        </p:spPr>
-      </p:pic>
-      <p:pic>
-        <p:nvPicPr>
-          <p:cNvPr id="5" name="Picture 4"/>
-          <p:cNvPicPr>
-            <a:picLocks noChangeAspect="1"/>
-          </p:cNvPicPr>
-          <p:nvPr/>
-        </p:nvPicPr>
-        <p:blipFill>
-          <a:blip r:embed="rId4">
-            <a:extLst>
-              <a:ext uri="{28A0092B-C50C-407E-A947-70E740481C1C}">
-                <a14:useLocalDpi xmlns:a14="http://schemas.microsoft.com/office/drawing/2010/main" val="0"/>
-              </a:ext>
-            </a:extLst>
-          </a:blip>
-          <a:stretch>
-            <a:fillRect/>
-          </a:stretch>
-        </p:blipFill>
-        <p:spPr>
-          <a:xfrm>
-            <a:off x="402305" y="5091953"/>
-            <a:ext cx="1443460" cy="1380910"/>
-          </a:xfrm>
-          <a:prstGeom prst="rect">
-            <a:avLst/>
-          </a:prstGeom>
-        </p:spPr>
-      </p:pic>
+              <a:rPr lang="en-US" dirty="0" smtClean="0"/>
+              <a:t>BEGINNER PROGRAMMING LESSON</a:t>
+            </a:r>
+            <a:endParaRPr lang="en-US" dirty="0"/>
+          </a:p>
+        </p:txBody>
+      </p:sp>
     </p:spTree>
     <p:extLst>
       <p:ext uri="{BB962C8B-B14F-4D97-AF65-F5344CB8AC3E}">
-        <p14:creationId xmlns:p14="http://schemas.microsoft.com/office/powerpoint/2010/main" val="2307695020"/>
+        <p14:creationId xmlns:p14="http://schemas.microsoft.com/office/powerpoint/2010/main" val="256488427"/>
       </p:ext>
     </p:extLst>
   </p:cSld>
   <p:clrMapOvr>
     <a:masterClrMapping/>
   </p:clrMapOvr>
-  <p:timing>
-    <p:tnLst>
-      <p:par>
-        <p:cTn id="1" dur="indefinite" restart="never" nodeType="tmRoot"/>
-      </p:par>
-    </p:tnLst>
-  </p:timing>
 </p:sld>
 </file>
 
@@ -4607,6 +7810,52 @@
               <a:rPr lang="en-US" sz="2800" dirty="0" smtClean="0"/>
               <a:t>Program your robot to move until it hits the edge of a wall. Then back up and turn right 90 degrees. </a:t>
             </a:r>
+          </a:p>
+        </p:txBody>
+      </p:sp>
+      <p:sp>
+        <p:nvSpPr>
+          <p:cNvPr id="10" name="Footer Placeholder 9"/>
+          <p:cNvSpPr>
+            <a:spLocks noGrp="1"/>
+          </p:cNvSpPr>
+          <p:nvPr>
+            <p:ph type="ftr" sz="quarter" idx="11"/>
+          </p:nvPr>
+        </p:nvSpPr>
+        <p:spPr/>
+        <p:txBody>
+          <a:bodyPr/>
+          <a:lstStyle/>
+          <a:p>
+            <a:r>
+              <a:rPr lang="en-US" smtClean="0"/>
+              <a:t>© EV3Lessons.com, 2016, (Last edit: 07/04/16)</a:t>
+            </a:r>
+            <a:endParaRPr lang="en-US"/>
+          </a:p>
+        </p:txBody>
+      </p:sp>
+      <p:sp>
+        <p:nvSpPr>
+          <p:cNvPr id="12" name="Slide Number Placeholder 11"/>
+          <p:cNvSpPr>
+            <a:spLocks noGrp="1"/>
+          </p:cNvSpPr>
+          <p:nvPr>
+            <p:ph type="sldNum" sz="quarter" idx="12"/>
+          </p:nvPr>
+        </p:nvSpPr>
+        <p:spPr/>
+        <p:txBody>
+          <a:bodyPr/>
+          <a:lstStyle/>
+          <a:p>
+            <a:fld id="{4DBC7FC8-25FB-FC45-8177-2B991DA6778C}" type="slidenum">
+              <a:rPr lang="en-US" smtClean="0"/>
+              <a:t>10</a:t>
+            </a:fld>
+            <a:endParaRPr lang="en-US"/>
           </a:p>
         </p:txBody>
       </p:sp>
@@ -4646,7 +7895,7 @@
           <a:blip r:embed="rId4">
             <a:extLst>
               <a:ext uri="{28A0092B-C50C-407E-A947-70E740481C1C}">
-                <a14:useLocalDpi xmlns:a14="http://schemas.microsoft.com/office/drawing/2010/main" val="0"/>
+                <a14:useLocalDpi xmlns:a14="http://schemas.microsoft.com/office/drawing/2010/main"/>
               </a:ext>
             </a:extLst>
           </a:blip>
@@ -4676,7 +7925,7 @@
           <a:blip r:embed="rId5">
             <a:extLst>
               <a:ext uri="{28A0092B-C50C-407E-A947-70E740481C1C}">
-                <a14:useLocalDpi xmlns:a14="http://schemas.microsoft.com/office/drawing/2010/main" val="0"/>
+                <a14:useLocalDpi xmlns:a14="http://schemas.microsoft.com/office/drawing/2010/main"/>
               </a:ext>
             </a:extLst>
           </a:blip>
@@ -4818,52 +8067,6 @@
               <a:t>You will combine Move Steering + Turning + Wait Block </a:t>
             </a:r>
             <a:endParaRPr lang="en-US" dirty="0"/>
-          </a:p>
-        </p:txBody>
-      </p:sp>
-      <p:sp>
-        <p:nvSpPr>
-          <p:cNvPr id="12" name="Slide Number Placeholder 11"/>
-          <p:cNvSpPr>
-            <a:spLocks noGrp="1"/>
-          </p:cNvSpPr>
-          <p:nvPr>
-            <p:ph type="sldNum" sz="quarter" idx="12"/>
-          </p:nvPr>
-        </p:nvSpPr>
-        <p:spPr/>
-        <p:txBody>
-          <a:bodyPr/>
-          <a:lstStyle/>
-          <a:p>
-            <a:fld id="{4DBC7FC8-25FB-FC45-8177-2B991DA6778C}" type="slidenum">
-              <a:rPr lang="en-US" smtClean="0"/>
-              <a:t>10</a:t>
-            </a:fld>
-            <a:endParaRPr lang="en-US"/>
-          </a:p>
-        </p:txBody>
-      </p:sp>
-      <p:sp>
-        <p:nvSpPr>
-          <p:cNvPr id="10" name="Footer Placeholder 9"/>
-          <p:cNvSpPr>
-            <a:spLocks noGrp="1"/>
-          </p:cNvSpPr>
-          <p:nvPr>
-            <p:ph type="ftr" sz="quarter" idx="11"/>
-          </p:nvPr>
-        </p:nvSpPr>
-        <p:spPr/>
-        <p:txBody>
-          <a:bodyPr/>
-          <a:lstStyle/>
-          <a:p>
-            <a:r>
-              <a:rPr lang="en-US" smtClean="0"/>
-              <a:t>© EV3Lessons.com, 2015, (Last edit: 11/01/15)</a:t>
-            </a:r>
-            <a:endParaRPr lang="en-US"/>
           </a:p>
         </p:txBody>
       </p:sp>
@@ -5346,6 +8549,29 @@
       </p:sp>
       <p:sp>
         <p:nvSpPr>
+          <p:cNvPr id="6" name="Footer Placeholder 5"/>
+          <p:cNvSpPr>
+            <a:spLocks noGrp="1"/>
+          </p:cNvSpPr>
+          <p:nvPr>
+            <p:ph type="ftr" sz="quarter" idx="11"/>
+          </p:nvPr>
+        </p:nvSpPr>
+        <p:spPr/>
+        <p:txBody>
+          <a:bodyPr/>
+          <a:lstStyle/>
+          <a:p>
+            <a:r>
+              <a:rPr lang="en-US" smtClean="0"/>
+              <a:t>© EV3Lessons.com, 2016, (Last edit: 07/04/16)</a:t>
+            </a:r>
+            <a:endParaRPr lang="en-US"/>
+          </a:p>
+        </p:txBody>
+      </p:sp>
+      <p:sp>
+        <p:nvSpPr>
           <p:cNvPr id="4" name="Slide Number Placeholder 3"/>
           <p:cNvSpPr>
             <a:spLocks noGrp="1"/>
@@ -5363,29 +8589,6 @@
               <a:rPr lang="en-US" smtClean="0"/>
               <a:t>11</a:t>
             </a:fld>
-            <a:endParaRPr lang="en-US"/>
-          </a:p>
-        </p:txBody>
-      </p:sp>
-      <p:sp>
-        <p:nvSpPr>
-          <p:cNvPr id="6" name="Footer Placeholder 5"/>
-          <p:cNvSpPr>
-            <a:spLocks noGrp="1"/>
-          </p:cNvSpPr>
-          <p:nvPr>
-            <p:ph type="ftr" sz="quarter" idx="11"/>
-          </p:nvPr>
-        </p:nvSpPr>
-        <p:spPr/>
-        <p:txBody>
-          <a:bodyPr/>
-          <a:lstStyle/>
-          <a:p>
-            <a:r>
-              <a:rPr lang="en-US" smtClean="0"/>
-              <a:t>© EV3Lessons.com, 2015, (Last edit: 11/01/15)</a:t>
-            </a:r>
             <a:endParaRPr lang="en-US"/>
           </a:p>
         </p:txBody>
@@ -5402,7 +8605,7 @@
           <a:blip r:embed="rId2">
             <a:extLst>
               <a:ext uri="{28A0092B-C50C-407E-A947-70E740481C1C}">
-                <a14:useLocalDpi xmlns:a14="http://schemas.microsoft.com/office/drawing/2010/main" val="0"/>
+                <a14:useLocalDpi xmlns:a14="http://schemas.microsoft.com/office/drawing/2010/main"/>
               </a:ext>
             </a:extLst>
           </a:blip>
@@ -5664,7 +8867,7 @@
           <a:p>
             <a:r>
               <a:rPr lang="en-US" smtClean="0"/>
-              <a:t>© EV3Lessons.com, 2015, (Last edit: 11/01/15)</a:t>
+              <a:t>© EV3Lessons.com, 2016, (Last edit: 07/04/16)</a:t>
             </a:r>
             <a:endParaRPr lang="en-US"/>
           </a:p>
@@ -5989,8 +9192,8 @@
         </p:nvSpPr>
         <p:spPr>
           <a:xfrm>
-            <a:off x="457200" y="1124832"/>
-            <a:ext cx="8245474" cy="4963057"/>
+            <a:off x="457200" y="1541929"/>
+            <a:ext cx="8245474" cy="4545960"/>
           </a:xfrm>
         </p:spPr>
         <p:txBody>
@@ -6005,8 +9208,17 @@
             </a:pPr>
             <a:r>
               <a:rPr lang="en-US" sz="1800" dirty="0" smtClean="0"/>
-              <a:t>This tutorial was created by Sanjay Seshan and Arvind Seshan from Droids Robotics.</a:t>
-            </a:r>
+              <a:t>This tutorial was created by Sanjay Seshan and Arvind </a:t>
+            </a:r>
+            <a:r>
+              <a:rPr lang="en-US" sz="1800" dirty="0" err="1" smtClean="0"/>
+              <a:t>Seshan</a:t>
+            </a:r>
+            <a:r>
+              <a:rPr lang="en-US" sz="1800" dirty="0" smtClean="0"/>
+              <a:t> </a:t>
+            </a:r>
+            <a:endParaRPr lang="en-US" sz="1800" dirty="0" smtClean="0"/>
           </a:p>
           <a:p>
             <a:pPr marL="342900" indent="-342900">
@@ -6015,23 +9227,15 @@
             </a:pPr>
             <a:r>
               <a:rPr lang="en-US" sz="1800" dirty="0" smtClean="0"/>
-              <a:t>More lessons are available at www.ev3lessons.com</a:t>
-            </a:r>
-          </a:p>
-          <a:p>
-            <a:pPr marL="342900" indent="-342900">
-              <a:buFont typeface="Arial"/>
-              <a:buChar char="•"/>
-            </a:pPr>
+              <a:t>More </a:t>
+            </a:r>
             <a:r>
               <a:rPr lang="en-US" sz="1800" dirty="0" smtClean="0"/>
-              <a:t>Author’s Email: </a:t>
-            </a:r>
-            <a:r>
-              <a:rPr lang="en-US" sz="1800" dirty="0" smtClean="0">
-                <a:hlinkClick r:id="rId2"/>
-              </a:rPr>
-              <a:t>team@droidsrobotics.org</a:t>
+              <a:t>lessons are available at </a:t>
+            </a:r>
+            <a:r>
+              <a:rPr lang="en-US" sz="1800" dirty="0" smtClean="0"/>
+              <a:t>www.ev3lessons.com</a:t>
             </a:r>
             <a:r>
               <a:rPr lang="en-US" sz="1800" b="0" dirty="0"/>
@@ -6041,6 +9245,52 @@
               <a:rPr lang="en-US" sz="1800" b="0" dirty="0"/>
             </a:br>
             <a:endParaRPr lang="en-US" sz="1800" dirty="0" smtClean="0"/>
+          </a:p>
+        </p:txBody>
+      </p:sp>
+      <p:sp>
+        <p:nvSpPr>
+          <p:cNvPr id="4" name="Footer Placeholder 3"/>
+          <p:cNvSpPr>
+            <a:spLocks noGrp="1"/>
+          </p:cNvSpPr>
+          <p:nvPr>
+            <p:ph type="ftr" sz="quarter" idx="11"/>
+          </p:nvPr>
+        </p:nvSpPr>
+        <p:spPr/>
+        <p:txBody>
+          <a:bodyPr/>
+          <a:lstStyle/>
+          <a:p>
+            <a:r>
+              <a:rPr lang="en-US" smtClean="0"/>
+              <a:t>© EV3Lessons.com, 2016, (Last edit: 07/04/16)</a:t>
+            </a:r>
+            <a:endParaRPr lang="en-US"/>
+          </a:p>
+        </p:txBody>
+      </p:sp>
+      <p:sp>
+        <p:nvSpPr>
+          <p:cNvPr id="5" name="Slide Number Placeholder 4"/>
+          <p:cNvSpPr>
+            <a:spLocks noGrp="1"/>
+          </p:cNvSpPr>
+          <p:nvPr>
+            <p:ph type="sldNum" sz="quarter" idx="12"/>
+          </p:nvPr>
+        </p:nvSpPr>
+        <p:spPr/>
+        <p:txBody>
+          <a:bodyPr/>
+          <a:lstStyle/>
+          <a:p>
+            <a:fld id="{4DBC7FC8-25FB-FC45-8177-2B991DA6778C}" type="slidenum">
+              <a:rPr lang="en-US" smtClean="0"/>
+              <a:t>13</a:t>
+            </a:fld>
+            <a:endParaRPr lang="en-US"/>
           </a:p>
         </p:txBody>
       </p:sp>
@@ -6069,7 +9319,7 @@
           <a:effectLst/>
           <a:extLst>
             <a:ext uri="{91240B29-F687-4f45-9708-019B960494DF}">
-              <a14:hiddenLine xmlns:a14="http://schemas.microsoft.com/office/drawing/2010/main" xmlns="" w="9525">
+              <a14:hiddenLine xmlns="" xmlns:a14="http://schemas.microsoft.com/office/drawing/2010/main" w="9525">
                 <a:solidFill>
                   <a:schemeClr val="tx1"/>
                 </a:solidFill>
@@ -6079,7 +9329,7 @@
               </a14:hiddenLine>
             </a:ext>
             <a:ext uri="{AF507438-7753-43e0-B8FC-AC1667EBCBE1}">
-              <a14:hiddenEffects xmlns:a14="http://schemas.microsoft.com/office/drawing/2010/main" xmlns="">
+              <a14:hiddenEffects xmlns="" xmlns:a14="http://schemas.microsoft.com/office/drawing/2010/main">
                 <a:effectLst>
                   <a:outerShdw dist="35921" dir="2700000" algn="ctr" rotWithShape="0">
                     <a:schemeClr val="bg2"/>
@@ -6300,7 +9550,7 @@
                 </a:solidFill>
                 <a:effectLst/>
                 <a:latin typeface="Helvetica Neue"/>
-                <a:hlinkClick r:id="rId3"/>
+                <a:hlinkClick r:id="rId2"/>
               </a:rPr>
               <a:t>Creative Commons Attribution-</a:t>
             </a:r>
@@ -6314,7 +9564,7 @@
                 </a:solidFill>
                 <a:effectLst/>
                 <a:latin typeface="Helvetica Neue"/>
-                <a:hlinkClick r:id="rId3"/>
+                <a:hlinkClick r:id="rId2"/>
               </a:rPr>
               <a:t>NonCommercial</a:t>
             </a:r>
@@ -6328,7 +9578,7 @@
                 </a:solidFill>
                 <a:effectLst/>
                 <a:latin typeface="Helvetica Neue"/>
-                <a:hlinkClick r:id="rId3"/>
+                <a:hlinkClick r:id="rId2"/>
               </a:rPr>
               <a:t>-</a:t>
             </a:r>
@@ -6342,7 +9592,7 @@
                 </a:solidFill>
                 <a:effectLst/>
                 <a:latin typeface="Helvetica Neue"/>
-                <a:hlinkClick r:id="rId3"/>
+                <a:hlinkClick r:id="rId2"/>
               </a:rPr>
               <a:t>ShareAlike</a:t>
             </a:r>
@@ -6356,7 +9606,7 @@
                 </a:solidFill>
                 <a:effectLst/>
                 <a:latin typeface="Helvetica Neue"/>
-                <a:hlinkClick r:id="rId3"/>
+                <a:hlinkClick r:id="rId2"/>
               </a:rPr>
               <a:t> 4.0 International License</a:t>
             </a:r>
@@ -6401,7 +9651,7 @@
       <p:pic>
         <p:nvPicPr>
           <p:cNvPr id="2050" name="Picture 2" descr="Creative Commons License">
-            <a:hlinkClick r:id="rId3"/>
+            <a:hlinkClick r:id="rId2"/>
           </p:cNvPr>
           <p:cNvPicPr>
             <a:picLocks noChangeAspect="1" noChangeArrowheads="1"/>
@@ -6409,10 +9659,10 @@
           <p:nvPr/>
         </p:nvPicPr>
         <p:blipFill>
-          <a:blip r:embed="rId4">
+          <a:blip r:embed="rId3">
             <a:extLst>
               <a:ext uri="{28A0092B-C50C-407E-A947-70E740481C1C}">
-                <a14:useLocalDpi xmlns:a14="http://schemas.microsoft.com/office/drawing/2010/main" val="0"/>
+                <a14:useLocalDpi xmlns:a14="http://schemas.microsoft.com/office/drawing/2010/main"/>
               </a:ext>
             </a:extLst>
           </a:blip>
@@ -6432,7 +9682,7 @@
           <a:noFill/>
           <a:extLst>
             <a:ext uri="{909E8E84-426E-40dd-AFC4-6F175D3DCCD1}">
-              <a14:hiddenFill xmlns:a14="http://schemas.microsoft.com/office/drawing/2010/main" xmlns="">
+              <a14:hiddenFill xmlns="" xmlns:a14="http://schemas.microsoft.com/office/drawing/2010/main">
                 <a:solidFill>
                   <a:srgbClr val="FFFFFF"/>
                 </a:solidFill>
@@ -6441,52 +9691,6 @@
           </a:extLst>
         </p:spPr>
       </p:pic>
-      <p:sp>
-        <p:nvSpPr>
-          <p:cNvPr id="5" name="Slide Number Placeholder 4"/>
-          <p:cNvSpPr>
-            <a:spLocks noGrp="1"/>
-          </p:cNvSpPr>
-          <p:nvPr>
-            <p:ph type="sldNum" sz="quarter" idx="12"/>
-          </p:nvPr>
-        </p:nvSpPr>
-        <p:spPr/>
-        <p:txBody>
-          <a:bodyPr/>
-          <a:lstStyle/>
-          <a:p>
-            <a:fld id="{4DBC7FC8-25FB-FC45-8177-2B991DA6778C}" type="slidenum">
-              <a:rPr lang="en-US" smtClean="0"/>
-              <a:t>13</a:t>
-            </a:fld>
-            <a:endParaRPr lang="en-US"/>
-          </a:p>
-        </p:txBody>
-      </p:sp>
-      <p:sp>
-        <p:nvSpPr>
-          <p:cNvPr id="4" name="Footer Placeholder 3"/>
-          <p:cNvSpPr>
-            <a:spLocks noGrp="1"/>
-          </p:cNvSpPr>
-          <p:nvPr>
-            <p:ph type="ftr" sz="quarter" idx="11"/>
-          </p:nvPr>
-        </p:nvSpPr>
-        <p:spPr/>
-        <p:txBody>
-          <a:bodyPr/>
-          <a:lstStyle/>
-          <a:p>
-            <a:r>
-              <a:rPr lang="en-US" smtClean="0"/>
-              <a:t>© EV3Lessons.com, 2015, (Last edit: 11/01/15)</a:t>
-            </a:r>
-            <a:endParaRPr lang="en-US"/>
-          </a:p>
-        </p:txBody>
-      </p:sp>
     </p:spTree>
     <p:extLst>
       <p:ext uri="{BB962C8B-B14F-4D97-AF65-F5344CB8AC3E}">
@@ -6628,7 +9832,7 @@
           <a:p>
             <a:r>
               <a:rPr lang="en-US" smtClean="0"/>
-              <a:t>© EV3Lessons.com, 2015, (Last edit: 11/01/15)</a:t>
+              <a:t>© EV3Lessons.com, 2016, (Last edit: 07/04/16)</a:t>
             </a:r>
             <a:endParaRPr lang="en-US"/>
           </a:p>
@@ -6792,6 +9996,29 @@
       </p:sp>
       <p:sp>
         <p:nvSpPr>
+          <p:cNvPr id="5" name="Footer Placeholder 4"/>
+          <p:cNvSpPr>
+            <a:spLocks noGrp="1"/>
+          </p:cNvSpPr>
+          <p:nvPr>
+            <p:ph type="ftr" sz="quarter" idx="11"/>
+          </p:nvPr>
+        </p:nvSpPr>
+        <p:spPr/>
+        <p:txBody>
+          <a:bodyPr/>
+          <a:lstStyle/>
+          <a:p>
+            <a:r>
+              <a:rPr lang="en-US" smtClean="0"/>
+              <a:t>© EV3Lessons.com, 2016, (Last edit: 07/04/16)</a:t>
+            </a:r>
+            <a:endParaRPr lang="en-US"/>
+          </a:p>
+        </p:txBody>
+      </p:sp>
+      <p:sp>
+        <p:nvSpPr>
           <p:cNvPr id="4" name="Slide Number Placeholder 3"/>
           <p:cNvSpPr>
             <a:spLocks noGrp="1"/>
@@ -6826,7 +10053,7 @@
           <a:blip r:embed="rId3">
             <a:extLst>
               <a:ext uri="{28A0092B-C50C-407E-A947-70E740481C1C}">
-                <a14:useLocalDpi xmlns:a14="http://schemas.microsoft.com/office/drawing/2010/main" val="0"/>
+                <a14:useLocalDpi xmlns:a14="http://schemas.microsoft.com/office/drawing/2010/main"/>
               </a:ext>
             </a:extLst>
           </a:blip>
@@ -6837,7 +10064,7 @@
         </p:blipFill>
         <p:spPr bwMode="auto">
           <a:xfrm>
-            <a:off x="1126837" y="4346768"/>
+            <a:off x="786179" y="4297339"/>
             <a:ext cx="5715070" cy="1828824"/>
           </a:xfrm>
           <a:prstGeom prst="rect">
@@ -6846,7 +10073,7 @@
           <a:noFill/>
           <a:extLst>
             <a:ext uri="{909E8E84-426E-40dd-AFC4-6F175D3DCCD1}">
-              <a14:hiddenFill xmlns:a14="http://schemas.microsoft.com/office/drawing/2010/main" xmlns="">
+              <a14:hiddenFill xmlns="" xmlns:a14="http://schemas.microsoft.com/office/drawing/2010/main">
                 <a:solidFill>
                   <a:srgbClr val="FFFFFF"/>
                 </a:solidFill>
@@ -6863,7 +10090,7 @@
         </p:nvSpPr>
         <p:spPr>
           <a:xfrm>
-            <a:off x="457200" y="6225020"/>
+            <a:off x="457199" y="6280694"/>
             <a:ext cx="7369475" cy="261610"/>
           </a:xfrm>
           <a:prstGeom prst="rect">
@@ -6901,26 +10128,62 @@
           </a:p>
         </p:txBody>
       </p:sp>
-      <p:sp>
-        <p:nvSpPr>
-          <p:cNvPr id="5" name="Footer Placeholder 4"/>
-          <p:cNvSpPr>
-            <a:spLocks noGrp="1"/>
-          </p:cNvSpPr>
-          <p:nvPr>
-            <p:ph type="ftr" sz="quarter" idx="11"/>
-          </p:nvPr>
-        </p:nvSpPr>
-        <p:spPr/>
-        <p:txBody>
-          <a:bodyPr/>
-          <a:lstStyle/>
-          <a:p>
-            <a:r>
-              <a:rPr lang="en-US" smtClean="0"/>
-              <a:t>© EV3Lessons.com, 2015, (Last edit: 11/01/15)</a:t>
-            </a:r>
-            <a:endParaRPr lang="en-US"/>
+      <p:pic>
+        <p:nvPicPr>
+          <p:cNvPr id="6" name="Picture 5"/>
+          <p:cNvPicPr>
+            <a:picLocks noChangeAspect="1"/>
+          </p:cNvPicPr>
+          <p:nvPr/>
+        </p:nvPicPr>
+        <p:blipFill rotWithShape="1">
+          <a:blip r:embed="rId5" cstate="print">
+            <a:extLst>
+              <a:ext uri="{28A0092B-C50C-407E-A947-70E740481C1C}">
+                <a14:useLocalDpi xmlns:a14="http://schemas.microsoft.com/office/drawing/2010/main"/>
+              </a:ext>
+            </a:extLst>
+          </a:blip>
+          <a:srcRect/>
+          <a:stretch/>
+        </p:blipFill>
+        <p:spPr>
+          <a:xfrm>
+            <a:off x="6637774" y="4297339"/>
+            <a:ext cx="1587717" cy="1753105"/>
+          </a:xfrm>
+          <a:prstGeom prst="rect">
+            <a:avLst/>
+          </a:prstGeom>
+        </p:spPr>
+      </p:pic>
+      <p:sp>
+        <p:nvSpPr>
+          <p:cNvPr id="7" name="TextBox 6"/>
+          <p:cNvSpPr txBox="1"/>
+          <p:nvPr/>
+        </p:nvSpPr>
+        <p:spPr>
+          <a:xfrm>
+            <a:off x="6966976" y="5801527"/>
+            <a:ext cx="1326777" cy="261610"/>
+          </a:xfrm>
+          <a:prstGeom prst="rect">
+            <a:avLst/>
+          </a:prstGeom>
+          <a:noFill/>
+        </p:spPr>
+        <p:txBody>
+          <a:bodyPr wrap="square" rtlCol="0">
+            <a:spAutoFit/>
+          </a:bodyPr>
+          <a:lstStyle/>
+          <a:p>
+            <a:r>
+              <a:rPr lang="en-US" sz="1100" dirty="0" smtClean="0"/>
+              <a:t>Infrared Sensor</a:t>
+            </a:r>
+            <a:endParaRPr lang="en-US" sz="1100" dirty="0"/>
           </a:p>
         </p:txBody>
       </p:sp>
@@ -7093,6 +10356,29 @@
       </p:sp>
       <p:sp>
         <p:nvSpPr>
+          <p:cNvPr id="7" name="Footer Placeholder 6"/>
+          <p:cNvSpPr>
+            <a:spLocks noGrp="1"/>
+          </p:cNvSpPr>
+          <p:nvPr>
+            <p:ph type="ftr" sz="quarter" idx="11"/>
+          </p:nvPr>
+        </p:nvSpPr>
+        <p:spPr/>
+        <p:txBody>
+          <a:bodyPr/>
+          <a:lstStyle/>
+          <a:p>
+            <a:r>
+              <a:rPr lang="en-US" smtClean="0"/>
+              <a:t>© EV3Lessons.com, 2016, (Last edit: 07/04/16)</a:t>
+            </a:r>
+            <a:endParaRPr lang="en-US"/>
+          </a:p>
+        </p:txBody>
+      </p:sp>
+      <p:sp>
+        <p:nvSpPr>
           <p:cNvPr id="4" name="Slide Number Placeholder 3"/>
           <p:cNvSpPr>
             <a:spLocks noGrp="1"/>
@@ -7110,29 +10396,6 @@
               <a:rPr lang="en-US" smtClean="0"/>
               <a:t>4</a:t>
             </a:fld>
-            <a:endParaRPr lang="en-US"/>
-          </a:p>
-        </p:txBody>
-      </p:sp>
-      <p:sp>
-        <p:nvSpPr>
-          <p:cNvPr id="7" name="Footer Placeholder 6"/>
-          <p:cNvSpPr>
-            <a:spLocks noGrp="1"/>
-          </p:cNvSpPr>
-          <p:nvPr>
-            <p:ph type="ftr" sz="quarter" idx="11"/>
-          </p:nvPr>
-        </p:nvSpPr>
-        <p:spPr/>
-        <p:txBody>
-          <a:bodyPr/>
-          <a:lstStyle/>
-          <a:p>
-            <a:r>
-              <a:rPr lang="en-US" smtClean="0"/>
-              <a:t>© EV3Lessons.com, 2015, (Last edit: 11/01/15)</a:t>
-            </a:r>
             <a:endParaRPr lang="en-US"/>
           </a:p>
         </p:txBody>
@@ -7146,14 +10409,14 @@
           <p:nvPr/>
         </p:nvPicPr>
         <p:blipFill rotWithShape="1">
-          <a:blip r:embed="rId2">
+          <a:blip r:embed="rId2" cstate="print">
             <a:extLst>
               <a:ext uri="{28A0092B-C50C-407E-A947-70E740481C1C}">
-                <a14:useLocalDpi xmlns:a14="http://schemas.microsoft.com/office/drawing/2010/main" val="0"/>
+                <a14:useLocalDpi xmlns:a14="http://schemas.microsoft.com/office/drawing/2010/main"/>
               </a:ext>
             </a:extLst>
           </a:blip>
-          <a:srcRect t="9221" r="21771" b="11300"/>
+          <a:srcRect/>
           <a:stretch/>
         </p:blipFill>
         <p:spPr>
@@ -8074,6 +11337,29 @@
       </p:graphicFrame>
       <p:sp>
         <p:nvSpPr>
+          <p:cNvPr id="3" name="Footer Placeholder 2"/>
+          <p:cNvSpPr>
+            <a:spLocks noGrp="1"/>
+          </p:cNvSpPr>
+          <p:nvPr>
+            <p:ph type="ftr" sz="quarter" idx="11"/>
+          </p:nvPr>
+        </p:nvSpPr>
+        <p:spPr/>
+        <p:txBody>
+          <a:bodyPr/>
+          <a:lstStyle/>
+          <a:p>
+            <a:r>
+              <a:rPr lang="en-US" smtClean="0"/>
+              <a:t>© EV3Lessons.com, 2016, (Last edit: 07/04/16)</a:t>
+            </a:r>
+            <a:endParaRPr lang="en-US"/>
+          </a:p>
+        </p:txBody>
+      </p:sp>
+      <p:sp>
+        <p:nvSpPr>
           <p:cNvPr id="4" name="Slide Number Placeholder 3"/>
           <p:cNvSpPr>
             <a:spLocks noGrp="1"/>
@@ -8091,29 +11377,6 @@
               <a:rPr lang="en-US" smtClean="0"/>
               <a:t>5</a:t>
             </a:fld>
-            <a:endParaRPr lang="en-US"/>
-          </a:p>
-        </p:txBody>
-      </p:sp>
-      <p:sp>
-        <p:nvSpPr>
-          <p:cNvPr id="3" name="Footer Placeholder 2"/>
-          <p:cNvSpPr>
-            <a:spLocks noGrp="1"/>
-          </p:cNvSpPr>
-          <p:nvPr>
-            <p:ph type="ftr" sz="quarter" idx="11"/>
-          </p:nvPr>
-        </p:nvSpPr>
-        <p:spPr/>
-        <p:txBody>
-          <a:bodyPr/>
-          <a:lstStyle/>
-          <a:p>
-            <a:r>
-              <a:rPr lang="en-US" smtClean="0"/>
-              <a:t>© EV3Lessons.com, 2015, (Last edit: 11/01/15)</a:t>
-            </a:r>
             <a:endParaRPr lang="en-US"/>
           </a:p>
         </p:txBody>
@@ -8293,6 +11556,52 @@
           </a:p>
         </p:txBody>
       </p:sp>
+      <p:sp>
+        <p:nvSpPr>
+          <p:cNvPr id="7" name="Footer Placeholder 6"/>
+          <p:cNvSpPr>
+            <a:spLocks noGrp="1"/>
+          </p:cNvSpPr>
+          <p:nvPr>
+            <p:ph type="ftr" sz="quarter" idx="11"/>
+          </p:nvPr>
+        </p:nvSpPr>
+        <p:spPr/>
+        <p:txBody>
+          <a:bodyPr/>
+          <a:lstStyle/>
+          <a:p>
+            <a:r>
+              <a:rPr lang="en-US" smtClean="0"/>
+              <a:t>© EV3Lessons.com, 2016, (Last edit: 07/04/16)</a:t>
+            </a:r>
+            <a:endParaRPr lang="en-US"/>
+          </a:p>
+        </p:txBody>
+      </p:sp>
+      <p:sp>
+        <p:nvSpPr>
+          <p:cNvPr id="10" name="Slide Number Placeholder 9"/>
+          <p:cNvSpPr>
+            <a:spLocks noGrp="1"/>
+          </p:cNvSpPr>
+          <p:nvPr>
+            <p:ph type="sldNum" sz="quarter" idx="12"/>
+          </p:nvPr>
+        </p:nvSpPr>
+        <p:spPr/>
+        <p:txBody>
+          <a:bodyPr/>
+          <a:lstStyle/>
+          <a:p>
+            <a:fld id="{4DBC7FC8-25FB-FC45-8177-2B991DA6778C}" type="slidenum">
+              <a:rPr lang="en-US" smtClean="0"/>
+              <a:t>6</a:t>
+            </a:fld>
+            <a:endParaRPr lang="en-US"/>
+          </a:p>
+        </p:txBody>
+      </p:sp>
       <p:pic>
         <p:nvPicPr>
           <p:cNvPr id="6" name="Picture 5" descr="Screen Shot 2014-08-07 at 12.27.34 PM.png"/>
@@ -8305,7 +11614,7 @@
           <a:blip r:embed="rId2">
             <a:extLst>
               <a:ext uri="{28A0092B-C50C-407E-A947-70E740481C1C}">
-                <a14:useLocalDpi xmlns:a14="http://schemas.microsoft.com/office/drawing/2010/main" val="0"/>
+                <a14:useLocalDpi xmlns:a14="http://schemas.microsoft.com/office/drawing/2010/main"/>
               </a:ext>
             </a:extLst>
           </a:blip>
@@ -8335,7 +11644,7 @@
           <a:blip r:embed="rId3">
             <a:extLst>
               <a:ext uri="{28A0092B-C50C-407E-A947-70E740481C1C}">
-                <a14:useLocalDpi xmlns:a14="http://schemas.microsoft.com/office/drawing/2010/main" val="0"/>
+                <a14:useLocalDpi xmlns:a14="http://schemas.microsoft.com/office/drawing/2010/main"/>
               </a:ext>
             </a:extLst>
           </a:blip>
@@ -8406,29 +11715,6 @@
                 </a:solidFill>
               </a:ln>
             </a:endParaRPr>
-          </a:p>
-        </p:txBody>
-      </p:sp>
-      <p:sp>
-        <p:nvSpPr>
-          <p:cNvPr id="10" name="Slide Number Placeholder 9"/>
-          <p:cNvSpPr>
-            <a:spLocks noGrp="1"/>
-          </p:cNvSpPr>
-          <p:nvPr>
-            <p:ph type="sldNum" sz="quarter" idx="12"/>
-          </p:nvPr>
-        </p:nvSpPr>
-        <p:spPr/>
-        <p:txBody>
-          <a:bodyPr/>
-          <a:lstStyle/>
-          <a:p>
-            <a:fld id="{4DBC7FC8-25FB-FC45-8177-2B991DA6778C}" type="slidenum">
-              <a:rPr lang="en-US" smtClean="0"/>
-              <a:t>6</a:t>
-            </a:fld>
-            <a:endParaRPr lang="en-US"/>
           </a:p>
         </p:txBody>
       </p:sp>
@@ -8632,29 +11918,6 @@
           </a:p>
         </p:txBody>
       </p:sp>
-      <p:sp>
-        <p:nvSpPr>
-          <p:cNvPr id="7" name="Footer Placeholder 6"/>
-          <p:cNvSpPr>
-            <a:spLocks noGrp="1"/>
-          </p:cNvSpPr>
-          <p:nvPr>
-            <p:ph type="ftr" sz="quarter" idx="11"/>
-          </p:nvPr>
-        </p:nvSpPr>
-        <p:spPr/>
-        <p:txBody>
-          <a:bodyPr/>
-          <a:lstStyle/>
-          <a:p>
-            <a:r>
-              <a:rPr lang="en-US" smtClean="0"/>
-              <a:t>© EV3Lessons.com, 2015, (Last edit: 11/01/15)</a:t>
-            </a:r>
-            <a:endParaRPr lang="en-US"/>
-          </a:p>
-        </p:txBody>
-      </p:sp>
       <p:pic>
         <p:nvPicPr>
           <p:cNvPr id="11" name="Picture 10" descr="Screen Shot 2014-08-08 at 6.00.39 PM.png"/>
@@ -8664,14 +11927,14 @@
           <p:nvPr/>
         </p:nvPicPr>
         <p:blipFill rotWithShape="1">
-          <a:blip r:embed="rId4">
+          <a:blip r:embed="rId4" cstate="print">
             <a:extLst>
               <a:ext uri="{28A0092B-C50C-407E-A947-70E740481C1C}">
-                <a14:useLocalDpi xmlns:a14="http://schemas.microsoft.com/office/drawing/2010/main" val="0"/>
+                <a14:useLocalDpi xmlns:a14="http://schemas.microsoft.com/office/drawing/2010/main"/>
               </a:ext>
             </a:extLst>
           </a:blip>
-          <a:srcRect t="9221" r="21771" b="11300"/>
+          <a:srcRect/>
           <a:stretch/>
         </p:blipFill>
         <p:spPr>
@@ -8864,7 +12127,7 @@
           <a:p>
             <a:r>
               <a:rPr lang="en-US" smtClean="0"/>
-              <a:t>© EV3Lessons.com, 2015, (Last edit: 11/01/15)</a:t>
+              <a:t>© EV3Lessons.com, 2016, (Last edit: 07/04/16)</a:t>
             </a:r>
             <a:endParaRPr lang="en-US"/>
           </a:p>
@@ -9188,7 +12451,7 @@
           <a:blip r:embed="rId2">
             <a:extLst>
               <a:ext uri="{28A0092B-C50C-407E-A947-70E740481C1C}">
-                <a14:useLocalDpi xmlns:a14="http://schemas.microsoft.com/office/drawing/2010/main" val="0"/>
+                <a14:useLocalDpi xmlns:a14="http://schemas.microsoft.com/office/drawing/2010/main"/>
               </a:ext>
             </a:extLst>
           </a:blip>
@@ -9340,6 +12603,52 @@
           </a:p>
         </p:txBody>
       </p:sp>
+      <p:sp>
+        <p:nvSpPr>
+          <p:cNvPr id="10" name="Footer Placeholder 9"/>
+          <p:cNvSpPr>
+            <a:spLocks noGrp="1"/>
+          </p:cNvSpPr>
+          <p:nvPr>
+            <p:ph type="ftr" sz="quarter" idx="11"/>
+          </p:nvPr>
+        </p:nvSpPr>
+        <p:spPr/>
+        <p:txBody>
+          <a:bodyPr/>
+          <a:lstStyle/>
+          <a:p>
+            <a:r>
+              <a:rPr lang="en-US" smtClean="0"/>
+              <a:t>© EV3Lessons.com, 2016, (Last edit: 07/04/16)</a:t>
+            </a:r>
+            <a:endParaRPr lang="en-US"/>
+          </a:p>
+        </p:txBody>
+      </p:sp>
+      <p:sp>
+        <p:nvSpPr>
+          <p:cNvPr id="12" name="Slide Number Placeholder 11"/>
+          <p:cNvSpPr>
+            <a:spLocks noGrp="1"/>
+          </p:cNvSpPr>
+          <p:nvPr>
+            <p:ph type="sldNum" sz="quarter" idx="12"/>
+          </p:nvPr>
+        </p:nvSpPr>
+        <p:spPr/>
+        <p:txBody>
+          <a:bodyPr/>
+          <a:lstStyle/>
+          <a:p>
+            <a:fld id="{4DBC7FC8-25FB-FC45-8177-2B991DA6778C}" type="slidenum">
+              <a:rPr lang="en-US" smtClean="0"/>
+              <a:t>8</a:t>
+            </a:fld>
+            <a:endParaRPr lang="en-US"/>
+          </a:p>
+        </p:txBody>
+      </p:sp>
       <p:pic>
         <p:nvPicPr>
           <p:cNvPr id="5" name="Picture 4"/>
@@ -9376,7 +12685,7 @@
           <a:blip r:embed="rId3">
             <a:extLst>
               <a:ext uri="{28A0092B-C50C-407E-A947-70E740481C1C}">
-                <a14:useLocalDpi xmlns:a14="http://schemas.microsoft.com/office/drawing/2010/main" val="0"/>
+                <a14:useLocalDpi xmlns:a14="http://schemas.microsoft.com/office/drawing/2010/main"/>
               </a:ext>
             </a:extLst>
           </a:blip>
@@ -9406,7 +12715,7 @@
           <a:blip r:embed="rId4">
             <a:extLst>
               <a:ext uri="{28A0092B-C50C-407E-A947-70E740481C1C}">
-                <a14:useLocalDpi xmlns:a14="http://schemas.microsoft.com/office/drawing/2010/main" val="0"/>
+                <a14:useLocalDpi xmlns:a14="http://schemas.microsoft.com/office/drawing/2010/main"/>
               </a:ext>
             </a:extLst>
           </a:blip>
@@ -9548,52 +12857,6 @@
               <a:t>You will combine: Move Steering + Wait Block </a:t>
             </a:r>
             <a:endParaRPr lang="en-US" dirty="0"/>
-          </a:p>
-        </p:txBody>
-      </p:sp>
-      <p:sp>
-        <p:nvSpPr>
-          <p:cNvPr id="12" name="Slide Number Placeholder 11"/>
-          <p:cNvSpPr>
-            <a:spLocks noGrp="1"/>
-          </p:cNvSpPr>
-          <p:nvPr>
-            <p:ph type="sldNum" sz="quarter" idx="12"/>
-          </p:nvPr>
-        </p:nvSpPr>
-        <p:spPr/>
-        <p:txBody>
-          <a:bodyPr/>
-          <a:lstStyle/>
-          <a:p>
-            <a:fld id="{4DBC7FC8-25FB-FC45-8177-2B991DA6778C}" type="slidenum">
-              <a:rPr lang="en-US" smtClean="0"/>
-              <a:t>8</a:t>
-            </a:fld>
-            <a:endParaRPr lang="en-US"/>
-          </a:p>
-        </p:txBody>
-      </p:sp>
-      <p:sp>
-        <p:nvSpPr>
-          <p:cNvPr id="10" name="Footer Placeholder 9"/>
-          <p:cNvSpPr>
-            <a:spLocks noGrp="1"/>
-          </p:cNvSpPr>
-          <p:nvPr>
-            <p:ph type="ftr" sz="quarter" idx="11"/>
-          </p:nvPr>
-        </p:nvSpPr>
-        <p:spPr/>
-        <p:txBody>
-          <a:bodyPr/>
-          <a:lstStyle/>
-          <a:p>
-            <a:r>
-              <a:rPr lang="en-US" smtClean="0"/>
-              <a:t>© EV3Lessons.com, 2015, (Last edit: 11/01/15)</a:t>
-            </a:r>
-            <a:endParaRPr lang="en-US"/>
           </a:p>
         </p:txBody>
       </p:sp>
@@ -9915,10 +13178,10 @@
           <p:nvPr/>
         </p:nvPicPr>
         <p:blipFill>
-          <a:blip r:embed="rId5">
+          <a:blip r:embed="rId5" cstate="print">
             <a:extLst>
               <a:ext uri="{28A0092B-C50C-407E-A947-70E740481C1C}">
-                <a14:useLocalDpi xmlns:a14="http://schemas.microsoft.com/office/drawing/2010/main" val="0"/>
+                <a14:useLocalDpi xmlns:a14="http://schemas.microsoft.com/office/drawing/2010/main"/>
               </a:ext>
             </a:extLst>
           </a:blip>
@@ -9938,7 +13201,7 @@
           <a:noFill/>
           <a:extLst>
             <a:ext uri="{909E8E84-426E-40dd-AFC4-6F175D3DCCD1}">
-              <a14:hiddenFill xmlns:a14="http://schemas.microsoft.com/office/drawing/2010/main" xmlns="">
+              <a14:hiddenFill xmlns="" xmlns:a14="http://schemas.microsoft.com/office/drawing/2010/main">
                 <a:solidFill>
                   <a:srgbClr val="FFFFFF"/>
                 </a:solidFill>
@@ -10032,6 +13295,29 @@
       </p:sp>
       <p:sp>
         <p:nvSpPr>
+          <p:cNvPr id="6" name="Footer Placeholder 5"/>
+          <p:cNvSpPr>
+            <a:spLocks noGrp="1"/>
+          </p:cNvSpPr>
+          <p:nvPr>
+            <p:ph type="ftr" sz="quarter" idx="11"/>
+          </p:nvPr>
+        </p:nvSpPr>
+        <p:spPr/>
+        <p:txBody>
+          <a:bodyPr/>
+          <a:lstStyle/>
+          <a:p>
+            <a:r>
+              <a:rPr lang="en-US" smtClean="0"/>
+              <a:t>© EV3Lessons.com, 2016, (Last edit: 07/04/16)</a:t>
+            </a:r>
+            <a:endParaRPr lang="en-US"/>
+          </a:p>
+        </p:txBody>
+      </p:sp>
+      <p:sp>
+        <p:nvSpPr>
           <p:cNvPr id="4" name="Slide Number Placeholder 3"/>
           <p:cNvSpPr>
             <a:spLocks noGrp="1"/>
@@ -10049,29 +13335,6 @@
               <a:rPr lang="en-US" smtClean="0"/>
               <a:t>9</a:t>
             </a:fld>
-            <a:endParaRPr lang="en-US"/>
-          </a:p>
-        </p:txBody>
-      </p:sp>
-      <p:sp>
-        <p:nvSpPr>
-          <p:cNvPr id="6" name="Footer Placeholder 5"/>
-          <p:cNvSpPr>
-            <a:spLocks noGrp="1"/>
-          </p:cNvSpPr>
-          <p:nvPr>
-            <p:ph type="ftr" sz="quarter" idx="11"/>
-          </p:nvPr>
-        </p:nvSpPr>
-        <p:spPr/>
-        <p:txBody>
-          <a:bodyPr/>
-          <a:lstStyle/>
-          <a:p>
-            <a:r>
-              <a:rPr lang="en-US" smtClean="0"/>
-              <a:t>© EV3Lessons.com, 2015, (Last edit: 11/01/15)</a:t>
-            </a:r>
             <a:endParaRPr lang="en-US"/>
           </a:p>
         </p:txBody>
@@ -10114,7 +13377,7 @@
 </file>
 
 <file path=ppt/theme/theme1.xml><?xml version="1.0" encoding="utf-8"?>
-<a:theme xmlns:a="http://schemas.openxmlformats.org/drawingml/2006/main" name="Essential">
+<a:theme xmlns:a="http://schemas.openxmlformats.org/drawingml/2006/main" name="beginner">
   <a:themeElements>
     <a:clrScheme name="Essential">
       <a:dk1>
@@ -10363,11 +13626,16 @@
   </a:themeElements>
   <a:objectDefaults/>
   <a:extraClrSchemeLst/>
+  <a:extLst>
+    <a:ext uri="{05A4C25C-085E-4340-85A3-A5531E510DB2}">
+      <thm15:themeFamily xmlns:thm15="http://schemas.microsoft.com/office/thememl/2012/main" name="beginner" id="{AEF29D72-34CC-C448-A679-08550D2D21D1}" vid="{04B54D62-7BE5-DF47-9F85-5B9FEF4E3E09}"/>
+    </a:ext>
+  </a:extLst>
 </a:theme>
 </file>
 
 <file path=ppt/theme/theme2.xml><?xml version="1.0" encoding="utf-8"?>
-<a:theme xmlns:a="http://schemas.openxmlformats.org/drawingml/2006/main" name="Office Theme">
+<a:theme xmlns:a="http://schemas.openxmlformats.org/drawingml/2006/main" name="Custom Design">
   <a:themeElements>
     <a:clrScheme name="Office">
       <a:dk1>
@@ -10377,39 +13645,39 @@
         <a:sysClr val="window" lastClr="FFFFFF"/>
       </a:lt1>
       <a:dk2>
-        <a:srgbClr val="1F497D"/>
+        <a:srgbClr val="44546A"/>
       </a:dk2>
       <a:lt2>
-        <a:srgbClr val="EEECE1"/>
+        <a:srgbClr val="E7E6E6"/>
       </a:lt2>
       <a:accent1>
-        <a:srgbClr val="4F81BD"/>
+        <a:srgbClr val="5B9BD5"/>
       </a:accent1>
       <a:accent2>
-        <a:srgbClr val="C0504D"/>
+        <a:srgbClr val="ED7D31"/>
       </a:accent2>
       <a:accent3>
-        <a:srgbClr val="9BBB59"/>
+        <a:srgbClr val="A5A5A5"/>
       </a:accent3>
       <a:accent4>
-        <a:srgbClr val="8064A2"/>
+        <a:srgbClr val="FFC000"/>
       </a:accent4>
       <a:accent5>
-        <a:srgbClr val="4BACC6"/>
+        <a:srgbClr val="4472C4"/>
       </a:accent5>
       <a:accent6>
-        <a:srgbClr val="F79646"/>
+        <a:srgbClr val="70AD47"/>
       </a:accent6>
       <a:hlink>
-        <a:srgbClr val="0000FF"/>
+        <a:srgbClr val="0563C1"/>
       </a:hlink>
       <a:folHlink>
-        <a:srgbClr val="800080"/>
+        <a:srgbClr val="954F72"/>
       </a:folHlink>
     </a:clrScheme>
     <a:fontScheme name="Office">
       <a:majorFont>
-        <a:latin typeface="Calibri"/>
+        <a:latin typeface="Calibri Light"/>
         <a:ea typeface=""/>
         <a:cs typeface=""/>
         <a:font script="Jpan" typeface="ＭＳ Ｐゴシック"/>
@@ -10488,201 +13756,142 @@
           <a:gsLst>
             <a:gs pos="0">
               <a:schemeClr val="phClr">
-                <a:tint val="50000"/>
-                <a:satMod val="300000"/>
+                <a:lumMod val="110000"/>
+                <a:satMod val="105000"/>
+                <a:tint val="67000"/>
               </a:schemeClr>
             </a:gs>
-            <a:gs pos="35000">
+            <a:gs pos="50000">
               <a:schemeClr val="phClr">
-                <a:tint val="37000"/>
-                <a:satMod val="300000"/>
+                <a:lumMod val="105000"/>
+                <a:satMod val="103000"/>
+                <a:tint val="73000"/>
               </a:schemeClr>
             </a:gs>
             <a:gs pos="100000">
               <a:schemeClr val="phClr">
-                <a:tint val="15000"/>
-                <a:satMod val="350000"/>
+                <a:lumMod val="105000"/>
+                <a:satMod val="109000"/>
+                <a:tint val="81000"/>
               </a:schemeClr>
             </a:gs>
           </a:gsLst>
-          <a:lin ang="16200000" scaled="1"/>
+          <a:lin ang="5400000" scaled="0"/>
         </a:gradFill>
         <a:gradFill rotWithShape="1">
           <a:gsLst>
             <a:gs pos="0">
               <a:schemeClr val="phClr">
-                <a:tint val="100000"/>
+                <a:satMod val="103000"/>
+                <a:lumMod val="102000"/>
+                <a:tint val="94000"/>
+              </a:schemeClr>
+            </a:gs>
+            <a:gs pos="50000">
+              <a:schemeClr val="phClr">
+                <a:satMod val="110000"/>
+                <a:lumMod val="100000"/>
                 <a:shade val="100000"/>
-                <a:satMod val="130000"/>
               </a:schemeClr>
             </a:gs>
             <a:gs pos="100000">
               <a:schemeClr val="phClr">
-                <a:tint val="50000"/>
-                <a:shade val="100000"/>
-                <a:satMod val="350000"/>
+                <a:lumMod val="99000"/>
+                <a:satMod val="120000"/>
+                <a:shade val="78000"/>
               </a:schemeClr>
             </a:gs>
           </a:gsLst>
-          <a:lin ang="16200000" scaled="0"/>
+          <a:lin ang="5400000" scaled="0"/>
         </a:gradFill>
       </a:fillStyleLst>
       <a:lnStyleLst>
-        <a:ln w="9525" cap="flat" cmpd="sng" algn="ctr">
-          <a:solidFill>
-            <a:schemeClr val="phClr">
-              <a:shade val="95000"/>
-              <a:satMod val="105000"/>
-            </a:schemeClr>
-          </a:solidFill>
-          <a:prstDash val="solid"/>
-        </a:ln>
-        <a:ln w="25400" cap="flat" cmpd="sng" algn="ctr">
+        <a:ln w="6350" cap="flat" cmpd="sng" algn="ctr">
           <a:solidFill>
             <a:schemeClr val="phClr"/>
           </a:solidFill>
           <a:prstDash val="solid"/>
+          <a:miter lim="800000"/>
         </a:ln>
-        <a:ln w="38100" cap="flat" cmpd="sng" algn="ctr">
+        <a:ln w="12700" cap="flat" cmpd="sng" algn="ctr">
           <a:solidFill>
             <a:schemeClr val="phClr"/>
           </a:solidFill>
           <a:prstDash val="solid"/>
+          <a:miter lim="800000"/>
+        </a:ln>
+        <a:ln w="19050" cap="flat" cmpd="sng" algn="ctr">
+          <a:solidFill>
+            <a:schemeClr val="phClr"/>
+          </a:solidFill>
+          <a:prstDash val="solid"/>
+          <a:miter lim="800000"/>
         </a:ln>
       </a:lnStyleLst>
       <a:effectStyleLst>
         <a:effectStyle>
+          <a:effectLst/>
+        </a:effectStyle>
+        <a:effectStyle>
+          <a:effectLst/>
+        </a:effectStyle>
+        <a:effectStyle>
           <a:effectLst>
-            <a:outerShdw blurRad="40000" dist="20000" dir="5400000" rotWithShape="0">
+            <a:outerShdw blurRad="57150" dist="19050" dir="5400000" algn="ctr" rotWithShape="0">
               <a:srgbClr val="000000">
-                <a:alpha val="38000"/>
+                <a:alpha val="63000"/>
               </a:srgbClr>
             </a:outerShdw>
           </a:effectLst>
-        </a:effectStyle>
-        <a:effectStyle>
-          <a:effectLst>
-            <a:outerShdw blurRad="40000" dist="23000" dir="5400000" rotWithShape="0">
-              <a:srgbClr val="000000">
-                <a:alpha val="35000"/>
-              </a:srgbClr>
-            </a:outerShdw>
-          </a:effectLst>
-        </a:effectStyle>
-        <a:effectStyle>
-          <a:effectLst>
-            <a:outerShdw blurRad="40000" dist="23000" dir="5400000" rotWithShape="0">
-              <a:srgbClr val="000000">
-                <a:alpha val="35000"/>
-              </a:srgbClr>
-            </a:outerShdw>
-          </a:effectLst>
-          <a:scene3d>
-            <a:camera prst="orthographicFront">
-              <a:rot lat="0" lon="0" rev="0"/>
-            </a:camera>
-            <a:lightRig rig="threePt" dir="t">
-              <a:rot lat="0" lon="0" rev="1200000"/>
-            </a:lightRig>
-          </a:scene3d>
-          <a:sp3d>
-            <a:bevelT w="63500" h="25400"/>
-          </a:sp3d>
         </a:effectStyle>
       </a:effectStyleLst>
       <a:bgFillStyleLst>
         <a:solidFill>
           <a:schemeClr val="phClr"/>
         </a:solidFill>
+        <a:solidFill>
+          <a:schemeClr val="phClr">
+            <a:tint val="95000"/>
+            <a:satMod val="170000"/>
+          </a:schemeClr>
+        </a:solidFill>
         <a:gradFill rotWithShape="1">
           <a:gsLst>
             <a:gs pos="0">
               <a:schemeClr val="phClr">
-                <a:tint val="40000"/>
-                <a:satMod val="350000"/>
+                <a:tint val="93000"/>
+                <a:satMod val="150000"/>
+                <a:shade val="98000"/>
+                <a:lumMod val="102000"/>
               </a:schemeClr>
             </a:gs>
-            <a:gs pos="40000">
+            <a:gs pos="50000">
               <a:schemeClr val="phClr">
-                <a:tint val="45000"/>
-                <a:shade val="99000"/>
-                <a:satMod val="350000"/>
+                <a:tint val="98000"/>
+                <a:satMod val="130000"/>
+                <a:shade val="90000"/>
+                <a:lumMod val="103000"/>
               </a:schemeClr>
             </a:gs>
             <a:gs pos="100000">
               <a:schemeClr val="phClr">
-                <a:shade val="20000"/>
-                <a:satMod val="255000"/>
+                <a:shade val="63000"/>
+                <a:satMod val="120000"/>
               </a:schemeClr>
             </a:gs>
           </a:gsLst>
-          <a:path path="circle">
-            <a:fillToRect l="50000" t="-80000" r="50000" b="180000"/>
-          </a:path>
-        </a:gradFill>
-        <a:gradFill rotWithShape="1">
-          <a:gsLst>
-            <a:gs pos="0">
-              <a:schemeClr val="phClr">
-                <a:tint val="80000"/>
-                <a:satMod val="300000"/>
-              </a:schemeClr>
-            </a:gs>
-            <a:gs pos="100000">
-              <a:schemeClr val="phClr">
-                <a:shade val="30000"/>
-                <a:satMod val="200000"/>
-              </a:schemeClr>
-            </a:gs>
-          </a:gsLst>
-          <a:path path="circle">
-            <a:fillToRect l="50000" t="50000" r="50000" b="50000"/>
-          </a:path>
+          <a:lin ang="5400000" scaled="0"/>
         </a:gradFill>
       </a:bgFillStyleLst>
     </a:fmtScheme>
   </a:themeElements>
-  <a:objectDefaults>
-    <a:spDef>
-      <a:spPr/>
-      <a:bodyPr/>
-      <a:lstStyle/>
-      <a:style>
-        <a:lnRef idx="1">
-          <a:schemeClr val="accent1"/>
-        </a:lnRef>
-        <a:fillRef idx="3">
-          <a:schemeClr val="accent1"/>
-        </a:fillRef>
-        <a:effectRef idx="2">
-          <a:schemeClr val="accent1"/>
-        </a:effectRef>
-        <a:fontRef idx="minor">
-          <a:schemeClr val="lt1"/>
-        </a:fontRef>
-      </a:style>
-    </a:spDef>
-    <a:lnDef>
-      <a:spPr/>
-      <a:bodyPr/>
-      <a:lstStyle/>
-      <a:style>
-        <a:lnRef idx="2">
-          <a:schemeClr val="accent1"/>
-        </a:lnRef>
-        <a:fillRef idx="0">
-          <a:schemeClr val="accent1"/>
-        </a:fillRef>
-        <a:effectRef idx="1">
-          <a:schemeClr val="accent1"/>
-        </a:effectRef>
-        <a:fontRef idx="minor">
-          <a:schemeClr val="tx1"/>
-        </a:fontRef>
-      </a:style>
-    </a:lnDef>
-  </a:objectDefaults>
+  <a:objectDefaults/>
   <a:extraClrSchemeLst/>
+  <a:extLst>
+    <a:ext uri="{05A4C25C-085E-4340-85A3-A5531E510DB2}">
+      <thm15:themeFamily xmlns:thm15="http://schemas.microsoft.com/office/thememl/2012/main" name="Office Theme" id="{62F939B6-93AF-4DB8-9C6B-D6C7DFDC589F}" vid="{4A3C46E8-61CC-4603-A589-7422A47A8E4A}"/>
+    </a:ext>
+  </a:extLst>
 </a:theme>
 </file>
 
@@ -11004,4 +14213,324 @@
   </a:objectDefaults>
   <a:extraClrSchemeLst/>
 </a:theme>
+</file>
+
+<file path=ppt/theme/theme4.xml><?xml version="1.0" encoding="utf-8"?>
+<a:theme xmlns:a="http://schemas.openxmlformats.org/drawingml/2006/main" name="Office Theme">
+  <a:themeElements>
+    <a:clrScheme name="Office">
+      <a:dk1>
+        <a:sysClr val="windowText" lastClr="000000"/>
+      </a:dk1>
+      <a:lt1>
+        <a:sysClr val="window" lastClr="FFFFFF"/>
+      </a:lt1>
+      <a:dk2>
+        <a:srgbClr val="1F497D"/>
+      </a:dk2>
+      <a:lt2>
+        <a:srgbClr val="EEECE1"/>
+      </a:lt2>
+      <a:accent1>
+        <a:srgbClr val="4F81BD"/>
+      </a:accent1>
+      <a:accent2>
+        <a:srgbClr val="C0504D"/>
+      </a:accent2>
+      <a:accent3>
+        <a:srgbClr val="9BBB59"/>
+      </a:accent3>
+      <a:accent4>
+        <a:srgbClr val="8064A2"/>
+      </a:accent4>
+      <a:accent5>
+        <a:srgbClr val="4BACC6"/>
+      </a:accent5>
+      <a:accent6>
+        <a:srgbClr val="F79646"/>
+      </a:accent6>
+      <a:hlink>
+        <a:srgbClr val="0000FF"/>
+      </a:hlink>
+      <a:folHlink>
+        <a:srgbClr val="800080"/>
+      </a:folHlink>
+    </a:clrScheme>
+    <a:fontScheme name="Office">
+      <a:majorFont>
+        <a:latin typeface="Calibri"/>
+        <a:ea typeface=""/>
+        <a:cs typeface=""/>
+        <a:font script="Jpan" typeface="ＭＳ Ｐゴシック"/>
+        <a:font script="Hang" typeface="맑은 고딕"/>
+        <a:font script="Hans" typeface="宋体"/>
+        <a:font script="Hant" typeface="新細明體"/>
+        <a:font script="Arab" typeface="Times New Roman"/>
+        <a:font script="Hebr" typeface="Times New Roman"/>
+        <a:font script="Thai" typeface="Angsana New"/>
+        <a:font script="Ethi" typeface="Nyala"/>
+        <a:font script="Beng" typeface="Vrinda"/>
+        <a:font script="Gujr" typeface="Shruti"/>
+        <a:font script="Khmr" typeface="MoolBoran"/>
+        <a:font script="Knda" typeface="Tunga"/>
+        <a:font script="Guru" typeface="Raavi"/>
+        <a:font script="Cans" typeface="Euphemia"/>
+        <a:font script="Cher" typeface="Plantagenet Cherokee"/>
+        <a:font script="Yiii" typeface="Microsoft Yi Baiti"/>
+        <a:font script="Tibt" typeface="Microsoft Himalaya"/>
+        <a:font script="Thaa" typeface="MV Boli"/>
+        <a:font script="Deva" typeface="Mangal"/>
+        <a:font script="Telu" typeface="Gautami"/>
+        <a:font script="Taml" typeface="Latha"/>
+        <a:font script="Syrc" typeface="Estrangelo Edessa"/>
+        <a:font script="Orya" typeface="Kalinga"/>
+        <a:font script="Mlym" typeface="Kartika"/>
+        <a:font script="Laoo" typeface="DokChampa"/>
+        <a:font script="Sinh" typeface="Iskoola Pota"/>
+        <a:font script="Mong" typeface="Mongolian Baiti"/>
+        <a:font script="Viet" typeface="Times New Roman"/>
+        <a:font script="Uigh" typeface="Microsoft Uighur"/>
+        <a:font script="Geor" typeface="Sylfaen"/>
+      </a:majorFont>
+      <a:minorFont>
+        <a:latin typeface="Calibri"/>
+        <a:ea typeface=""/>
+        <a:cs typeface=""/>
+        <a:font script="Jpan" typeface="ＭＳ Ｐゴシック"/>
+        <a:font script="Hang" typeface="맑은 고딕"/>
+        <a:font script="Hans" typeface="宋体"/>
+        <a:font script="Hant" typeface="新細明體"/>
+        <a:font script="Arab" typeface="Arial"/>
+        <a:font script="Hebr" typeface="Arial"/>
+        <a:font script="Thai" typeface="Cordia New"/>
+        <a:font script="Ethi" typeface="Nyala"/>
+        <a:font script="Beng" typeface="Vrinda"/>
+        <a:font script="Gujr" typeface="Shruti"/>
+        <a:font script="Khmr" typeface="DaunPenh"/>
+        <a:font script="Knda" typeface="Tunga"/>
+        <a:font script="Guru" typeface="Raavi"/>
+        <a:font script="Cans" typeface="Euphemia"/>
+        <a:font script="Cher" typeface="Plantagenet Cherokee"/>
+        <a:font script="Yiii" typeface="Microsoft Yi Baiti"/>
+        <a:font script="Tibt" typeface="Microsoft Himalaya"/>
+        <a:font script="Thaa" typeface="MV Boli"/>
+        <a:font script="Deva" typeface="Mangal"/>
+        <a:font script="Telu" typeface="Gautami"/>
+        <a:font script="Taml" typeface="Latha"/>
+        <a:font script="Syrc" typeface="Estrangelo Edessa"/>
+        <a:font script="Orya" typeface="Kalinga"/>
+        <a:font script="Mlym" typeface="Kartika"/>
+        <a:font script="Laoo" typeface="DokChampa"/>
+        <a:font script="Sinh" typeface="Iskoola Pota"/>
+        <a:font script="Mong" typeface="Mongolian Baiti"/>
+        <a:font script="Viet" typeface="Arial"/>
+        <a:font script="Uigh" typeface="Microsoft Uighur"/>
+        <a:font script="Geor" typeface="Sylfaen"/>
+      </a:minorFont>
+    </a:fontScheme>
+    <a:fmtScheme name="Office">
+      <a:fillStyleLst>
+        <a:solidFill>
+          <a:schemeClr val="phClr"/>
+        </a:solidFill>
+        <a:gradFill rotWithShape="1">
+          <a:gsLst>
+            <a:gs pos="0">
+              <a:schemeClr val="phClr">
+                <a:tint val="50000"/>
+                <a:satMod val="300000"/>
+              </a:schemeClr>
+            </a:gs>
+            <a:gs pos="35000">
+              <a:schemeClr val="phClr">
+                <a:tint val="37000"/>
+                <a:satMod val="300000"/>
+              </a:schemeClr>
+            </a:gs>
+            <a:gs pos="100000">
+              <a:schemeClr val="phClr">
+                <a:tint val="15000"/>
+                <a:satMod val="350000"/>
+              </a:schemeClr>
+            </a:gs>
+          </a:gsLst>
+          <a:lin ang="16200000" scaled="1"/>
+        </a:gradFill>
+        <a:gradFill rotWithShape="1">
+          <a:gsLst>
+            <a:gs pos="0">
+              <a:schemeClr val="phClr">
+                <a:tint val="100000"/>
+                <a:shade val="100000"/>
+                <a:satMod val="130000"/>
+              </a:schemeClr>
+            </a:gs>
+            <a:gs pos="100000">
+              <a:schemeClr val="phClr">
+                <a:tint val="50000"/>
+                <a:shade val="100000"/>
+                <a:satMod val="350000"/>
+              </a:schemeClr>
+            </a:gs>
+          </a:gsLst>
+          <a:lin ang="16200000" scaled="0"/>
+        </a:gradFill>
+      </a:fillStyleLst>
+      <a:lnStyleLst>
+        <a:ln w="9525" cap="flat" cmpd="sng" algn="ctr">
+          <a:solidFill>
+            <a:schemeClr val="phClr">
+              <a:shade val="95000"/>
+              <a:satMod val="105000"/>
+            </a:schemeClr>
+          </a:solidFill>
+          <a:prstDash val="solid"/>
+        </a:ln>
+        <a:ln w="25400" cap="flat" cmpd="sng" algn="ctr">
+          <a:solidFill>
+            <a:schemeClr val="phClr"/>
+          </a:solidFill>
+          <a:prstDash val="solid"/>
+        </a:ln>
+        <a:ln w="38100" cap="flat" cmpd="sng" algn="ctr">
+          <a:solidFill>
+            <a:schemeClr val="phClr"/>
+          </a:solidFill>
+          <a:prstDash val="solid"/>
+        </a:ln>
+      </a:lnStyleLst>
+      <a:effectStyleLst>
+        <a:effectStyle>
+          <a:effectLst>
+            <a:outerShdw blurRad="40000" dist="20000" dir="5400000" rotWithShape="0">
+              <a:srgbClr val="000000">
+                <a:alpha val="38000"/>
+              </a:srgbClr>
+            </a:outerShdw>
+          </a:effectLst>
+        </a:effectStyle>
+        <a:effectStyle>
+          <a:effectLst>
+            <a:outerShdw blurRad="40000" dist="23000" dir="5400000" rotWithShape="0">
+              <a:srgbClr val="000000">
+                <a:alpha val="35000"/>
+              </a:srgbClr>
+            </a:outerShdw>
+          </a:effectLst>
+        </a:effectStyle>
+        <a:effectStyle>
+          <a:effectLst>
+            <a:outerShdw blurRad="40000" dist="23000" dir="5400000" rotWithShape="0">
+              <a:srgbClr val="000000">
+                <a:alpha val="35000"/>
+              </a:srgbClr>
+            </a:outerShdw>
+          </a:effectLst>
+          <a:scene3d>
+            <a:camera prst="orthographicFront">
+              <a:rot lat="0" lon="0" rev="0"/>
+            </a:camera>
+            <a:lightRig rig="threePt" dir="t">
+              <a:rot lat="0" lon="0" rev="1200000"/>
+            </a:lightRig>
+          </a:scene3d>
+          <a:sp3d>
+            <a:bevelT w="63500" h="25400"/>
+          </a:sp3d>
+        </a:effectStyle>
+      </a:effectStyleLst>
+      <a:bgFillStyleLst>
+        <a:solidFill>
+          <a:schemeClr val="phClr"/>
+        </a:solidFill>
+        <a:gradFill rotWithShape="1">
+          <a:gsLst>
+            <a:gs pos="0">
+              <a:schemeClr val="phClr">
+                <a:tint val="40000"/>
+                <a:satMod val="350000"/>
+              </a:schemeClr>
+            </a:gs>
+            <a:gs pos="40000">
+              <a:schemeClr val="phClr">
+                <a:tint val="45000"/>
+                <a:shade val="99000"/>
+                <a:satMod val="350000"/>
+              </a:schemeClr>
+            </a:gs>
+            <a:gs pos="100000">
+              <a:schemeClr val="phClr">
+                <a:shade val="20000"/>
+                <a:satMod val="255000"/>
+              </a:schemeClr>
+            </a:gs>
+          </a:gsLst>
+          <a:path path="circle">
+            <a:fillToRect l="50000" t="-80000" r="50000" b="180000"/>
+          </a:path>
+        </a:gradFill>
+        <a:gradFill rotWithShape="1">
+          <a:gsLst>
+            <a:gs pos="0">
+              <a:schemeClr val="phClr">
+                <a:tint val="80000"/>
+                <a:satMod val="300000"/>
+              </a:schemeClr>
+            </a:gs>
+            <a:gs pos="100000">
+              <a:schemeClr val="phClr">
+                <a:shade val="30000"/>
+                <a:satMod val="200000"/>
+              </a:schemeClr>
+            </a:gs>
+          </a:gsLst>
+          <a:path path="circle">
+            <a:fillToRect l="50000" t="50000" r="50000" b="50000"/>
+          </a:path>
+        </a:gradFill>
+      </a:bgFillStyleLst>
+    </a:fmtScheme>
+  </a:themeElements>
+  <a:objectDefaults>
+    <a:spDef>
+      <a:spPr/>
+      <a:bodyPr/>
+      <a:lstStyle/>
+      <a:style>
+        <a:lnRef idx="1">
+          <a:schemeClr val="accent1"/>
+        </a:lnRef>
+        <a:fillRef idx="3">
+          <a:schemeClr val="accent1"/>
+        </a:fillRef>
+        <a:effectRef idx="2">
+          <a:schemeClr val="accent1"/>
+        </a:effectRef>
+        <a:fontRef idx="minor">
+          <a:schemeClr val="lt1"/>
+        </a:fontRef>
+      </a:style>
+    </a:spDef>
+    <a:lnDef>
+      <a:spPr/>
+      <a:bodyPr/>
+      <a:lstStyle/>
+      <a:style>
+        <a:lnRef idx="2">
+          <a:schemeClr val="accent1"/>
+        </a:lnRef>
+        <a:fillRef idx="0">
+          <a:schemeClr val="accent1"/>
+        </a:fillRef>
+        <a:effectRef idx="1">
+          <a:schemeClr val="accent1"/>
+        </a:effectRef>
+        <a:fontRef idx="minor">
+          <a:schemeClr val="tx1"/>
+        </a:fontRef>
+      </a:style>
+    </a:lnDef>
+  </a:objectDefaults>
+  <a:extraClrSchemeLst/>
+</a:theme>
 </file>
--- a/translations/en-us/beginner/Touch.pptx
+++ b/translations/en-us/beginner/Touch.pptx
@@ -224,7 +224,7 @@
           <a:p>
             <a:fld id="{F8D9B3D7-15CB-9343-AA49-EFB5A8F33F18}" type="datetimeFigureOut">
               <a:rPr lang="en-US" smtClean="0"/>
-              <a:t>7/4/16</a:t>
+              <a:t>7/19/16</a:t>
             </a:fld>
             <a:endParaRPr lang="en-US"/>
           </a:p>
@@ -390,7 +390,7 @@
           <a:p>
             <a:fld id="{FD3EFF1E-85A1-6640-AFB9-C38833E80A84}" type="datetimeFigureOut">
               <a:rPr lang="en-US" smtClean="0"/>
-              <a:t>7/4/16</a:t>
+              <a:t>7/19/16</a:t>
             </a:fld>
             <a:endParaRPr lang="en-US"/>
           </a:p>
@@ -1063,7 +1063,7 @@
           <a:p>
             <a:fld id="{734D3379-CDE8-564F-A32A-D111D2B5DEDF}" type="datetime1">
               <a:rPr lang="en-US" smtClean="0"/>
-              <a:t>7/4/16</a:t>
+              <a:t>7/19/16</a:t>
             </a:fld>
             <a:endParaRPr lang="en-US"/>
           </a:p>
@@ -1282,7 +1282,7 @@
           <a:noFill/>
           <a:extLst>
             <a:ext uri="{909E8E84-426E-40dd-AFC4-6F175D3DCCD1}">
-              <a14:hiddenFill xmlns:a14="http://schemas.microsoft.com/office/drawing/2010/main" xmlns="">
+              <a14:hiddenFill xmlns="" xmlns:a14="http://schemas.microsoft.com/office/drawing/2010/main">
                 <a:solidFill>
                   <a:srgbClr val="FFFFFF"/>
                 </a:solidFill>
@@ -1604,7 +1604,7 @@
           <a:p>
             <a:fld id="{037E39DB-0282-2D43-A88B-5F84187E61CB}" type="datetime1">
               <a:rPr lang="en-US" smtClean="0"/>
-              <a:t>7/4/16</a:t>
+              <a:t>7/19/16</a:t>
             </a:fld>
             <a:endParaRPr lang="en-US"/>
           </a:p>
@@ -1796,7 +1796,7 @@
           <a:p>
             <a:fld id="{468433E0-C5EC-BE4E-AAE9-D56E452479DD}" type="datetime1">
               <a:rPr lang="en-US" smtClean="0"/>
-              <a:t>7/4/16</a:t>
+              <a:t>7/19/16</a:t>
             </a:fld>
             <a:endParaRPr lang="en-US"/>
           </a:p>
@@ -2000,7 +2000,7 @@
           <a:p>
             <a:fld id="{6BC9F42C-B4E1-5841-9147-5DFD4C8BD9AC}" type="datetime1">
               <a:rPr lang="en-US" smtClean="0"/>
-              <a:t>7/4/16</a:t>
+              <a:t>7/19/16</a:t>
             </a:fld>
             <a:endParaRPr lang="en-US"/>
           </a:p>
@@ -2174,7 +2174,7 @@
           <a:p>
             <a:fld id="{B1F855B8-4A35-2F4B-9BE5-A9E032A37919}" type="datetime1">
               <a:rPr lang="en-US" smtClean="0"/>
-              <a:t>7/4/16</a:t>
+              <a:t>7/19/16</a:t>
             </a:fld>
             <a:endParaRPr lang="en-US"/>
           </a:p>
@@ -2424,7 +2424,7 @@
           <a:p>
             <a:fld id="{76AF6D96-B6B6-9F46-8145-E884FC689B52}" type="datetime1">
               <a:rPr lang="en-US" smtClean="0"/>
-              <a:t>7/4/16</a:t>
+              <a:t>7/19/16</a:t>
             </a:fld>
             <a:endParaRPr lang="en-US"/>
           </a:p>
@@ -2660,7 +2660,7 @@
           <a:p>
             <a:fld id="{151C8181-6EF9-BB46-881E-49425AE4A1D6}" type="datetime1">
               <a:rPr lang="en-US" smtClean="0"/>
-              <a:t>7/4/16</a:t>
+              <a:t>7/19/16</a:t>
             </a:fld>
             <a:endParaRPr lang="en-US"/>
           </a:p>
@@ -3031,7 +3031,7 @@
           <a:p>
             <a:fld id="{3FE9FB58-9E1D-8C4A-B30B-612CD10181F2}" type="datetime1">
               <a:rPr lang="en-US" smtClean="0"/>
-              <a:t>7/4/16</a:t>
+              <a:t>7/19/16</a:t>
             </a:fld>
             <a:endParaRPr lang="en-US"/>
           </a:p>
@@ -3153,7 +3153,7 @@
           <a:p>
             <a:fld id="{B99A1D06-D031-574C-B314-3D3A913D09A7}" type="datetime1">
               <a:rPr lang="en-US" smtClean="0"/>
-              <a:t>7/4/16</a:t>
+              <a:t>7/19/16</a:t>
             </a:fld>
             <a:endParaRPr lang="en-US"/>
           </a:p>
@@ -3252,7 +3252,7 @@
           <a:p>
             <a:fld id="{48908501-297D-E04E-8371-D2DC10164BF0}" type="datetime1">
               <a:rPr lang="en-US" smtClean="0"/>
-              <a:t>7/4/16</a:t>
+              <a:t>7/19/16</a:t>
             </a:fld>
             <a:endParaRPr lang="en-US"/>
           </a:p>
@@ -3533,7 +3533,7 @@
           <a:p>
             <a:fld id="{85B90354-FE89-EB42-A40C-D608C6421438}" type="datetime1">
               <a:rPr lang="en-US" smtClean="0"/>
-              <a:t>7/4/16</a:t>
+              <a:t>7/19/16</a:t>
             </a:fld>
             <a:endParaRPr lang="en-US"/>
           </a:p>
@@ -3717,7 +3717,7 @@
           <a:p>
             <a:fld id="{B65FA35E-C1E6-2F43-8D1F-8D1A0506DE17}" type="datetime1">
               <a:rPr lang="en-US" smtClean="0"/>
-              <a:t>7/4/16</a:t>
+              <a:t>7/19/16</a:t>
             </a:fld>
             <a:endParaRPr lang="en-US"/>
           </a:p>
@@ -3993,7 +3993,7 @@
           <a:p>
             <a:fld id="{4325E002-C9C3-8B41-BCCA-4C3D472D296D}" type="datetime1">
               <a:rPr lang="en-US" smtClean="0"/>
-              <a:t>7/4/16</a:t>
+              <a:t>7/19/16</a:t>
             </a:fld>
             <a:endParaRPr lang="en-US"/>
           </a:p>
@@ -4167,7 +4167,7 @@
           <a:p>
             <a:fld id="{F0804892-FDBA-334B-B903-5C82D96F601B}" type="datetime1">
               <a:rPr lang="en-US" smtClean="0"/>
-              <a:t>7/4/16</a:t>
+              <a:t>7/19/16</a:t>
             </a:fld>
             <a:endParaRPr lang="en-US"/>
           </a:p>
@@ -4351,7 +4351,7 @@
           <a:p>
             <a:fld id="{BA4782C5-10F4-024F-B461-568BB589AC83}" type="datetime1">
               <a:rPr lang="en-US" smtClean="0"/>
-              <a:t>7/4/16</a:t>
+              <a:t>7/19/16</a:t>
             </a:fld>
             <a:endParaRPr lang="en-US"/>
           </a:p>
@@ -4609,7 +4609,7 @@
           <a:p>
             <a:fld id="{4759C3B7-D02A-A04B-90C6-1ABC246C483D}" type="datetime1">
               <a:rPr lang="en-US" smtClean="0"/>
-              <a:t>7/4/16</a:t>
+              <a:t>7/19/16</a:t>
             </a:fld>
             <a:endParaRPr lang="en-US"/>
           </a:p>
@@ -4914,7 +4914,7 @@
           <a:p>
             <a:fld id="{AA7DBEF8-8D86-144F-A470-7B3703EFCEC9}" type="datetime1">
               <a:rPr lang="en-US" smtClean="0"/>
-              <a:t>7/4/16</a:t>
+              <a:t>7/19/16</a:t>
             </a:fld>
             <a:endParaRPr lang="en-US"/>
           </a:p>
@@ -5377,7 +5377,7 @@
           <a:p>
             <a:fld id="{88842D03-A66B-894C-99E9-CCC3E8C15D2F}" type="datetime1">
               <a:rPr lang="en-US" smtClean="0"/>
-              <a:t>7/4/16</a:t>
+              <a:t>7/19/16</a:t>
             </a:fld>
             <a:endParaRPr lang="en-US"/>
           </a:p>
@@ -5514,7 +5514,7 @@
           <a:p>
             <a:fld id="{47FE3EF3-9D1A-AB4B-A2CC-56F2A1F031E5}" type="datetime1">
               <a:rPr lang="en-US" smtClean="0"/>
-              <a:t>7/4/16</a:t>
+              <a:t>7/19/16</a:t>
             </a:fld>
             <a:endParaRPr lang="en-US"/>
           </a:p>
@@ -5628,7 +5628,7 @@
           <a:p>
             <a:fld id="{038DEB34-34E0-ED47-A72E-77439100E0C1}" type="datetime1">
               <a:rPr lang="en-US" smtClean="0"/>
-              <a:t>7/4/16</a:t>
+              <a:t>7/19/16</a:t>
             </a:fld>
             <a:endParaRPr lang="en-US"/>
           </a:p>
@@ -5887,7 +5887,7 @@
           <a:p>
             <a:fld id="{4458F122-2B3D-7B4C-AB84-64E5124E11F9}" type="datetime1">
               <a:rPr lang="en-US" smtClean="0"/>
-              <a:t>7/4/16</a:t>
+              <a:t>7/19/16</a:t>
             </a:fld>
             <a:endParaRPr lang="en-US"/>
           </a:p>
@@ -6198,7 +6198,7 @@
           <a:p>
             <a:fld id="{F3822BCC-C4CA-584C-B495-6C2009ADC7DF}" type="datetime1">
               <a:rPr lang="en-US" smtClean="0"/>
-              <a:t>7/4/16</a:t>
+              <a:t>7/19/16</a:t>
             </a:fld>
             <a:endParaRPr lang="en-US"/>
           </a:p>
@@ -6509,7 +6509,7 @@
           <a:p>
             <a:fld id="{66CF60A4-F499-2743-ACBB-982E5F01925A}" type="datetime1">
               <a:rPr lang="en-US" smtClean="0"/>
-              <a:t>7/4/16</a:t>
+              <a:t>7/19/16</a:t>
             </a:fld>
             <a:endParaRPr lang="en-US"/>
           </a:p>
@@ -7274,7 +7274,7 @@
           <a:p>
             <a:fld id="{D757437D-136E-7246-8394-8265CCC540D4}" type="datetime1">
               <a:rPr lang="en-US" smtClean="0"/>
-              <a:t>7/4/16</a:t>
+              <a:t>7/19/16</a:t>
             </a:fld>
             <a:endParaRPr lang="en-US"/>
           </a:p>
@@ -7731,6 +7731,35 @@
           </a:p>
         </p:txBody>
       </p:sp>
+      <p:pic>
+        <p:nvPicPr>
+          <p:cNvPr id="4" name="Picture 3"/>
+          <p:cNvPicPr>
+            <a:picLocks noChangeAspect="1"/>
+          </p:cNvPicPr>
+          <p:nvPr/>
+        </p:nvPicPr>
+        <p:blipFill rotWithShape="1">
+          <a:blip r:embed="rId2">
+            <a:extLst>
+              <a:ext uri="{28A0092B-C50C-407E-A947-70E740481C1C}">
+                <a14:useLocalDpi xmlns:a14="http://schemas.microsoft.com/office/drawing/2010/main" val="0"/>
+              </a:ext>
+            </a:extLst>
+          </a:blip>
+          <a:srcRect l="4523" t="17619" r="3095" b="25000"/>
+          <a:stretch/>
+        </p:blipFill>
+        <p:spPr>
+          <a:xfrm>
+            <a:off x="3711108" y="4592409"/>
+            <a:ext cx="1700816" cy="1056435"/>
+          </a:xfrm>
+          <a:prstGeom prst="rect">
+            <a:avLst/>
+          </a:prstGeom>
+        </p:spPr>
+      </p:pic>
     </p:spTree>
     <p:extLst>
       <p:ext uri="{BB962C8B-B14F-4D97-AF65-F5344CB8AC3E}">
@@ -9218,7 +9247,6 @@
               <a:rPr lang="en-US" sz="1800" dirty="0" smtClean="0"/>
               <a:t> </a:t>
             </a:r>
-            <a:endParaRPr lang="en-US" sz="1800" dirty="0" smtClean="0"/>
           </a:p>
           <a:p>
             <a:pPr marL="342900" indent="-342900">
@@ -9227,15 +9255,7 @@
             </a:pPr>
             <a:r>
               <a:rPr lang="en-US" sz="1800" dirty="0" smtClean="0"/>
-              <a:t>More </a:t>
-            </a:r>
-            <a:r>
-              <a:rPr lang="en-US" sz="1800" dirty="0" smtClean="0"/>
-              <a:t>lessons are available at </a:t>
-            </a:r>
-            <a:r>
-              <a:rPr lang="en-US" sz="1800" dirty="0" smtClean="0"/>
-              <a:t>www.ev3lessons.com</a:t>
+              <a:t>More lessons are available at www.ev3lessons.com</a:t>
             </a:r>
             <a:r>
               <a:rPr lang="en-US" sz="1800" b="0" dirty="0"/>
@@ -9319,7 +9339,7 @@
           <a:effectLst/>
           <a:extLst>
             <a:ext uri="{91240B29-F687-4f45-9708-019B960494DF}">
-              <a14:hiddenLine xmlns="" xmlns:a14="http://schemas.microsoft.com/office/drawing/2010/main" w="9525">
+              <a14:hiddenLine xmlns:a14="http://schemas.microsoft.com/office/drawing/2010/main" xmlns="" w="9525">
                 <a:solidFill>
                   <a:schemeClr val="tx1"/>
                 </a:solidFill>
@@ -9329,7 +9349,7 @@
               </a14:hiddenLine>
             </a:ext>
             <a:ext uri="{AF507438-7753-43e0-B8FC-AC1667EBCBE1}">
-              <a14:hiddenEffects xmlns="" xmlns:a14="http://schemas.microsoft.com/office/drawing/2010/main">
+              <a14:hiddenEffects xmlns:a14="http://schemas.microsoft.com/office/drawing/2010/main" xmlns="">
                 <a:effectLst>
                   <a:outerShdw dist="35921" dir="2700000" algn="ctr" rotWithShape="0">
                     <a:schemeClr val="bg2"/>
@@ -9682,7 +9702,7 @@
           <a:noFill/>
           <a:extLst>
             <a:ext uri="{909E8E84-426E-40dd-AFC4-6F175D3DCCD1}">
-              <a14:hiddenFill xmlns="" xmlns:a14="http://schemas.microsoft.com/office/drawing/2010/main">
+              <a14:hiddenFill xmlns:a14="http://schemas.microsoft.com/office/drawing/2010/main" xmlns="">
                 <a:solidFill>
                   <a:srgbClr val="FFFFFF"/>
                 </a:solidFill>
@@ -10073,7 +10093,7 @@
           <a:noFill/>
           <a:extLst>
             <a:ext uri="{909E8E84-426E-40dd-AFC4-6F175D3DCCD1}">
-              <a14:hiddenFill xmlns="" xmlns:a14="http://schemas.microsoft.com/office/drawing/2010/main">
+              <a14:hiddenFill xmlns:a14="http://schemas.microsoft.com/office/drawing/2010/main" xmlns="">
                 <a:solidFill>
                   <a:srgbClr val="FFFFFF"/>
                 </a:solidFill>
@@ -13201,7 +13221,7 @@
           <a:noFill/>
           <a:extLst>
             <a:ext uri="{909E8E84-426E-40dd-AFC4-6F175D3DCCD1}">
-              <a14:hiddenFill xmlns="" xmlns:a14="http://schemas.microsoft.com/office/drawing/2010/main">
+              <a14:hiddenFill xmlns:a14="http://schemas.microsoft.com/office/drawing/2010/main" xmlns="">
                 <a:solidFill>
                   <a:srgbClr val="FFFFFF"/>
                 </a:solidFill>
